--- a/data_base_normalization.pptx
+++ b/data_base_normalization.pptx
@@ -203,7 +203,7 @@
           <a:p>
             <a:fld id="{2299C1EC-A3C1-9B4C-8E74-6284A30CE1C6}" type="datetimeFigureOut">
               <a:rPr lang="en-US" smtClean="0"/>
-              <a:t>5/5/25</a:t>
+              <a:t>5/7/25</a:t>
             </a:fld>
             <a:endParaRPr lang="en-US"/>
           </a:p>
@@ -1121,7 +1121,7 @@
           <a:p>
             <a:fld id="{0DFFD55B-AC3A-F346-8A62-4C3F627E4C33}" type="datetimeFigureOut">
               <a:rPr lang="en-US" smtClean="0"/>
-              <a:t>5/5/25</a:t>
+              <a:t>5/7/25</a:t>
             </a:fld>
             <a:endParaRPr lang="en-US"/>
           </a:p>
@@ -1319,7 +1319,7 @@
           <a:p>
             <a:fld id="{0DFFD55B-AC3A-F346-8A62-4C3F627E4C33}" type="datetimeFigureOut">
               <a:rPr lang="en-US" smtClean="0"/>
-              <a:t>5/5/25</a:t>
+              <a:t>5/7/25</a:t>
             </a:fld>
             <a:endParaRPr lang="en-US"/>
           </a:p>
@@ -1527,7 +1527,7 @@
           <a:p>
             <a:fld id="{0DFFD55B-AC3A-F346-8A62-4C3F627E4C33}" type="datetimeFigureOut">
               <a:rPr lang="en-US" smtClean="0"/>
-              <a:t>5/5/25</a:t>
+              <a:t>5/7/25</a:t>
             </a:fld>
             <a:endParaRPr lang="en-US"/>
           </a:p>
@@ -1725,7 +1725,7 @@
           <a:p>
             <a:fld id="{0DFFD55B-AC3A-F346-8A62-4C3F627E4C33}" type="datetimeFigureOut">
               <a:rPr lang="en-US" smtClean="0"/>
-              <a:t>5/5/25</a:t>
+              <a:t>5/7/25</a:t>
             </a:fld>
             <a:endParaRPr lang="en-US"/>
           </a:p>
@@ -2000,7 +2000,7 @@
           <a:p>
             <a:fld id="{0DFFD55B-AC3A-F346-8A62-4C3F627E4C33}" type="datetimeFigureOut">
               <a:rPr lang="en-US" smtClean="0"/>
-              <a:t>5/5/25</a:t>
+              <a:t>5/7/25</a:t>
             </a:fld>
             <a:endParaRPr lang="en-US"/>
           </a:p>
@@ -2265,7 +2265,7 @@
           <a:p>
             <a:fld id="{0DFFD55B-AC3A-F346-8A62-4C3F627E4C33}" type="datetimeFigureOut">
               <a:rPr lang="en-US" smtClean="0"/>
-              <a:t>5/5/25</a:t>
+              <a:t>5/7/25</a:t>
             </a:fld>
             <a:endParaRPr lang="en-US"/>
           </a:p>
@@ -2677,7 +2677,7 @@
           <a:p>
             <a:fld id="{0DFFD55B-AC3A-F346-8A62-4C3F627E4C33}" type="datetimeFigureOut">
               <a:rPr lang="en-US" smtClean="0"/>
-              <a:t>5/5/25</a:t>
+              <a:t>5/7/25</a:t>
             </a:fld>
             <a:endParaRPr lang="en-US"/>
           </a:p>
@@ -2818,7 +2818,7 @@
           <a:p>
             <a:fld id="{0DFFD55B-AC3A-F346-8A62-4C3F627E4C33}" type="datetimeFigureOut">
               <a:rPr lang="en-US" smtClean="0"/>
-              <a:t>5/5/25</a:t>
+              <a:t>5/7/25</a:t>
             </a:fld>
             <a:endParaRPr lang="en-US"/>
           </a:p>
@@ -2931,7 +2931,7 @@
           <a:p>
             <a:fld id="{0DFFD55B-AC3A-F346-8A62-4C3F627E4C33}" type="datetimeFigureOut">
               <a:rPr lang="en-US" smtClean="0"/>
-              <a:t>5/5/25</a:t>
+              <a:t>5/7/25</a:t>
             </a:fld>
             <a:endParaRPr lang="en-US"/>
           </a:p>
@@ -3242,7 +3242,7 @@
           <a:p>
             <a:fld id="{0DFFD55B-AC3A-F346-8A62-4C3F627E4C33}" type="datetimeFigureOut">
               <a:rPr lang="en-US" smtClean="0"/>
-              <a:t>5/5/25</a:t>
+              <a:t>5/7/25</a:t>
             </a:fld>
             <a:endParaRPr lang="en-US"/>
           </a:p>
@@ -3530,7 +3530,7 @@
           <a:p>
             <a:fld id="{0DFFD55B-AC3A-F346-8A62-4C3F627E4C33}" type="datetimeFigureOut">
               <a:rPr lang="en-US" smtClean="0"/>
-              <a:t>5/5/25</a:t>
+              <a:t>5/7/25</a:t>
             </a:fld>
             <a:endParaRPr lang="en-US"/>
           </a:p>
@@ -3771,7 +3771,7 @@
           <a:p>
             <a:fld id="{0DFFD55B-AC3A-F346-8A62-4C3F627E4C33}" type="datetimeFigureOut">
               <a:rPr lang="en-US" smtClean="0"/>
-              <a:t>5/5/25</a:t>
+              <a:t>5/7/25</a:t>
             </a:fld>
             <a:endParaRPr lang="en-US"/>
           </a:p>
@@ -19442,7 +19442,7 @@
         <p:spPr>
           <a:xfrm>
             <a:off x="208672" y="297040"/>
-            <a:ext cx="11678529" cy="5447645"/>
+            <a:ext cx="11678529" cy="5262979"/>
           </a:xfrm>
           <a:prstGeom prst="rect">
             <a:avLst/>
@@ -19537,95 +19537,43 @@
               <a:buChar char="•"/>
             </a:pPr>
             <a:r>
+              <a:rPr lang="en-US" sz="1200" b="1" dirty="0" err="1"/>
+              <a:t>Mo_Codes</a:t>
+            </a:r>
+            <a:r>
               <a:rPr lang="en-US" sz="1200" b="1" dirty="0"/>
-              <a:t>Crime Codes never used in any incident (Set Theory)</a:t>
+              <a:t> never used in any incident (Set Theory)</a:t>
             </a:r>
             <a:br>
               <a:rPr lang="en-US" sz="1200" dirty="0"/>
             </a:br>
             <a:r>
               <a:rPr lang="en-US" sz="1200" dirty="0"/>
-              <a:t>This query will identify and display all crime codes that were never used in any reported incident. The tables used will </a:t>
+              <a:t>This query identifies and displays all Modus Operandi (MO) codes that have been defined in the </a:t>
             </a:r>
             <a:r>
               <a:rPr lang="en-US" sz="1200" dirty="0" err="1"/>
-              <a:t>crime_code_description</a:t>
+              <a:t>mocode_descriptiontable</a:t>
             </a:r>
             <a:r>
               <a:rPr lang="en-US" sz="1200" dirty="0"/>
-              <a:t> and </a:t>
+              <a:t> but have never been used in any reported incident. We perform a set difference operation by selecting all MO codes from </a:t>
             </a:r>
             <a:r>
               <a:rPr lang="en-US" sz="1200" dirty="0" err="1"/>
-              <a:t>crime_code</a:t>
+              <a:t>mocode_description</a:t>
             </a:r>
             <a:r>
               <a:rPr lang="en-US" sz="1200" dirty="0"/>
-              <a:t>. I will do a set different where I want all of the crime codes in </a:t>
+              <a:t> and subtracting the set of MO codes that appear in the </a:t>
             </a:r>
             <a:r>
               <a:rPr lang="en-US" sz="1200" dirty="0" err="1"/>
-              <a:t>crime_code_description</a:t>
+              <a:t>mocode</a:t>
             </a:r>
             <a:r>
               <a:rPr lang="en-US" sz="1200" dirty="0"/>
-              <a:t> that are not in </a:t>
-            </a:r>
-            <a:r>
-              <a:rPr lang="en-US" sz="1200" dirty="0" err="1"/>
-              <a:t>crime_codes</a:t>
-            </a:r>
-            <a:r>
-              <a:rPr lang="en-US" sz="1200" dirty="0"/>
-              <a:t> (</a:t>
-            </a:r>
-            <a:r>
-              <a:rPr lang="en-US" sz="1200" dirty="0" err="1"/>
-              <a:t>crime_code_description</a:t>
-            </a:r>
-            <a:r>
-              <a:rPr lang="en-US" sz="1200" dirty="0"/>
-              <a:t> MINUS </a:t>
-            </a:r>
-            <a:r>
-              <a:rPr lang="en-US" sz="1200" dirty="0" err="1"/>
-              <a:t>crime_code</a:t>
-            </a:r>
-            <a:r>
-              <a:rPr lang="en-US" sz="1200" dirty="0"/>
-              <a:t>). I plan to select all of the </a:t>
-            </a:r>
-            <a:r>
-              <a:rPr lang="en-US" sz="1200" dirty="0" err="1"/>
-              <a:t>Crm_Cd</a:t>
-            </a:r>
-            <a:r>
-              <a:rPr lang="en-US" sz="1200" dirty="0"/>
-              <a:t> from </a:t>
-            </a:r>
-            <a:r>
-              <a:rPr lang="en-US" sz="1200" dirty="0" err="1"/>
-              <a:t>crime_code_description</a:t>
-            </a:r>
-            <a:r>
-              <a:rPr lang="en-US" sz="1200" dirty="0"/>
-              <a:t> then subtract the set of </a:t>
-            </a:r>
-            <a:r>
-              <a:rPr lang="en-US" sz="1200" dirty="0" err="1"/>
-              <a:t>Crm_Cd</a:t>
-            </a:r>
-            <a:r>
-              <a:rPr lang="en-US" sz="1200" dirty="0"/>
-              <a:t> that appear in the </a:t>
-            </a:r>
-            <a:r>
-              <a:rPr lang="en-US" sz="1200" dirty="0" err="1"/>
-              <a:t>crime_code</a:t>
-            </a:r>
-            <a:r>
-              <a:rPr lang="en-US" sz="1200" dirty="0"/>
-              <a:t> table and then return the remaining crime codes with there descriptions.</a:t>
+              <a:t> table. The result is a list of unused MO codes along with their descriptions.</a:t>
             </a:r>
           </a:p>
           <a:p>
@@ -19637,15 +19585,37 @@
               <a:buChar char="•"/>
             </a:pPr>
             <a:r>
-              <a:rPr lang="en-US" sz="1200" b="1" dirty="0"/>
-              <a:t>Annual crime trends (Aggregations)</a:t>
+              <a:rPr lang="en-US" sz="1200" b="1" i="0" u="none" strike="noStrike" dirty="0">
+                <a:solidFill>
+                  <a:srgbClr val="000000"/>
+                </a:solidFill>
+                <a:effectLst/>
+                <a:latin typeface="-webkit-standard"/>
+              </a:rPr>
+              <a:t>Monthly Crime Counts per Reporting District (Aggregation with Join)</a:t>
             </a:r>
             <a:br>
               <a:rPr lang="en-US" sz="1200" dirty="0"/>
             </a:br>
             <a:r>
               <a:rPr lang="en-US" sz="1200" dirty="0"/>
-              <a:t>This query will count how many incidents were reported in each year. The table that will be used is the incident table. The column that will be used is the </a:t>
+              <a:t>This query will display the number of incidents per reporting district every month. The table that will be used are </a:t>
+            </a:r>
+            <a:r>
+              <a:rPr lang="en-US" sz="1200" dirty="0" err="1"/>
+              <a:t>rpt_no</a:t>
+            </a:r>
+            <a:r>
+              <a:rPr lang="en-US" sz="1200" dirty="0"/>
+              <a:t> and incident. I will attempt a join between the incident table and the </a:t>
+            </a:r>
+            <a:r>
+              <a:rPr lang="en-US" sz="1200" dirty="0" err="1"/>
+              <a:t>rpt_no</a:t>
+            </a:r>
+            <a:r>
+              <a:rPr lang="en-US" sz="1200" dirty="0"/>
+              <a:t> table where RPT_DIST_NO is the same. Then extract the month from </a:t>
             </a:r>
             <a:r>
               <a:rPr lang="en-US" sz="1200" dirty="0" err="1"/>
@@ -19653,22 +19623,10 @@
             </a:r>
             <a:r>
               <a:rPr lang="en-US" sz="1200" dirty="0"/>
-              <a:t> and we will have to extract the year from that column. The we will use the count method and the the group by method to count the total number of incidents per year and we will group by the year property that was extracted from the </a:t>
-            </a:r>
-            <a:r>
-              <a:rPr lang="en-US" sz="1200" dirty="0" err="1"/>
-              <a:t>Date_OCC</a:t>
-            </a:r>
-            <a:r>
-              <a:rPr lang="en-US" sz="1200" dirty="0"/>
-              <a:t>.</a:t>
+              <a:t> and group by the month and the reporting district.</a:t>
             </a:r>
           </a:p>
           <a:p>
-            <a:pPr marL="285750" indent="-285750">
-              <a:buFont typeface="Arial" panose="020B0604020202020204" pitchFamily="34" charset="0"/>
-              <a:buChar char="•"/>
-            </a:pPr>
             <a:endParaRPr lang="en-US" sz="1200" dirty="0"/>
           </a:p>
           <a:p>
@@ -19706,22 +19664,14 @@
             </a:pPr>
             <a:r>
               <a:rPr lang="en-US" sz="1200" b="1" dirty="0"/>
-              <a:t>Firearm incidents involving </a:t>
-            </a:r>
-            <a:r>
-              <a:rPr lang="en-US" sz="1200" b="1" dirty="0" err="1"/>
-              <a:t>femal</a:t>
-            </a:r>
-            <a:r>
-              <a:rPr lang="en-US" sz="1200" b="1" dirty="0"/>
-              <a:t> victims over time</a:t>
+              <a:t>Firearm incidents involving female victims </a:t>
             </a:r>
             <a:br>
               <a:rPr lang="en-US" sz="1200" dirty="0"/>
             </a:br>
             <a:r>
               <a:rPr lang="en-US" sz="1200" dirty="0"/>
-              <a:t>This query will show incidents that involved firearms and females' victims and it will group them by year to show how many of those incidents were reported in that specific year. The tables that will be used are incident and weapon. I plan to do a join with the incident and weapon table on </a:t>
+              <a:t>This query will show incidents that involved firearms and female victims, and it will group them by month to show how many of those incidents were reported in that specific month. The tables that will be used are incident and weapon. I plan to do a join with the incident and weapon table on </a:t>
             </a:r>
             <a:r>
               <a:rPr lang="en-US" sz="1200" dirty="0" err="1"/>
@@ -19745,7 +19695,7 @@
             </a:r>
             <a:r>
               <a:rPr lang="en-US" sz="1200" dirty="0"/>
-              <a:t> includes firearm related words. After that I will need to extract the year from </a:t>
+              <a:t> includes firearm related words. After that I will need to extract the month from </a:t>
             </a:r>
             <a:r>
               <a:rPr lang="en-US" sz="1200" dirty="0" err="1"/>
@@ -19753,8 +19703,13 @@
             </a:r>
             <a:r>
               <a:rPr lang="en-US" sz="1200" dirty="0"/>
-              <a:t> and then group by that extracted year and count the number of those incidents per year. </a:t>
+              <a:t> and then group by that extracted month and count the number of those incidents </a:t>
             </a:r>
+            <a:r>
+              <a:rPr lang="en-US" sz="1200"/>
+              <a:t>per month. </a:t>
+            </a:r>
+            <a:endParaRPr lang="en-US" sz="1200" dirty="0"/>
           </a:p>
           <a:p>
             <a:endParaRPr lang="en-US" sz="1200" dirty="0"/>

--- a/data_base_normalization.pptx
+++ b/data_base_normalization.pptx
@@ -19442,7 +19442,7 @@
         <p:spPr>
           <a:xfrm>
             <a:off x="208672" y="297040"/>
-            <a:ext cx="11678529" cy="5262979"/>
+            <a:ext cx="11678529" cy="5078313"/>
           </a:xfrm>
           <a:prstGeom prst="rect">
             <a:avLst/>
@@ -19468,7 +19468,7 @@
             </a:br>
             <a:r>
               <a:rPr lang="en-US" sz="1200" dirty="0"/>
-              <a:t>This query will find the top 5 most commonly reported crime types across all incidents. The tables that will be used are incident, </a:t>
+              <a:t>This query identifies the top 5 most commonly reported crime types across all incidents. The tables used are incident, </a:t>
             </a:r>
             <a:r>
               <a:rPr lang="en-US" sz="1200" dirty="0" err="1"/>
@@ -19476,7 +19476,7 @@
             </a:r>
             <a:r>
               <a:rPr lang="en-US" sz="1200" dirty="0"/>
-              <a:t>, and </a:t>
+              <a:t>, and </a:t>
             </a:r>
             <a:r>
               <a:rPr lang="en-US" sz="1200" dirty="0" err="1"/>
@@ -19484,7 +19484,7 @@
             </a:r>
             <a:r>
               <a:rPr lang="en-US" sz="1200" dirty="0"/>
-              <a:t>. I plan to do a join on the incident and </a:t>
+              <a:t>. I will join the incident and </a:t>
             </a:r>
             <a:r>
               <a:rPr lang="en-US" sz="1200" dirty="0" err="1"/>
@@ -19492,7 +19492,7 @@
             </a:r>
             <a:r>
               <a:rPr lang="en-US" sz="1200" dirty="0"/>
-              <a:t> table on the column DR_NO. Then with that result do another join with </a:t>
+              <a:t> tables on the DR_NO column. Then, I will join the result with </a:t>
             </a:r>
             <a:r>
               <a:rPr lang="en-US" sz="1200" dirty="0" err="1"/>
@@ -19500,15 +19500,10 @@
             </a:r>
             <a:r>
               <a:rPr lang="en-US" sz="1200" dirty="0"/>
-              <a:t> to get the description of the crime. I will then count the frequency of each crime code then sort and display the top 5.</a:t>
+              <a:t> to retrieve the crime descriptions. Finally, I will count the frequency of each crime description, sort them in descending order, and display the top 5 results.</a:t>
             </a:r>
-            <a:endParaRPr lang="en-US" sz="1200" b="1" dirty="0"/>
           </a:p>
           <a:p>
-            <a:pPr marL="285750" indent="-285750">
-              <a:buFont typeface="Arial" panose="020B0604020202020204" pitchFamily="34" charset="0"/>
-              <a:buChar char="•"/>
-            </a:pPr>
             <a:endParaRPr lang="en-US" sz="1200" b="1" dirty="0"/>
           </a:p>
           <a:p>
@@ -19525,7 +19520,7 @@
             </a:br>
             <a:r>
               <a:rPr lang="en-US" sz="1200" dirty="0"/>
-              <a:t>List all LAPD divisions and the number of incidents, including those that reported non incidents. I plan to do a left join from the area table to and the incident table using AREA. Then I plan the group by AREA to count incidents. I plan to display even the areas that have 0 incidents.</a:t>
+              <a:t>This query lists all LAPD divisions along with the number of incidents reported in each, including divisions with zero incidents. I will perform a LEFT JOIN from the area table to the incident table using the AREA column. Then, I will group the results by AREA and count the number of incidents per division, ensuring all areas are displayed even if they had no incidents.</a:t>
             </a:r>
           </a:p>
           <a:p>
@@ -19549,15 +19544,7 @@
             </a:br>
             <a:r>
               <a:rPr lang="en-US" sz="1200" dirty="0"/>
-              <a:t>This query identifies and displays all Modus Operandi (MO) codes that have been defined in the </a:t>
-            </a:r>
-            <a:r>
-              <a:rPr lang="en-US" sz="1200" dirty="0" err="1"/>
-              <a:t>mocode_descriptiontable</a:t>
-            </a:r>
-            <a:r>
-              <a:rPr lang="en-US" sz="1200" dirty="0"/>
-              <a:t> but have never been used in any reported incident. We perform a set difference operation by selecting all MO codes from </a:t>
+              <a:t>This query identifies and displays all Modus Operandi (MO) codes that are defined in the </a:t>
             </a:r>
             <a:r>
               <a:rPr lang="en-US" sz="1200" dirty="0" err="1"/>
@@ -19565,7 +19552,15 @@
             </a:r>
             <a:r>
               <a:rPr lang="en-US" sz="1200" dirty="0"/>
-              <a:t> and subtracting the set of MO codes that appear in the </a:t>
+              <a:t> table but have never been used in any reported incident. This is a set difference operation: selecting all MO codes from </a:t>
+            </a:r>
+            <a:r>
+              <a:rPr lang="en-US" sz="1200" dirty="0" err="1"/>
+              <a:t>mocode_description</a:t>
+            </a:r>
+            <a:r>
+              <a:rPr lang="en-US" sz="1200" dirty="0"/>
+              <a:t> and subtracting those that appear in the </a:t>
             </a:r>
             <a:r>
               <a:rPr lang="en-US" sz="1200" dirty="0" err="1"/>
@@ -19599,7 +19594,7 @@
             </a:br>
             <a:r>
               <a:rPr lang="en-US" sz="1200" dirty="0"/>
-              <a:t>This query will display the number of incidents per reporting district every month. The table that will be used are </a:t>
+              <a:t>This query displays the number of incidents reported in each reporting district per month. The tables used are </a:t>
             </a:r>
             <a:r>
               <a:rPr lang="en-US" sz="1200" dirty="0" err="1"/>
@@ -19607,7 +19602,7 @@
             </a:r>
             <a:r>
               <a:rPr lang="en-US" sz="1200" dirty="0"/>
-              <a:t> and incident. I will attempt a join between the incident table and the </a:t>
+              <a:t> and incident. I will join the incident table with the </a:t>
             </a:r>
             <a:r>
               <a:rPr lang="en-US" sz="1200" dirty="0" err="1"/>
@@ -19615,15 +19610,7 @@
             </a:r>
             <a:r>
               <a:rPr lang="en-US" sz="1200" dirty="0"/>
-              <a:t> table where RPT_DIST_NO is the same. Then extract the month from </a:t>
-            </a:r>
-            <a:r>
-              <a:rPr lang="en-US" sz="1200" dirty="0" err="1"/>
-              <a:t>Date_OCC</a:t>
-            </a:r>
-            <a:r>
-              <a:rPr lang="en-US" sz="1200" dirty="0"/>
-              <a:t> and group by the month and the reporting district.</a:t>
+              <a:t> table using the RPT_DIST_NO column, extract the month from DATE_OCC, and group the results by both reporting district and month.</a:t>
             </a:r>
           </a:p>
           <a:p>
@@ -19643,7 +19630,15 @@
             </a:br>
             <a:r>
               <a:rPr lang="en-US" sz="1200" dirty="0"/>
-              <a:t>This query will show all of the incidents involving a firearm. The tables that will be used will be incident and weapon. I plan to do a join on incident and weapon using </a:t>
+              <a:t>This query shows all incidents involving a firearm. The tables used are incident and weapon. I will join the </a:t>
+            </a:r>
+            <a:r>
+              <a:rPr lang="en-US" sz="1200" dirty="0" err="1"/>
+              <a:t>incidentand</a:t>
+            </a:r>
+            <a:r>
+              <a:rPr lang="en-US" sz="1200" dirty="0"/>
+              <a:t> weapon tables on the </a:t>
             </a:r>
             <a:r>
               <a:rPr lang="en-US" sz="1200" dirty="0" err="1"/>
@@ -19651,7 +19646,7 @@
             </a:r>
             <a:r>
               <a:rPr lang="en-US" sz="1200" dirty="0"/>
-              <a:t>. I then will then filter the results for descriptions that include firearm related words (HANDGUN, RIFLE, OTHER FIREARM, . . .).</a:t>
+              <a:t> column, then filter the results to include only those with firearm-related weapon descriptions such as "HANDGUN", "RIFLE", "OTHER FIREARM", and similar.</a:t>
             </a:r>
           </a:p>
           <a:p>
@@ -19671,7 +19666,15 @@
             </a:br>
             <a:r>
               <a:rPr lang="en-US" sz="1200" dirty="0"/>
-              <a:t>This query will show incidents that involved firearms and female victims, and it will group them by month to show how many of those incidents were reported in that specific month. The tables that will be used are incident and weapon. I plan to do a join with the incident and weapon table on </a:t>
+              <a:t>This query shows all firearm-related incidents involving female victims, grouped by month. The tables used are </a:t>
+            </a:r>
+            <a:r>
+              <a:rPr lang="en-US" sz="1200" dirty="0" err="1"/>
+              <a:t>incidentand</a:t>
+            </a:r>
+            <a:r>
+              <a:rPr lang="en-US" sz="1200" dirty="0"/>
+              <a:t> weapon. I will join these tables on the </a:t>
             </a:r>
             <a:r>
               <a:rPr lang="en-US" sz="1200" dirty="0" err="1"/>
@@ -19679,7 +19682,7 @@
             </a:r>
             <a:r>
               <a:rPr lang="en-US" sz="1200" dirty="0"/>
-              <a:t>. From there I plan to filter the results to include only those incidents where </a:t>
+              <a:t> column and filter for records where </a:t>
             </a:r>
             <a:r>
               <a:rPr lang="en-US" sz="1200" dirty="0" err="1"/>
@@ -19687,31 +19690,12 @@
             </a:r>
             <a:r>
               <a:rPr lang="en-US" sz="1200" dirty="0"/>
-              <a:t> = ‘F’ and where the </a:t>
-            </a:r>
-            <a:r>
-              <a:rPr lang="en-US" sz="1200" dirty="0" err="1"/>
-              <a:t>Weapon_Desc</a:t>
-            </a:r>
-            <a:r>
-              <a:rPr lang="en-US" sz="1200" dirty="0"/>
-              <a:t> includes firearm related words. After that I will need to extract the month from </a:t>
-            </a:r>
-            <a:r>
-              <a:rPr lang="en-US" sz="1200" dirty="0" err="1"/>
-              <a:t>Date_OCC</a:t>
-            </a:r>
-            <a:r>
-              <a:rPr lang="en-US" sz="1200" dirty="0"/>
-              <a:t> and then group by that extracted month and count the number of those incidents </a:t>
+              <a:t> = 'F' and the weapon description includes firearm-related terms. </a:t>
             </a:r>
             <a:r>
               <a:rPr lang="en-US" sz="1200"/>
-              <a:t>per month. </a:t>
+              <a:t>Then, I will extract the month from DATE_OCC and group the results to count the number of such incidents per month.</a:t>
             </a:r>
-            <a:endParaRPr lang="en-US" sz="1200" dirty="0"/>
-          </a:p>
-          <a:p>
             <a:endParaRPr lang="en-US" sz="1200" dirty="0"/>
           </a:p>
         </p:txBody>

--- a/data_base_normalization.pptx
+++ b/data_base_normalization.pptx
@@ -5,16 +5,17 @@
     <p:sldMasterId id="2147483648" r:id="rId1"/>
   </p:sldMasterIdLst>
   <p:notesMasterIdLst>
-    <p:notesMasterId r:id="rId9"/>
+    <p:notesMasterId r:id="rId10"/>
   </p:notesMasterIdLst>
   <p:sldIdLst>
     <p:sldId id="256" r:id="rId2"/>
     <p:sldId id="257" r:id="rId3"/>
     <p:sldId id="258" r:id="rId4"/>
-    <p:sldId id="259" r:id="rId5"/>
-    <p:sldId id="260" r:id="rId6"/>
-    <p:sldId id="261" r:id="rId7"/>
-    <p:sldId id="262" r:id="rId8"/>
+    <p:sldId id="263" r:id="rId5"/>
+    <p:sldId id="259" r:id="rId6"/>
+    <p:sldId id="260" r:id="rId7"/>
+    <p:sldId id="261" r:id="rId8"/>
+    <p:sldId id="262" r:id="rId9"/>
   </p:sldIdLst>
   <p:sldSz cx="12192000" cy="6858000"/>
   <p:notesSz cx="6858000" cy="9144000"/>
@@ -703,7 +704,7 @@
           <a:p>
             <a:fld id="{686CE97D-C431-534E-958E-0B7B2C17F421}" type="slidenum">
               <a:rPr lang="en-US" smtClean="0"/>
-              <a:t>4</a:t>
+              <a:t>5</a:t>
             </a:fld>
             <a:endParaRPr lang="en-US"/>
           </a:p>
@@ -787,7 +788,7 @@
           <a:p>
             <a:fld id="{686CE97D-C431-534E-958E-0B7B2C17F421}" type="slidenum">
               <a:rPr lang="en-US" smtClean="0"/>
-              <a:t>5</a:t>
+              <a:t>6</a:t>
             </a:fld>
             <a:endParaRPr lang="en-US"/>
           </a:p>
@@ -871,7 +872,7 @@
           <a:p>
             <a:fld id="{686CE97D-C431-534E-958E-0B7B2C17F421}" type="slidenum">
               <a:rPr lang="en-US" smtClean="0"/>
-              <a:t>6</a:t>
+              <a:t>7</a:t>
             </a:fld>
             <a:endParaRPr lang="en-US"/>
           </a:p>
@@ -955,7 +956,7 @@
           <a:p>
             <a:fld id="{686CE97D-C431-534E-958E-0B7B2C17F421}" type="slidenum">
               <a:rPr lang="en-US" smtClean="0"/>
-              <a:t>7</a:t>
+              <a:t>8</a:t>
             </a:fld>
             <a:endParaRPr lang="en-US"/>
           </a:p>
@@ -9061,13 +9062,13 @@
           <p:nvPr>
             <p:extLst>
               <p:ext uri="{D42A27DB-BD31-4B8C-83A1-F6EECF244321}">
-                <p14:modId xmlns:p14="http://schemas.microsoft.com/office/powerpoint/2010/main" val="259831252"/>
+                <p14:modId xmlns:p14="http://schemas.microsoft.com/office/powerpoint/2010/main" val="840328799"/>
               </p:ext>
             </p:extLst>
           </p:nvPr>
         </p:nvGraphicFramePr>
         <p:xfrm>
-          <a:off x="6448946" y="3523021"/>
+          <a:off x="5128735" y="3468082"/>
           <a:ext cx="2891904" cy="370840"/>
         </p:xfrm>
         <a:graphic>
@@ -9176,7 +9177,7 @@
         </p:nvSpPr>
         <p:spPr>
           <a:xfrm>
-            <a:off x="6448946" y="3246022"/>
+            <a:off x="5128735" y="3191083"/>
             <a:ext cx="1010213" cy="276999"/>
           </a:xfrm>
           <a:prstGeom prst="rect">
@@ -9219,14 +9220,14 @@
           <p:nvPr>
             <p:extLst>
               <p:ext uri="{D42A27DB-BD31-4B8C-83A1-F6EECF244321}">
-                <p14:modId xmlns:p14="http://schemas.microsoft.com/office/powerpoint/2010/main" val="416237381"/>
+                <p14:modId xmlns:p14="http://schemas.microsoft.com/office/powerpoint/2010/main" val="2994147423"/>
               </p:ext>
             </p:extLst>
           </p:nvPr>
         </p:nvGraphicFramePr>
         <p:xfrm>
-          <a:off x="9856394" y="3526968"/>
-          <a:ext cx="1931914" cy="370840"/>
+          <a:off x="8536182" y="3472029"/>
+          <a:ext cx="2453730" cy="370840"/>
         </p:xfrm>
         <a:graphic>
           <a:graphicData uri="http://schemas.openxmlformats.org/drawingml/2006/table">
@@ -9235,17 +9236,24 @@
                 <a:tableStyleId>{5C22544A-7EE6-4342-B048-85BDC9FD1C3A}</a:tableStyleId>
               </a:tblPr>
               <a:tblGrid>
-                <a:gridCol w="965957">
+                <a:gridCol w="817910">
                   <a:extLst>
                     <a:ext uri="{9D8B030D-6E8A-4147-A177-3AD203B41FA5}">
                       <a16:colId xmlns:a16="http://schemas.microsoft.com/office/drawing/2014/main" val="1704886902"/>
                     </a:ext>
                   </a:extLst>
                 </a:gridCol>
-                <a:gridCol w="965957">
+                <a:gridCol w="817910">
                   <a:extLst>
                     <a:ext uri="{9D8B030D-6E8A-4147-A177-3AD203B41FA5}">
                       <a16:colId xmlns:a16="http://schemas.microsoft.com/office/drawing/2014/main" val="1802662335"/>
+                    </a:ext>
+                  </a:extLst>
+                </a:gridCol>
+                <a:gridCol w="817910">
+                  <a:extLst>
+                    <a:ext uri="{9D8B030D-6E8A-4147-A177-3AD203B41FA5}">
+                      <a16:colId xmlns:a16="http://schemas.microsoft.com/office/drawing/2014/main" val="1738671057"/>
                     </a:ext>
                   </a:extLst>
                 </a:gridCol>
@@ -9277,6 +9285,19 @@
                   </a:txBody>
                   <a:tcPr/>
                 </a:tc>
+                <a:tc>
+                  <a:txBody>
+                    <a:bodyPr/>
+                    <a:lstStyle/>
+                    <a:p>
+                      <a:r>
+                        <a:rPr lang="en-US" sz="1000" b="0" dirty="0"/>
+                        <a:t>Part</a:t>
+                      </a:r>
+                    </a:p>
+                  </a:txBody>
+                  <a:tcPr/>
+                </a:tc>
                 <a:extLst>
                   <a:ext uri="{0D108BD9-81ED-4DB2-BD59-A6C34878D82A}">
                     <a16:rowId xmlns:a16="http://schemas.microsoft.com/office/drawing/2014/main" val="1857642510"/>
@@ -9301,7 +9322,7 @@
         </p:nvSpPr>
         <p:spPr>
           <a:xfrm>
-            <a:off x="9856394" y="3219911"/>
+            <a:off x="8536183" y="3164972"/>
             <a:ext cx="1802096" cy="461665"/>
           </a:xfrm>
           <a:prstGeom prst="rect">
@@ -9350,14 +9371,14 @@
           <p:nvPr>
             <p:extLst>
               <p:ext uri="{D42A27DB-BD31-4B8C-83A1-F6EECF244321}">
-                <p14:modId xmlns:p14="http://schemas.microsoft.com/office/powerpoint/2010/main" val="1221224285"/>
+                <p14:modId xmlns:p14="http://schemas.microsoft.com/office/powerpoint/2010/main" val="2173952422"/>
               </p:ext>
             </p:extLst>
           </p:nvPr>
         </p:nvGraphicFramePr>
         <p:xfrm>
           <a:off x="149058" y="4361186"/>
-          <a:ext cx="11195814" cy="1050140"/>
+          <a:ext cx="10662680" cy="1050140"/>
         </p:xfrm>
         <a:graphic>
           <a:graphicData uri="http://schemas.openxmlformats.org/drawingml/2006/table">
@@ -9412,13 +9433,6 @@
                   <a:extLst>
                     <a:ext uri="{9D8B030D-6E8A-4147-A177-3AD203B41FA5}">
                       <a16:colId xmlns:a16="http://schemas.microsoft.com/office/drawing/2014/main" val="353885409"/>
-                    </a:ext>
-                  </a:extLst>
-                </a:gridCol>
-                <a:gridCol w="533134">
-                  <a:extLst>
-                    <a:ext uri="{9D8B030D-6E8A-4147-A177-3AD203B41FA5}">
-                      <a16:colId xmlns:a16="http://schemas.microsoft.com/office/drawing/2014/main" val="870912900"/>
                     </a:ext>
                   </a:extLst>
                 </a:gridCol>
@@ -9903,59 +9917,6 @@
                           <a:latin typeface="Arial" panose="020B0604020202020204" pitchFamily="34" charset="0"/>
                           <a:cs typeface="Arial" panose="020B0604020202020204" pitchFamily="34" charset="0"/>
                         </a:rPr>
-                        <a:t>Part</a:t>
-                      </a:r>
-                    </a:p>
-                  </a:txBody>
-                  <a:tcPr vert="vert270" anchor="ctr" anchorCtr="1">
-                    <a:lnL w="12700" cap="flat" cmpd="sng" algn="ctr">
-                      <a:solidFill>
-                        <a:schemeClr val="tx1"/>
-                      </a:solidFill>
-                      <a:prstDash val="solid"/>
-                      <a:round/>
-                      <a:headEnd type="none" w="med" len="med"/>
-                      <a:tailEnd type="none" w="med" len="med"/>
-                    </a:lnL>
-                    <a:lnR w="12700" cap="flat" cmpd="sng" algn="ctr">
-                      <a:solidFill>
-                        <a:schemeClr val="tx1"/>
-                      </a:solidFill>
-                      <a:prstDash val="solid"/>
-                      <a:round/>
-                      <a:headEnd type="none" w="med" len="med"/>
-                      <a:tailEnd type="none" w="med" len="med"/>
-                    </a:lnR>
-                    <a:lnT w="12700" cap="flat" cmpd="sng" algn="ctr">
-                      <a:solidFill>
-                        <a:schemeClr val="tx1"/>
-                      </a:solidFill>
-                      <a:prstDash val="solid"/>
-                      <a:round/>
-                      <a:headEnd type="none" w="med" len="med"/>
-                      <a:tailEnd type="none" w="med" len="med"/>
-                    </a:lnT>
-                    <a:lnB w="12700" cap="flat" cmpd="sng" algn="ctr">
-                      <a:solidFill>
-                        <a:schemeClr val="tx1"/>
-                      </a:solidFill>
-                      <a:prstDash val="solid"/>
-                      <a:round/>
-                      <a:headEnd type="none" w="med" len="med"/>
-                      <a:tailEnd type="none" w="med" len="med"/>
-                    </a:lnB>
-                  </a:tcPr>
-                </a:tc>
-                <a:tc>
-                  <a:txBody>
-                    <a:bodyPr/>
-                    <a:lstStyle/>
-                    <a:p>
-                      <a:r>
-                        <a:rPr lang="en-US" sz="1000" b="0" dirty="0">
-                          <a:latin typeface="Arial" panose="020B0604020202020204" pitchFamily="34" charset="0"/>
-                          <a:cs typeface="Arial" panose="020B0604020202020204" pitchFamily="34" charset="0"/>
-                        </a:rPr>
                         <a:t>Vict Age</a:t>
                       </a:r>
                     </a:p>
@@ -10738,7 +10699,7 @@
         <p:spPr>
           <a:xfrm>
             <a:off x="510540" y="5943600"/>
-            <a:ext cx="10599420" cy="0"/>
+            <a:ext cx="10073640" cy="0"/>
           </a:xfrm>
           <a:prstGeom prst="line">
             <a:avLst/>
@@ -11476,45 +11437,6 @@
         <p:spPr>
           <a:xfrm flipV="1">
             <a:off x="10584180" y="5546558"/>
-            <a:ext cx="0" cy="397042"/>
-          </a:xfrm>
-          <a:prstGeom prst="straightConnector1">
-            <a:avLst/>
-          </a:prstGeom>
-          <a:ln>
-            <a:tailEnd type="triangle"/>
-          </a:ln>
-        </p:spPr>
-        <p:style>
-          <a:lnRef idx="1">
-            <a:schemeClr val="dk1"/>
-          </a:lnRef>
-          <a:fillRef idx="0">
-            <a:schemeClr val="dk1"/>
-          </a:fillRef>
-          <a:effectRef idx="0">
-            <a:schemeClr val="dk1"/>
-          </a:effectRef>
-          <a:fontRef idx="minor">
-            <a:schemeClr val="tx1"/>
-          </a:fontRef>
-        </p:style>
-      </p:cxnSp>
-      <p:cxnSp>
-        <p:nvCxnSpPr>
-          <p:cNvPr id="110" name="Straight Arrow Connector 109">
-            <a:extLst>
-              <a:ext uri="{FF2B5EF4-FFF2-40B4-BE49-F238E27FC236}">
-                <a16:creationId xmlns:a16="http://schemas.microsoft.com/office/drawing/2014/main" id="{6D91C0EE-DDD3-D863-0823-A97922BD9864}"/>
-              </a:ext>
-            </a:extLst>
-          </p:cNvPr>
-          <p:cNvCxnSpPr/>
-          <p:nvPr/>
-        </p:nvCxnSpPr>
-        <p:spPr>
-          <a:xfrm flipV="1">
-            <a:off x="11109960" y="5546558"/>
             <a:ext cx="0" cy="397042"/>
           </a:xfrm>
           <a:prstGeom prst="straightConnector1">
@@ -11574,6 +11496,85 @@
           </a:p>
         </p:txBody>
       </p:sp>
+      <p:sp>
+        <p:nvSpPr>
+          <p:cNvPr id="3" name="TextBox 2">
+            <a:extLst>
+              <a:ext uri="{FF2B5EF4-FFF2-40B4-BE49-F238E27FC236}">
+                <a16:creationId xmlns:a16="http://schemas.microsoft.com/office/drawing/2014/main" id="{8EA46C5D-2153-8E96-E7D3-67DAD25DD266}"/>
+              </a:ext>
+            </a:extLst>
+          </p:cNvPr>
+          <p:cNvSpPr txBox="1"/>
+          <p:nvPr/>
+        </p:nvSpPr>
+        <p:spPr>
+          <a:xfrm>
+            <a:off x="9406614" y="2723531"/>
+            <a:ext cx="2355132" cy="261610"/>
+          </a:xfrm>
+          <a:prstGeom prst="rect">
+            <a:avLst/>
+          </a:prstGeom>
+          <a:noFill/>
+        </p:spPr>
+        <p:txBody>
+          <a:bodyPr wrap="none" rtlCol="0">
+            <a:spAutoFit/>
+          </a:bodyPr>
+          <a:lstStyle/>
+          <a:p>
+            <a:r>
+              <a:rPr lang="en-US" sz="1100" dirty="0"/>
+              <a:t>Part should go with </a:t>
+            </a:r>
+            <a:r>
+              <a:rPr lang="en-US" sz="1100" dirty="0" err="1"/>
+              <a:t>crime_code_table</a:t>
+            </a:r>
+            <a:endParaRPr lang="en-US" sz="1100" dirty="0"/>
+          </a:p>
+        </p:txBody>
+      </p:sp>
+      <p:cxnSp>
+        <p:nvCxnSpPr>
+          <p:cNvPr id="6" name="Straight Arrow Connector 5">
+            <a:extLst>
+              <a:ext uri="{FF2B5EF4-FFF2-40B4-BE49-F238E27FC236}">
+                <a16:creationId xmlns:a16="http://schemas.microsoft.com/office/drawing/2014/main" id="{D777503D-0AA7-62A6-6136-9285F915E904}"/>
+              </a:ext>
+            </a:extLst>
+          </p:cNvPr>
+          <p:cNvCxnSpPr/>
+          <p:nvPr/>
+        </p:nvCxnSpPr>
+        <p:spPr>
+          <a:xfrm>
+            <a:off x="10708395" y="3062689"/>
+            <a:ext cx="0" cy="333115"/>
+          </a:xfrm>
+          <a:prstGeom prst="straightConnector1">
+            <a:avLst/>
+          </a:prstGeom>
+          <a:ln>
+            <a:tailEnd type="triangle"/>
+          </a:ln>
+        </p:spPr>
+        <p:style>
+          <a:lnRef idx="1">
+            <a:schemeClr val="dk1"/>
+          </a:lnRef>
+          <a:fillRef idx="0">
+            <a:schemeClr val="dk1"/>
+          </a:fillRef>
+          <a:effectRef idx="0">
+            <a:schemeClr val="dk1"/>
+          </a:effectRef>
+          <a:fontRef idx="minor">
+            <a:schemeClr val="tx1"/>
+          </a:fontRef>
+        </p:style>
+      </p:cxnSp>
     </p:spTree>
     <p:extLst>
       <p:ext uri="{BB962C8B-B14F-4D97-AF65-F5344CB8AC3E}">
@@ -11654,14 +11655,14 @@
           <p:nvPr>
             <p:extLst>
               <p:ext uri="{D42A27DB-BD31-4B8C-83A1-F6EECF244321}">
-                <p14:modId xmlns:p14="http://schemas.microsoft.com/office/powerpoint/2010/main" val="3948988338"/>
+                <p14:modId xmlns:p14="http://schemas.microsoft.com/office/powerpoint/2010/main" val="3188111487"/>
               </p:ext>
             </p:extLst>
           </p:nvPr>
         </p:nvGraphicFramePr>
         <p:xfrm>
           <a:off x="231526" y="805227"/>
-          <a:ext cx="11195814" cy="1050140"/>
+          <a:ext cx="10662680" cy="1050140"/>
         </p:xfrm>
         <a:graphic>
           <a:graphicData uri="http://schemas.openxmlformats.org/drawingml/2006/table">
@@ -11716,13 +11717,6 @@
                   <a:extLst>
                     <a:ext uri="{9D8B030D-6E8A-4147-A177-3AD203B41FA5}">
                       <a16:colId xmlns:a16="http://schemas.microsoft.com/office/drawing/2014/main" val="353885409"/>
-                    </a:ext>
-                  </a:extLst>
-                </a:gridCol>
-                <a:gridCol w="533134">
-                  <a:extLst>
-                    <a:ext uri="{9D8B030D-6E8A-4147-A177-3AD203B41FA5}">
-                      <a16:colId xmlns:a16="http://schemas.microsoft.com/office/drawing/2014/main" val="870912900"/>
                     </a:ext>
                   </a:extLst>
                 </a:gridCol>
@@ -12207,59 +12201,6 @@
                           <a:latin typeface="Arial" panose="020B0604020202020204" pitchFamily="34" charset="0"/>
                           <a:cs typeface="Arial" panose="020B0604020202020204" pitchFamily="34" charset="0"/>
                         </a:rPr>
-                        <a:t>Part</a:t>
-                      </a:r>
-                    </a:p>
-                  </a:txBody>
-                  <a:tcPr vert="vert270" anchor="ctr" anchorCtr="1">
-                    <a:lnL w="12700" cap="flat" cmpd="sng" algn="ctr">
-                      <a:solidFill>
-                        <a:schemeClr val="tx1"/>
-                      </a:solidFill>
-                      <a:prstDash val="solid"/>
-                      <a:round/>
-                      <a:headEnd type="none" w="med" len="med"/>
-                      <a:tailEnd type="none" w="med" len="med"/>
-                    </a:lnL>
-                    <a:lnR w="12700" cap="flat" cmpd="sng" algn="ctr">
-                      <a:solidFill>
-                        <a:schemeClr val="tx1"/>
-                      </a:solidFill>
-                      <a:prstDash val="solid"/>
-                      <a:round/>
-                      <a:headEnd type="none" w="med" len="med"/>
-                      <a:tailEnd type="none" w="med" len="med"/>
-                    </a:lnR>
-                    <a:lnT w="12700" cap="flat" cmpd="sng" algn="ctr">
-                      <a:solidFill>
-                        <a:schemeClr val="tx1"/>
-                      </a:solidFill>
-                      <a:prstDash val="solid"/>
-                      <a:round/>
-                      <a:headEnd type="none" w="med" len="med"/>
-                      <a:tailEnd type="none" w="med" len="med"/>
-                    </a:lnT>
-                    <a:lnB w="12700" cap="flat" cmpd="sng" algn="ctr">
-                      <a:solidFill>
-                        <a:schemeClr val="tx1"/>
-                      </a:solidFill>
-                      <a:prstDash val="solid"/>
-                      <a:round/>
-                      <a:headEnd type="none" w="med" len="med"/>
-                      <a:tailEnd type="none" w="med" len="med"/>
-                    </a:lnB>
-                  </a:tcPr>
-                </a:tc>
-                <a:tc>
-                  <a:txBody>
-                    <a:bodyPr/>
-                    <a:lstStyle/>
-                    <a:p>
-                      <a:r>
-                        <a:rPr lang="en-US" sz="1000" b="0" dirty="0">
-                          <a:latin typeface="Arial" panose="020B0604020202020204" pitchFamily="34" charset="0"/>
-                          <a:cs typeface="Arial" panose="020B0604020202020204" pitchFamily="34" charset="0"/>
-                        </a:rPr>
                         <a:t>Vict Age</a:t>
                       </a:r>
                     </a:p>
@@ -12733,12 +12674,16 @@
                     <a:lstStyle/>
                     <a:p>
                       <a:r>
-                        <a:rPr lang="en-US" sz="1000" b="0" dirty="0">
+                        <a:rPr lang="en-US" sz="1000" b="0" dirty="0" err="1">
                           <a:latin typeface="Arial" panose="020B0604020202020204" pitchFamily="34" charset="0"/>
                           <a:cs typeface="Arial" panose="020B0604020202020204" pitchFamily="34" charset="0"/>
                         </a:rPr>
-                        <a:t>Location</a:t>
+                        <a:t>Location_Id</a:t>
                       </a:r>
+                      <a:endParaRPr lang="en-US" sz="1000" b="0" dirty="0">
+                        <a:latin typeface="Arial" panose="020B0604020202020204" pitchFamily="34" charset="0"/>
+                        <a:cs typeface="Arial" panose="020B0604020202020204" pitchFamily="34" charset="0"/>
+                      </a:endParaRPr>
                     </a:p>
                   </a:txBody>
                   <a:tcPr vert="vert270" anchor="ctr" anchorCtr="1">
@@ -12949,544 +12894,6 @@
           </a:graphicData>
         </a:graphic>
       </p:graphicFrame>
-      <p:cxnSp>
-        <p:nvCxnSpPr>
-          <p:cNvPr id="36" name="Straight Connector 35">
-            <a:extLst>
-              <a:ext uri="{FF2B5EF4-FFF2-40B4-BE49-F238E27FC236}">
-                <a16:creationId xmlns:a16="http://schemas.microsoft.com/office/drawing/2014/main" id="{9D2EDE92-1DA7-B97D-6AA1-754155C73FFE}"/>
-              </a:ext>
-            </a:extLst>
-          </p:cNvPr>
-          <p:cNvCxnSpPr/>
-          <p:nvPr/>
-        </p:nvCxnSpPr>
-        <p:spPr>
-          <a:xfrm>
-            <a:off x="530942" y="1976284"/>
-            <a:ext cx="0" cy="442451"/>
-          </a:xfrm>
-          <a:prstGeom prst="line">
-            <a:avLst/>
-          </a:prstGeom>
-        </p:spPr>
-        <p:style>
-          <a:lnRef idx="1">
-            <a:schemeClr val="dk1"/>
-          </a:lnRef>
-          <a:fillRef idx="0">
-            <a:schemeClr val="dk1"/>
-          </a:fillRef>
-          <a:effectRef idx="0">
-            <a:schemeClr val="dk1"/>
-          </a:effectRef>
-          <a:fontRef idx="minor">
-            <a:schemeClr val="tx1"/>
-          </a:fontRef>
-        </p:style>
-      </p:cxnSp>
-      <p:cxnSp>
-        <p:nvCxnSpPr>
-          <p:cNvPr id="38" name="Straight Connector 37">
-            <a:extLst>
-              <a:ext uri="{FF2B5EF4-FFF2-40B4-BE49-F238E27FC236}">
-                <a16:creationId xmlns:a16="http://schemas.microsoft.com/office/drawing/2014/main" id="{A4BC5497-32EE-A8B8-A861-A1C55A19075E}"/>
-              </a:ext>
-            </a:extLst>
-          </p:cNvPr>
-          <p:cNvCxnSpPr>
-            <a:cxnSpLocks/>
-          </p:cNvCxnSpPr>
-          <p:nvPr/>
-        </p:nvCxnSpPr>
-        <p:spPr>
-          <a:xfrm flipV="1">
-            <a:off x="530942" y="2418734"/>
-            <a:ext cx="9087191" cy="1"/>
-          </a:xfrm>
-          <a:prstGeom prst="line">
-            <a:avLst/>
-          </a:prstGeom>
-        </p:spPr>
-        <p:style>
-          <a:lnRef idx="1">
-            <a:schemeClr val="dk1"/>
-          </a:lnRef>
-          <a:fillRef idx="0">
-            <a:schemeClr val="dk1"/>
-          </a:fillRef>
-          <a:effectRef idx="0">
-            <a:schemeClr val="dk1"/>
-          </a:effectRef>
-          <a:fontRef idx="minor">
-            <a:schemeClr val="tx1"/>
-          </a:fontRef>
-        </p:style>
-      </p:cxnSp>
-      <p:cxnSp>
-        <p:nvCxnSpPr>
-          <p:cNvPr id="40" name="Straight Arrow Connector 39">
-            <a:extLst>
-              <a:ext uri="{FF2B5EF4-FFF2-40B4-BE49-F238E27FC236}">
-                <a16:creationId xmlns:a16="http://schemas.microsoft.com/office/drawing/2014/main" id="{67C50CE7-EF72-9EE8-E018-1ED89D6246A6}"/>
-              </a:ext>
-            </a:extLst>
-          </p:cNvPr>
-          <p:cNvCxnSpPr/>
-          <p:nvPr/>
-        </p:nvCxnSpPr>
-        <p:spPr>
-          <a:xfrm flipV="1">
-            <a:off x="1002890" y="1976284"/>
-            <a:ext cx="0" cy="442451"/>
-          </a:xfrm>
-          <a:prstGeom prst="straightConnector1">
-            <a:avLst/>
-          </a:prstGeom>
-          <a:ln>
-            <a:tailEnd type="triangle"/>
-          </a:ln>
-        </p:spPr>
-        <p:style>
-          <a:lnRef idx="1">
-            <a:schemeClr val="dk1"/>
-          </a:lnRef>
-          <a:fillRef idx="0">
-            <a:schemeClr val="dk1"/>
-          </a:fillRef>
-          <a:effectRef idx="0">
-            <a:schemeClr val="dk1"/>
-          </a:effectRef>
-          <a:fontRef idx="minor">
-            <a:schemeClr val="tx1"/>
-          </a:fontRef>
-        </p:style>
-      </p:cxnSp>
-      <p:cxnSp>
-        <p:nvCxnSpPr>
-          <p:cNvPr id="42" name="Straight Arrow Connector 41">
-            <a:extLst>
-              <a:ext uri="{FF2B5EF4-FFF2-40B4-BE49-F238E27FC236}">
-                <a16:creationId xmlns:a16="http://schemas.microsoft.com/office/drawing/2014/main" id="{9414AEC6-7E0D-DB9E-08CE-B3E86A09DEBE}"/>
-              </a:ext>
-            </a:extLst>
-          </p:cNvPr>
-          <p:cNvCxnSpPr/>
-          <p:nvPr/>
-        </p:nvCxnSpPr>
-        <p:spPr>
-          <a:xfrm flipV="1">
-            <a:off x="1622323" y="1976284"/>
-            <a:ext cx="0" cy="442451"/>
-          </a:xfrm>
-          <a:prstGeom prst="straightConnector1">
-            <a:avLst/>
-          </a:prstGeom>
-          <a:ln>
-            <a:tailEnd type="triangle"/>
-          </a:ln>
-        </p:spPr>
-        <p:style>
-          <a:lnRef idx="1">
-            <a:schemeClr val="dk1"/>
-          </a:lnRef>
-          <a:fillRef idx="0">
-            <a:schemeClr val="dk1"/>
-          </a:fillRef>
-          <a:effectRef idx="0">
-            <a:schemeClr val="dk1"/>
-          </a:effectRef>
-          <a:fontRef idx="minor">
-            <a:schemeClr val="tx1"/>
-          </a:fontRef>
-        </p:style>
-      </p:cxnSp>
-      <p:cxnSp>
-        <p:nvCxnSpPr>
-          <p:cNvPr id="44" name="Straight Arrow Connector 43">
-            <a:extLst>
-              <a:ext uri="{FF2B5EF4-FFF2-40B4-BE49-F238E27FC236}">
-                <a16:creationId xmlns:a16="http://schemas.microsoft.com/office/drawing/2014/main" id="{2474ABF9-AEDA-7C77-1B2E-54B8BD79E501}"/>
-              </a:ext>
-            </a:extLst>
-          </p:cNvPr>
-          <p:cNvCxnSpPr/>
-          <p:nvPr/>
-        </p:nvCxnSpPr>
-        <p:spPr>
-          <a:xfrm flipV="1">
-            <a:off x="2094271" y="1976284"/>
-            <a:ext cx="0" cy="442451"/>
-          </a:xfrm>
-          <a:prstGeom prst="straightConnector1">
-            <a:avLst/>
-          </a:prstGeom>
-          <a:ln>
-            <a:tailEnd type="triangle"/>
-          </a:ln>
-        </p:spPr>
-        <p:style>
-          <a:lnRef idx="1">
-            <a:schemeClr val="dk1"/>
-          </a:lnRef>
-          <a:fillRef idx="0">
-            <a:schemeClr val="dk1"/>
-          </a:fillRef>
-          <a:effectRef idx="0">
-            <a:schemeClr val="dk1"/>
-          </a:effectRef>
-          <a:fontRef idx="minor">
-            <a:schemeClr val="tx1"/>
-          </a:fontRef>
-        </p:style>
-      </p:cxnSp>
-      <p:cxnSp>
-        <p:nvCxnSpPr>
-          <p:cNvPr id="48" name="Straight Arrow Connector 47">
-            <a:extLst>
-              <a:ext uri="{FF2B5EF4-FFF2-40B4-BE49-F238E27FC236}">
-                <a16:creationId xmlns:a16="http://schemas.microsoft.com/office/drawing/2014/main" id="{F9EC9BE1-DE0D-55FC-9F68-CC33C7D23B0F}"/>
-              </a:ext>
-            </a:extLst>
-          </p:cNvPr>
-          <p:cNvCxnSpPr/>
-          <p:nvPr/>
-        </p:nvCxnSpPr>
-        <p:spPr>
-          <a:xfrm flipV="1">
-            <a:off x="4243754" y="1976284"/>
-            <a:ext cx="0" cy="442451"/>
-          </a:xfrm>
-          <a:prstGeom prst="straightConnector1">
-            <a:avLst/>
-          </a:prstGeom>
-          <a:ln>
-            <a:tailEnd type="triangle"/>
-          </a:ln>
-        </p:spPr>
-        <p:style>
-          <a:lnRef idx="1">
-            <a:schemeClr val="dk1"/>
-          </a:lnRef>
-          <a:fillRef idx="0">
-            <a:schemeClr val="dk1"/>
-          </a:fillRef>
-          <a:effectRef idx="0">
-            <a:schemeClr val="dk1"/>
-          </a:effectRef>
-          <a:fontRef idx="minor">
-            <a:schemeClr val="tx1"/>
-          </a:fontRef>
-        </p:style>
-      </p:cxnSp>
-      <p:cxnSp>
-        <p:nvCxnSpPr>
-          <p:cNvPr id="50" name="Straight Arrow Connector 49">
-            <a:extLst>
-              <a:ext uri="{FF2B5EF4-FFF2-40B4-BE49-F238E27FC236}">
-                <a16:creationId xmlns:a16="http://schemas.microsoft.com/office/drawing/2014/main" id="{C786FBFC-127A-E227-FFC8-4992BF4B8767}"/>
-              </a:ext>
-            </a:extLst>
-          </p:cNvPr>
-          <p:cNvCxnSpPr/>
-          <p:nvPr/>
-        </p:nvCxnSpPr>
-        <p:spPr>
-          <a:xfrm flipV="1">
-            <a:off x="4775200" y="1976284"/>
-            <a:ext cx="0" cy="442451"/>
-          </a:xfrm>
-          <a:prstGeom prst="straightConnector1">
-            <a:avLst/>
-          </a:prstGeom>
-          <a:ln>
-            <a:tailEnd type="triangle"/>
-          </a:ln>
-        </p:spPr>
-        <p:style>
-          <a:lnRef idx="1">
-            <a:schemeClr val="dk1"/>
-          </a:lnRef>
-          <a:fillRef idx="0">
-            <a:schemeClr val="dk1"/>
-          </a:fillRef>
-          <a:effectRef idx="0">
-            <a:schemeClr val="dk1"/>
-          </a:effectRef>
-          <a:fontRef idx="minor">
-            <a:schemeClr val="tx1"/>
-          </a:fontRef>
-        </p:style>
-      </p:cxnSp>
-      <p:cxnSp>
-        <p:nvCxnSpPr>
-          <p:cNvPr id="52" name="Straight Arrow Connector 51">
-            <a:extLst>
-              <a:ext uri="{FF2B5EF4-FFF2-40B4-BE49-F238E27FC236}">
-                <a16:creationId xmlns:a16="http://schemas.microsoft.com/office/drawing/2014/main" id="{C0F202F9-70A6-5C3B-3688-3DDDAF46C2AC}"/>
-              </a:ext>
-            </a:extLst>
-          </p:cNvPr>
-          <p:cNvCxnSpPr/>
-          <p:nvPr/>
-        </p:nvCxnSpPr>
-        <p:spPr>
-          <a:xfrm flipV="1">
-            <a:off x="5350933" y="1976284"/>
-            <a:ext cx="0" cy="442451"/>
-          </a:xfrm>
-          <a:prstGeom prst="straightConnector1">
-            <a:avLst/>
-          </a:prstGeom>
-          <a:ln>
-            <a:tailEnd type="triangle"/>
-          </a:ln>
-        </p:spPr>
-        <p:style>
-          <a:lnRef idx="1">
-            <a:schemeClr val="dk1"/>
-          </a:lnRef>
-          <a:fillRef idx="0">
-            <a:schemeClr val="dk1"/>
-          </a:fillRef>
-          <a:effectRef idx="0">
-            <a:schemeClr val="dk1"/>
-          </a:effectRef>
-          <a:fontRef idx="minor">
-            <a:schemeClr val="tx1"/>
-          </a:fontRef>
-        </p:style>
-      </p:cxnSp>
-      <p:cxnSp>
-        <p:nvCxnSpPr>
-          <p:cNvPr id="53" name="Straight Arrow Connector 52">
-            <a:extLst>
-              <a:ext uri="{FF2B5EF4-FFF2-40B4-BE49-F238E27FC236}">
-                <a16:creationId xmlns:a16="http://schemas.microsoft.com/office/drawing/2014/main" id="{98941846-BFEE-6138-88B2-C3E28DB69669}"/>
-              </a:ext>
-            </a:extLst>
-          </p:cNvPr>
-          <p:cNvCxnSpPr/>
-          <p:nvPr/>
-        </p:nvCxnSpPr>
-        <p:spPr>
-          <a:xfrm flipV="1">
-            <a:off x="5867399" y="1976284"/>
-            <a:ext cx="0" cy="442451"/>
-          </a:xfrm>
-          <a:prstGeom prst="straightConnector1">
-            <a:avLst/>
-          </a:prstGeom>
-          <a:ln>
-            <a:tailEnd type="triangle"/>
-          </a:ln>
-        </p:spPr>
-        <p:style>
-          <a:lnRef idx="1">
-            <a:schemeClr val="dk1"/>
-          </a:lnRef>
-          <a:fillRef idx="0">
-            <a:schemeClr val="dk1"/>
-          </a:fillRef>
-          <a:effectRef idx="0">
-            <a:schemeClr val="dk1"/>
-          </a:effectRef>
-          <a:fontRef idx="minor">
-            <a:schemeClr val="tx1"/>
-          </a:fontRef>
-        </p:style>
-      </p:cxnSp>
-      <p:cxnSp>
-        <p:nvCxnSpPr>
-          <p:cNvPr id="55" name="Straight Arrow Connector 54">
-            <a:extLst>
-              <a:ext uri="{FF2B5EF4-FFF2-40B4-BE49-F238E27FC236}">
-                <a16:creationId xmlns:a16="http://schemas.microsoft.com/office/drawing/2014/main" id="{10208A1D-1274-7384-CCBB-3CDF07A5861C}"/>
-              </a:ext>
-            </a:extLst>
-          </p:cNvPr>
-          <p:cNvCxnSpPr/>
-          <p:nvPr/>
-        </p:nvCxnSpPr>
-        <p:spPr>
-          <a:xfrm flipV="1">
-            <a:off x="7433733" y="1976284"/>
-            <a:ext cx="0" cy="442451"/>
-          </a:xfrm>
-          <a:prstGeom prst="straightConnector1">
-            <a:avLst/>
-          </a:prstGeom>
-          <a:ln>
-            <a:tailEnd type="triangle"/>
-          </a:ln>
-        </p:spPr>
-        <p:style>
-          <a:lnRef idx="1">
-            <a:schemeClr val="dk1"/>
-          </a:lnRef>
-          <a:fillRef idx="0">
-            <a:schemeClr val="dk1"/>
-          </a:fillRef>
-          <a:effectRef idx="0">
-            <a:schemeClr val="dk1"/>
-          </a:effectRef>
-          <a:fontRef idx="minor">
-            <a:schemeClr val="tx1"/>
-          </a:fontRef>
-        </p:style>
-      </p:cxnSp>
-      <p:cxnSp>
-        <p:nvCxnSpPr>
-          <p:cNvPr id="56" name="Straight Arrow Connector 55">
-            <a:extLst>
-              <a:ext uri="{FF2B5EF4-FFF2-40B4-BE49-F238E27FC236}">
-                <a16:creationId xmlns:a16="http://schemas.microsoft.com/office/drawing/2014/main" id="{7AA1BB13-8670-44BD-45EA-F0BE96045F9D}"/>
-              </a:ext>
-            </a:extLst>
-          </p:cNvPr>
-          <p:cNvCxnSpPr/>
-          <p:nvPr/>
-        </p:nvCxnSpPr>
-        <p:spPr>
-          <a:xfrm flipV="1">
-            <a:off x="8534400" y="1976284"/>
-            <a:ext cx="0" cy="442451"/>
-          </a:xfrm>
-          <a:prstGeom prst="straightConnector1">
-            <a:avLst/>
-          </a:prstGeom>
-          <a:ln>
-            <a:tailEnd type="triangle"/>
-          </a:ln>
-        </p:spPr>
-        <p:style>
-          <a:lnRef idx="1">
-            <a:schemeClr val="dk1"/>
-          </a:lnRef>
-          <a:fillRef idx="0">
-            <a:schemeClr val="dk1"/>
-          </a:fillRef>
-          <a:effectRef idx="0">
-            <a:schemeClr val="dk1"/>
-          </a:effectRef>
-          <a:fontRef idx="minor">
-            <a:schemeClr val="tx1"/>
-          </a:fontRef>
-        </p:style>
-      </p:cxnSp>
-      <p:cxnSp>
-        <p:nvCxnSpPr>
-          <p:cNvPr id="57" name="Straight Arrow Connector 56">
-            <a:extLst>
-              <a:ext uri="{FF2B5EF4-FFF2-40B4-BE49-F238E27FC236}">
-                <a16:creationId xmlns:a16="http://schemas.microsoft.com/office/drawing/2014/main" id="{B8FA1E7E-2E6D-1E63-5012-690F6AB12537}"/>
-              </a:ext>
-            </a:extLst>
-          </p:cNvPr>
-          <p:cNvCxnSpPr/>
-          <p:nvPr/>
-        </p:nvCxnSpPr>
-        <p:spPr>
-          <a:xfrm flipV="1">
-            <a:off x="9618133" y="1976284"/>
-            <a:ext cx="0" cy="442451"/>
-          </a:xfrm>
-          <a:prstGeom prst="straightConnector1">
-            <a:avLst/>
-          </a:prstGeom>
-          <a:ln>
-            <a:tailEnd type="triangle"/>
-          </a:ln>
-        </p:spPr>
-        <p:style>
-          <a:lnRef idx="1">
-            <a:schemeClr val="dk1"/>
-          </a:lnRef>
-          <a:fillRef idx="0">
-            <a:schemeClr val="dk1"/>
-          </a:fillRef>
-          <a:effectRef idx="0">
-            <a:schemeClr val="dk1"/>
-          </a:effectRef>
-          <a:fontRef idx="minor">
-            <a:schemeClr val="tx1"/>
-          </a:fontRef>
-        </p:style>
-      </p:cxnSp>
-      <p:sp>
-        <p:nvSpPr>
-          <p:cNvPr id="65" name="TextBox 64">
-            <a:extLst>
-              <a:ext uri="{FF2B5EF4-FFF2-40B4-BE49-F238E27FC236}">
-                <a16:creationId xmlns:a16="http://schemas.microsoft.com/office/drawing/2014/main" id="{3BCC8A2E-1CED-5EE0-A1B7-9C93CF5A01F3}"/>
-              </a:ext>
-            </a:extLst>
-          </p:cNvPr>
-          <p:cNvSpPr txBox="1"/>
-          <p:nvPr/>
-        </p:nvSpPr>
-        <p:spPr>
-          <a:xfrm>
-            <a:off x="32702" y="2238136"/>
-            <a:ext cx="428322" cy="276999"/>
-          </a:xfrm>
-          <a:prstGeom prst="rect">
-            <a:avLst/>
-          </a:prstGeom>
-          <a:noFill/>
-        </p:spPr>
-        <p:txBody>
-          <a:bodyPr wrap="none" rtlCol="0">
-            <a:spAutoFit/>
-          </a:bodyPr>
-          <a:lstStyle/>
-          <a:p>
-            <a:r>
-              <a:rPr lang="en-US" sz="1200" dirty="0"/>
-              <a:t>FD1</a:t>
-            </a:r>
-          </a:p>
-        </p:txBody>
-      </p:sp>
-      <p:cxnSp>
-        <p:nvCxnSpPr>
-          <p:cNvPr id="67" name="Straight Arrow Connector 66">
-            <a:extLst>
-              <a:ext uri="{FF2B5EF4-FFF2-40B4-BE49-F238E27FC236}">
-                <a16:creationId xmlns:a16="http://schemas.microsoft.com/office/drawing/2014/main" id="{C98CD9E8-8B8C-A4F8-21BF-E68FD81C47B3}"/>
-              </a:ext>
-            </a:extLst>
-          </p:cNvPr>
-          <p:cNvCxnSpPr/>
-          <p:nvPr/>
-        </p:nvCxnSpPr>
-        <p:spPr>
-          <a:xfrm flipV="1">
-            <a:off x="3704683" y="1976283"/>
-            <a:ext cx="0" cy="442451"/>
-          </a:xfrm>
-          <a:prstGeom prst="straightConnector1">
-            <a:avLst/>
-          </a:prstGeom>
-          <a:ln>
-            <a:tailEnd type="triangle"/>
-          </a:ln>
-        </p:spPr>
-        <p:style>
-          <a:lnRef idx="1">
-            <a:schemeClr val="dk1"/>
-          </a:lnRef>
-          <a:fillRef idx="0">
-            <a:schemeClr val="dk1"/>
-          </a:fillRef>
-          <a:effectRef idx="0">
-            <a:schemeClr val="dk1"/>
-          </a:effectRef>
-          <a:fontRef idx="minor">
-            <a:schemeClr val="tx1"/>
-          </a:fontRef>
-        </p:style>
-      </p:cxnSp>
       <p:sp>
         <p:nvSpPr>
           <p:cNvPr id="68" name="TextBox 67">
@@ -13525,532 +12932,6 @@
           </a:p>
         </p:txBody>
       </p:sp>
-      <p:cxnSp>
-        <p:nvCxnSpPr>
-          <p:cNvPr id="70" name="Straight Connector 69">
-            <a:extLst>
-              <a:ext uri="{FF2B5EF4-FFF2-40B4-BE49-F238E27FC236}">
-                <a16:creationId xmlns:a16="http://schemas.microsoft.com/office/drawing/2014/main" id="{CE0ECC0A-354D-9CCB-71FE-9627288FE238}"/>
-              </a:ext>
-            </a:extLst>
-          </p:cNvPr>
-          <p:cNvCxnSpPr>
-            <a:cxnSpLocks/>
-          </p:cNvCxnSpPr>
-          <p:nvPr/>
-        </p:nvCxnSpPr>
-        <p:spPr>
-          <a:xfrm>
-            <a:off x="2641600" y="2515135"/>
-            <a:ext cx="0" cy="180357"/>
-          </a:xfrm>
-          <a:prstGeom prst="line">
-            <a:avLst/>
-          </a:prstGeom>
-        </p:spPr>
-        <p:style>
-          <a:lnRef idx="1">
-            <a:schemeClr val="dk1"/>
-          </a:lnRef>
-          <a:fillRef idx="0">
-            <a:schemeClr val="dk1"/>
-          </a:fillRef>
-          <a:effectRef idx="0">
-            <a:schemeClr val="dk1"/>
-          </a:effectRef>
-          <a:fontRef idx="minor">
-            <a:schemeClr val="tx1"/>
-          </a:fontRef>
-        </p:style>
-      </p:cxnSp>
-      <p:cxnSp>
-        <p:nvCxnSpPr>
-          <p:cNvPr id="79" name="Straight Connector 78">
-            <a:extLst>
-              <a:ext uri="{FF2B5EF4-FFF2-40B4-BE49-F238E27FC236}">
-                <a16:creationId xmlns:a16="http://schemas.microsoft.com/office/drawing/2014/main" id="{41CF028B-0C51-146B-D8BC-93EE79A18F88}"/>
-              </a:ext>
-            </a:extLst>
-          </p:cNvPr>
-          <p:cNvCxnSpPr/>
-          <p:nvPr/>
-        </p:nvCxnSpPr>
-        <p:spPr>
-          <a:xfrm>
-            <a:off x="2641600" y="2703443"/>
-            <a:ext cx="538922" cy="0"/>
-          </a:xfrm>
-          <a:prstGeom prst="line">
-            <a:avLst/>
-          </a:prstGeom>
-        </p:spPr>
-        <p:style>
-          <a:lnRef idx="1">
-            <a:schemeClr val="dk1"/>
-          </a:lnRef>
-          <a:fillRef idx="0">
-            <a:schemeClr val="dk1"/>
-          </a:fillRef>
-          <a:effectRef idx="0">
-            <a:schemeClr val="dk1"/>
-          </a:effectRef>
-          <a:fontRef idx="minor">
-            <a:schemeClr val="tx1"/>
-          </a:fontRef>
-        </p:style>
-      </p:cxnSp>
-      <p:cxnSp>
-        <p:nvCxnSpPr>
-          <p:cNvPr id="81" name="Straight Arrow Connector 80">
-            <a:extLst>
-              <a:ext uri="{FF2B5EF4-FFF2-40B4-BE49-F238E27FC236}">
-                <a16:creationId xmlns:a16="http://schemas.microsoft.com/office/drawing/2014/main" id="{BD4C8467-DD53-233B-7CE4-CE5E350AAE0D}"/>
-              </a:ext>
-            </a:extLst>
-          </p:cNvPr>
-          <p:cNvCxnSpPr/>
-          <p:nvPr/>
-        </p:nvCxnSpPr>
-        <p:spPr>
-          <a:xfrm flipV="1">
-            <a:off x="3180522" y="2515135"/>
-            <a:ext cx="0" cy="180357"/>
-          </a:xfrm>
-          <a:prstGeom prst="straightConnector1">
-            <a:avLst/>
-          </a:prstGeom>
-          <a:ln>
-            <a:tailEnd type="triangle"/>
-          </a:ln>
-        </p:spPr>
-        <p:style>
-          <a:lnRef idx="1">
-            <a:schemeClr val="dk1"/>
-          </a:lnRef>
-          <a:fillRef idx="0">
-            <a:schemeClr val="dk1"/>
-          </a:fillRef>
-          <a:effectRef idx="0">
-            <a:schemeClr val="dk1"/>
-          </a:effectRef>
-          <a:fontRef idx="minor">
-            <a:schemeClr val="tx1"/>
-          </a:fontRef>
-        </p:style>
-      </p:cxnSp>
-      <p:sp>
-        <p:nvSpPr>
-          <p:cNvPr id="82" name="TextBox 81">
-            <a:extLst>
-              <a:ext uri="{FF2B5EF4-FFF2-40B4-BE49-F238E27FC236}">
-                <a16:creationId xmlns:a16="http://schemas.microsoft.com/office/drawing/2014/main" id="{652CCF0A-3579-448B-6932-33358F7EFCE8}"/>
-              </a:ext>
-            </a:extLst>
-          </p:cNvPr>
-          <p:cNvSpPr txBox="1"/>
-          <p:nvPr/>
-        </p:nvSpPr>
-        <p:spPr>
-          <a:xfrm>
-            <a:off x="1890389" y="2506407"/>
-            <a:ext cx="623889" cy="276999"/>
-          </a:xfrm>
-          <a:prstGeom prst="rect">
-            <a:avLst/>
-          </a:prstGeom>
-          <a:noFill/>
-        </p:spPr>
-        <p:txBody>
-          <a:bodyPr wrap="none" rtlCol="0">
-            <a:spAutoFit/>
-          </a:bodyPr>
-          <a:lstStyle/>
-          <a:p>
-            <a:r>
-              <a:rPr lang="en-US" sz="1200" dirty="0"/>
-              <a:t>FD2 - 5</a:t>
-            </a:r>
-          </a:p>
-        </p:txBody>
-      </p:sp>
-      <p:cxnSp>
-        <p:nvCxnSpPr>
-          <p:cNvPr id="83" name="Straight Connector 82">
-            <a:extLst>
-              <a:ext uri="{FF2B5EF4-FFF2-40B4-BE49-F238E27FC236}">
-                <a16:creationId xmlns:a16="http://schemas.microsoft.com/office/drawing/2014/main" id="{BD7F49B6-2F93-25E1-FDCA-7045C8CFE68F}"/>
-              </a:ext>
-            </a:extLst>
-          </p:cNvPr>
-          <p:cNvCxnSpPr>
-            <a:cxnSpLocks/>
-          </p:cNvCxnSpPr>
-          <p:nvPr/>
-        </p:nvCxnSpPr>
-        <p:spPr>
-          <a:xfrm>
-            <a:off x="6427746" y="2465326"/>
-            <a:ext cx="0" cy="180357"/>
-          </a:xfrm>
-          <a:prstGeom prst="line">
-            <a:avLst/>
-          </a:prstGeom>
-        </p:spPr>
-        <p:style>
-          <a:lnRef idx="1">
-            <a:schemeClr val="dk1"/>
-          </a:lnRef>
-          <a:fillRef idx="0">
-            <a:schemeClr val="dk1"/>
-          </a:fillRef>
-          <a:effectRef idx="0">
-            <a:schemeClr val="dk1"/>
-          </a:effectRef>
-          <a:fontRef idx="minor">
-            <a:schemeClr val="tx1"/>
-          </a:fontRef>
-        </p:style>
-      </p:cxnSp>
-      <p:cxnSp>
-        <p:nvCxnSpPr>
-          <p:cNvPr id="84" name="Straight Connector 83">
-            <a:extLst>
-              <a:ext uri="{FF2B5EF4-FFF2-40B4-BE49-F238E27FC236}">
-                <a16:creationId xmlns:a16="http://schemas.microsoft.com/office/drawing/2014/main" id="{E419FF8D-8E8F-8E75-0393-C7167D688C22}"/>
-              </a:ext>
-            </a:extLst>
-          </p:cNvPr>
-          <p:cNvCxnSpPr/>
-          <p:nvPr/>
-        </p:nvCxnSpPr>
-        <p:spPr>
-          <a:xfrm>
-            <a:off x="6427746" y="2653634"/>
-            <a:ext cx="538922" cy="0"/>
-          </a:xfrm>
-          <a:prstGeom prst="line">
-            <a:avLst/>
-          </a:prstGeom>
-        </p:spPr>
-        <p:style>
-          <a:lnRef idx="1">
-            <a:schemeClr val="dk1"/>
-          </a:lnRef>
-          <a:fillRef idx="0">
-            <a:schemeClr val="dk1"/>
-          </a:fillRef>
-          <a:effectRef idx="0">
-            <a:schemeClr val="dk1"/>
-          </a:effectRef>
-          <a:fontRef idx="minor">
-            <a:schemeClr val="tx1"/>
-          </a:fontRef>
-        </p:style>
-      </p:cxnSp>
-      <p:cxnSp>
-        <p:nvCxnSpPr>
-          <p:cNvPr id="85" name="Straight Arrow Connector 84">
-            <a:extLst>
-              <a:ext uri="{FF2B5EF4-FFF2-40B4-BE49-F238E27FC236}">
-                <a16:creationId xmlns:a16="http://schemas.microsoft.com/office/drawing/2014/main" id="{4C90F861-02D3-2EAE-CC6A-8A8C71FD64B2}"/>
-              </a:ext>
-            </a:extLst>
-          </p:cNvPr>
-          <p:cNvCxnSpPr/>
-          <p:nvPr/>
-        </p:nvCxnSpPr>
-        <p:spPr>
-          <a:xfrm flipV="1">
-            <a:off x="6966668" y="2465326"/>
-            <a:ext cx="0" cy="180357"/>
-          </a:xfrm>
-          <a:prstGeom prst="straightConnector1">
-            <a:avLst/>
-          </a:prstGeom>
-          <a:ln>
-            <a:tailEnd type="triangle"/>
-          </a:ln>
-        </p:spPr>
-        <p:style>
-          <a:lnRef idx="1">
-            <a:schemeClr val="dk1"/>
-          </a:lnRef>
-          <a:fillRef idx="0">
-            <a:schemeClr val="dk1"/>
-          </a:fillRef>
-          <a:effectRef idx="0">
-            <a:schemeClr val="dk1"/>
-          </a:effectRef>
-          <a:fontRef idx="minor">
-            <a:schemeClr val="tx1"/>
-          </a:fontRef>
-        </p:style>
-      </p:cxnSp>
-      <p:cxnSp>
-        <p:nvCxnSpPr>
-          <p:cNvPr id="86" name="Straight Arrow Connector 85">
-            <a:extLst>
-              <a:ext uri="{FF2B5EF4-FFF2-40B4-BE49-F238E27FC236}">
-                <a16:creationId xmlns:a16="http://schemas.microsoft.com/office/drawing/2014/main" id="{9DB93BB0-F456-8EF3-D8C1-FB5A2D543B4D}"/>
-              </a:ext>
-            </a:extLst>
-          </p:cNvPr>
-          <p:cNvCxnSpPr/>
-          <p:nvPr/>
-        </p:nvCxnSpPr>
-        <p:spPr>
-          <a:xfrm flipV="1">
-            <a:off x="6427746" y="1976283"/>
-            <a:ext cx="0" cy="442451"/>
-          </a:xfrm>
-          <a:prstGeom prst="straightConnector1">
-            <a:avLst/>
-          </a:prstGeom>
-          <a:ln>
-            <a:tailEnd type="triangle"/>
-          </a:ln>
-        </p:spPr>
-        <p:style>
-          <a:lnRef idx="1">
-            <a:schemeClr val="dk1"/>
-          </a:lnRef>
-          <a:fillRef idx="0">
-            <a:schemeClr val="dk1"/>
-          </a:fillRef>
-          <a:effectRef idx="0">
-            <a:schemeClr val="dk1"/>
-          </a:effectRef>
-          <a:fontRef idx="minor">
-            <a:schemeClr val="tx1"/>
-          </a:fontRef>
-        </p:style>
-      </p:cxnSp>
-      <p:cxnSp>
-        <p:nvCxnSpPr>
-          <p:cNvPr id="88" name="Straight Connector 87">
-            <a:extLst>
-              <a:ext uri="{FF2B5EF4-FFF2-40B4-BE49-F238E27FC236}">
-                <a16:creationId xmlns:a16="http://schemas.microsoft.com/office/drawing/2014/main" id="{544BCB84-420A-8965-2323-935082AE5BE1}"/>
-              </a:ext>
-            </a:extLst>
-          </p:cNvPr>
-          <p:cNvCxnSpPr>
-            <a:cxnSpLocks/>
-          </p:cNvCxnSpPr>
-          <p:nvPr/>
-        </p:nvCxnSpPr>
-        <p:spPr>
-          <a:xfrm>
-            <a:off x="7433733" y="2465326"/>
-            <a:ext cx="0" cy="180357"/>
-          </a:xfrm>
-          <a:prstGeom prst="line">
-            <a:avLst/>
-          </a:prstGeom>
-        </p:spPr>
-        <p:style>
-          <a:lnRef idx="1">
-            <a:schemeClr val="dk1"/>
-          </a:lnRef>
-          <a:fillRef idx="0">
-            <a:schemeClr val="dk1"/>
-          </a:fillRef>
-          <a:effectRef idx="0">
-            <a:schemeClr val="dk1"/>
-          </a:effectRef>
-          <a:fontRef idx="minor">
-            <a:schemeClr val="tx1"/>
-          </a:fontRef>
-        </p:style>
-      </p:cxnSp>
-      <p:cxnSp>
-        <p:nvCxnSpPr>
-          <p:cNvPr id="89" name="Straight Connector 88">
-            <a:extLst>
-              <a:ext uri="{FF2B5EF4-FFF2-40B4-BE49-F238E27FC236}">
-                <a16:creationId xmlns:a16="http://schemas.microsoft.com/office/drawing/2014/main" id="{41E5DFDA-CF81-9E6E-92AB-71D28D64F101}"/>
-              </a:ext>
-            </a:extLst>
-          </p:cNvPr>
-          <p:cNvCxnSpPr/>
-          <p:nvPr/>
-        </p:nvCxnSpPr>
-        <p:spPr>
-          <a:xfrm>
-            <a:off x="7433733" y="2653634"/>
-            <a:ext cx="538922" cy="0"/>
-          </a:xfrm>
-          <a:prstGeom prst="line">
-            <a:avLst/>
-          </a:prstGeom>
-        </p:spPr>
-        <p:style>
-          <a:lnRef idx="1">
-            <a:schemeClr val="dk1"/>
-          </a:lnRef>
-          <a:fillRef idx="0">
-            <a:schemeClr val="dk1"/>
-          </a:fillRef>
-          <a:effectRef idx="0">
-            <a:schemeClr val="dk1"/>
-          </a:effectRef>
-          <a:fontRef idx="minor">
-            <a:schemeClr val="tx1"/>
-          </a:fontRef>
-        </p:style>
-      </p:cxnSp>
-      <p:cxnSp>
-        <p:nvCxnSpPr>
-          <p:cNvPr id="90" name="Straight Arrow Connector 89">
-            <a:extLst>
-              <a:ext uri="{FF2B5EF4-FFF2-40B4-BE49-F238E27FC236}">
-                <a16:creationId xmlns:a16="http://schemas.microsoft.com/office/drawing/2014/main" id="{6E9767CC-A0E2-C6FD-1544-905623E53058}"/>
-              </a:ext>
-            </a:extLst>
-          </p:cNvPr>
-          <p:cNvCxnSpPr/>
-          <p:nvPr/>
-        </p:nvCxnSpPr>
-        <p:spPr>
-          <a:xfrm flipV="1">
-            <a:off x="7972655" y="2465326"/>
-            <a:ext cx="0" cy="180357"/>
-          </a:xfrm>
-          <a:prstGeom prst="straightConnector1">
-            <a:avLst/>
-          </a:prstGeom>
-          <a:ln>
-            <a:tailEnd type="triangle"/>
-          </a:ln>
-        </p:spPr>
-        <p:style>
-          <a:lnRef idx="1">
-            <a:schemeClr val="dk1"/>
-          </a:lnRef>
-          <a:fillRef idx="0">
-            <a:schemeClr val="dk1"/>
-          </a:fillRef>
-          <a:effectRef idx="0">
-            <a:schemeClr val="dk1"/>
-          </a:effectRef>
-          <a:fontRef idx="minor">
-            <a:schemeClr val="tx1"/>
-          </a:fontRef>
-        </p:style>
-      </p:cxnSp>
-      <p:cxnSp>
-        <p:nvCxnSpPr>
-          <p:cNvPr id="91" name="Straight Connector 90">
-            <a:extLst>
-              <a:ext uri="{FF2B5EF4-FFF2-40B4-BE49-F238E27FC236}">
-                <a16:creationId xmlns:a16="http://schemas.microsoft.com/office/drawing/2014/main" id="{16A25059-9608-25C2-94FD-7588DA42A05F}"/>
-              </a:ext>
-            </a:extLst>
-          </p:cNvPr>
-          <p:cNvCxnSpPr>
-            <a:cxnSpLocks/>
-          </p:cNvCxnSpPr>
-          <p:nvPr/>
-        </p:nvCxnSpPr>
-        <p:spPr>
-          <a:xfrm>
-            <a:off x="8534400" y="2456599"/>
-            <a:ext cx="0" cy="180357"/>
-          </a:xfrm>
-          <a:prstGeom prst="line">
-            <a:avLst/>
-          </a:prstGeom>
-        </p:spPr>
-        <p:style>
-          <a:lnRef idx="1">
-            <a:schemeClr val="dk1"/>
-          </a:lnRef>
-          <a:fillRef idx="0">
-            <a:schemeClr val="dk1"/>
-          </a:fillRef>
-          <a:effectRef idx="0">
-            <a:schemeClr val="dk1"/>
-          </a:effectRef>
-          <a:fontRef idx="minor">
-            <a:schemeClr val="tx1"/>
-          </a:fontRef>
-        </p:style>
-      </p:cxnSp>
-      <p:cxnSp>
-        <p:nvCxnSpPr>
-          <p:cNvPr id="92" name="Straight Connector 91">
-            <a:extLst>
-              <a:ext uri="{FF2B5EF4-FFF2-40B4-BE49-F238E27FC236}">
-                <a16:creationId xmlns:a16="http://schemas.microsoft.com/office/drawing/2014/main" id="{308A1167-DE69-CE69-0127-1C1DE661B1EB}"/>
-              </a:ext>
-            </a:extLst>
-          </p:cNvPr>
-          <p:cNvCxnSpPr/>
-          <p:nvPr/>
-        </p:nvCxnSpPr>
-        <p:spPr>
-          <a:xfrm>
-            <a:off x="8534400" y="2644907"/>
-            <a:ext cx="538922" cy="0"/>
-          </a:xfrm>
-          <a:prstGeom prst="line">
-            <a:avLst/>
-          </a:prstGeom>
-        </p:spPr>
-        <p:style>
-          <a:lnRef idx="1">
-            <a:schemeClr val="dk1"/>
-          </a:lnRef>
-          <a:fillRef idx="0">
-            <a:schemeClr val="dk1"/>
-          </a:fillRef>
-          <a:effectRef idx="0">
-            <a:schemeClr val="dk1"/>
-          </a:effectRef>
-          <a:fontRef idx="minor">
-            <a:schemeClr val="tx1"/>
-          </a:fontRef>
-        </p:style>
-      </p:cxnSp>
-      <p:cxnSp>
-        <p:nvCxnSpPr>
-          <p:cNvPr id="93" name="Straight Arrow Connector 92">
-            <a:extLst>
-              <a:ext uri="{FF2B5EF4-FFF2-40B4-BE49-F238E27FC236}">
-                <a16:creationId xmlns:a16="http://schemas.microsoft.com/office/drawing/2014/main" id="{A1C55163-2B52-C91F-2ADA-372F857F91AF}"/>
-              </a:ext>
-            </a:extLst>
-          </p:cNvPr>
-          <p:cNvCxnSpPr/>
-          <p:nvPr/>
-        </p:nvCxnSpPr>
-        <p:spPr>
-          <a:xfrm flipV="1">
-            <a:off x="9073322" y="2456599"/>
-            <a:ext cx="0" cy="180357"/>
-          </a:xfrm>
-          <a:prstGeom prst="straightConnector1">
-            <a:avLst/>
-          </a:prstGeom>
-          <a:ln>
-            <a:tailEnd type="triangle"/>
-          </a:ln>
-        </p:spPr>
-        <p:style>
-          <a:lnRef idx="1">
-            <a:schemeClr val="dk1"/>
-          </a:lnRef>
-          <a:fillRef idx="0">
-            <a:schemeClr val="dk1"/>
-          </a:fillRef>
-          <a:effectRef idx="0">
-            <a:schemeClr val="dk1"/>
-          </a:effectRef>
-          <a:fontRef idx="minor">
-            <a:schemeClr val="tx1"/>
-          </a:fontRef>
-        </p:style>
-      </p:cxnSp>
       <p:sp>
         <p:nvSpPr>
           <p:cNvPr id="97" name="TextBox 96">
@@ -14101,14 +12982,14 @@
           <p:nvPr>
             <p:extLst>
               <p:ext uri="{D42A27DB-BD31-4B8C-83A1-F6EECF244321}">
-                <p14:modId xmlns:p14="http://schemas.microsoft.com/office/powerpoint/2010/main" val="1191438037"/>
+                <p14:modId xmlns:p14="http://schemas.microsoft.com/office/powerpoint/2010/main" val="1315959615"/>
               </p:ext>
             </p:extLst>
           </p:nvPr>
         </p:nvGraphicFramePr>
         <p:xfrm>
           <a:off x="881818" y="3718268"/>
-          <a:ext cx="10545514" cy="370840"/>
+          <a:ext cx="10100116" cy="370840"/>
         </p:xfrm>
         <a:graphic>
           <a:graphicData uri="http://schemas.openxmlformats.org/drawingml/2006/table">
@@ -14117,98 +12998,91 @@
                 <a:tableStyleId>{5C22544A-7EE6-4342-B048-85BDC9FD1C3A}</a:tableStyleId>
               </a:tblPr>
               <a:tblGrid>
-                <a:gridCol w="753251">
+                <a:gridCol w="776932">
                   <a:extLst>
                     <a:ext uri="{9D8B030D-6E8A-4147-A177-3AD203B41FA5}">
                       <a16:colId xmlns:a16="http://schemas.microsoft.com/office/drawing/2014/main" val="4273428158"/>
                     </a:ext>
                   </a:extLst>
                 </a:gridCol>
-                <a:gridCol w="753251">
+                <a:gridCol w="776932">
                   <a:extLst>
                     <a:ext uri="{9D8B030D-6E8A-4147-A177-3AD203B41FA5}">
                       <a16:colId xmlns:a16="http://schemas.microsoft.com/office/drawing/2014/main" val="4123412472"/>
                     </a:ext>
                   </a:extLst>
                 </a:gridCol>
-                <a:gridCol w="753251">
+                <a:gridCol w="776932">
                   <a:extLst>
                     <a:ext uri="{9D8B030D-6E8A-4147-A177-3AD203B41FA5}">
                       <a16:colId xmlns:a16="http://schemas.microsoft.com/office/drawing/2014/main" val="2146158941"/>
                     </a:ext>
                   </a:extLst>
                 </a:gridCol>
-                <a:gridCol w="753251">
+                <a:gridCol w="776932">
                   <a:extLst>
                     <a:ext uri="{9D8B030D-6E8A-4147-A177-3AD203B41FA5}">
                       <a16:colId xmlns:a16="http://schemas.microsoft.com/office/drawing/2014/main" val="2022062446"/>
                     </a:ext>
                   </a:extLst>
                 </a:gridCol>
-                <a:gridCol w="753251">
+                <a:gridCol w="776932">
                   <a:extLst>
                     <a:ext uri="{9D8B030D-6E8A-4147-A177-3AD203B41FA5}">
                       <a16:colId xmlns:a16="http://schemas.microsoft.com/office/drawing/2014/main" val="1094692723"/>
                     </a:ext>
                   </a:extLst>
                 </a:gridCol>
-                <a:gridCol w="753251">
+                <a:gridCol w="776932">
                   <a:extLst>
                     <a:ext uri="{9D8B030D-6E8A-4147-A177-3AD203B41FA5}">
                       <a16:colId xmlns:a16="http://schemas.microsoft.com/office/drawing/2014/main" val="3717158156"/>
                     </a:ext>
                   </a:extLst>
                 </a:gridCol>
-                <a:gridCol w="753251">
-                  <a:extLst>
-                    <a:ext uri="{9D8B030D-6E8A-4147-A177-3AD203B41FA5}">
-                      <a16:colId xmlns:a16="http://schemas.microsoft.com/office/drawing/2014/main" val="3814958604"/>
-                    </a:ext>
-                  </a:extLst>
-                </a:gridCol>
-                <a:gridCol w="753251">
+                <a:gridCol w="776932">
                   <a:extLst>
                     <a:ext uri="{9D8B030D-6E8A-4147-A177-3AD203B41FA5}">
                       <a16:colId xmlns:a16="http://schemas.microsoft.com/office/drawing/2014/main" val="111369748"/>
                     </a:ext>
                   </a:extLst>
                 </a:gridCol>
-                <a:gridCol w="753251">
+                <a:gridCol w="776932">
                   <a:extLst>
                     <a:ext uri="{9D8B030D-6E8A-4147-A177-3AD203B41FA5}">
                       <a16:colId xmlns:a16="http://schemas.microsoft.com/office/drawing/2014/main" val="50609807"/>
                     </a:ext>
                   </a:extLst>
                 </a:gridCol>
-                <a:gridCol w="753251">
+                <a:gridCol w="776932">
                   <a:extLst>
                     <a:ext uri="{9D8B030D-6E8A-4147-A177-3AD203B41FA5}">
                       <a16:colId xmlns:a16="http://schemas.microsoft.com/office/drawing/2014/main" val="3539277533"/>
                     </a:ext>
                   </a:extLst>
                 </a:gridCol>
-                <a:gridCol w="753251">
+                <a:gridCol w="776932">
                   <a:extLst>
                     <a:ext uri="{9D8B030D-6E8A-4147-A177-3AD203B41FA5}">
                       <a16:colId xmlns:a16="http://schemas.microsoft.com/office/drawing/2014/main" val="3833101711"/>
                     </a:ext>
                   </a:extLst>
                 </a:gridCol>
-                <a:gridCol w="753251">
+                <a:gridCol w="776932">
                   <a:extLst>
                     <a:ext uri="{9D8B030D-6E8A-4147-A177-3AD203B41FA5}">
                       <a16:colId xmlns:a16="http://schemas.microsoft.com/office/drawing/2014/main" val="3182526201"/>
                     </a:ext>
                   </a:extLst>
                 </a:gridCol>
-                <a:gridCol w="753251">
+                <a:gridCol w="776932">
                   <a:extLst>
                     <a:ext uri="{9D8B030D-6E8A-4147-A177-3AD203B41FA5}">
                       <a16:colId xmlns:a16="http://schemas.microsoft.com/office/drawing/2014/main" val="2638513535"/>
                     </a:ext>
                   </a:extLst>
                 </a:gridCol>
-                <a:gridCol w="753251">
+                <a:gridCol w="776932">
                   <a:extLst>
                     <a:ext uri="{9D8B030D-6E8A-4147-A177-3AD203B41FA5}">
                       <a16:colId xmlns:a16="http://schemas.microsoft.com/office/drawing/2014/main" val="2826123427"/>
@@ -14313,22 +13187,6 @@
                         <a:latin typeface="Arial" panose="020B0604020202020204" pitchFamily="34" charset="0"/>
                         <a:cs typeface="Arial" panose="020B0604020202020204" pitchFamily="34" charset="0"/>
                       </a:endParaRPr>
-                    </a:p>
-                  </a:txBody>
-                  <a:tcPr/>
-                </a:tc>
-                <a:tc>
-                  <a:txBody>
-                    <a:bodyPr/>
-                    <a:lstStyle/>
-                    <a:p>
-                      <a:r>
-                        <a:rPr lang="en-US" sz="900" b="0" dirty="0">
-                          <a:latin typeface="Arial" panose="020B0604020202020204" pitchFamily="34" charset="0"/>
-                          <a:cs typeface="Arial" panose="020B0604020202020204" pitchFamily="34" charset="0"/>
-                        </a:rPr>
-                        <a:t>Part</a:t>
-                      </a:r>
                     </a:p>
                   </a:txBody>
                   <a:tcPr/>
@@ -14547,14 +13405,14 @@
           <p:nvPr>
             <p:extLst>
               <p:ext uri="{D42A27DB-BD31-4B8C-83A1-F6EECF244321}">
-                <p14:modId xmlns:p14="http://schemas.microsoft.com/office/powerpoint/2010/main" val="3472363981"/>
+                <p14:modId xmlns:p14="http://schemas.microsoft.com/office/powerpoint/2010/main" val="1998108970"/>
               </p:ext>
             </p:extLst>
           </p:nvPr>
         </p:nvGraphicFramePr>
         <p:xfrm>
-          <a:off x="602322" y="5023970"/>
-          <a:ext cx="1322764" cy="396240"/>
+          <a:off x="484742" y="5023970"/>
+          <a:ext cx="2695779" cy="370840"/>
         </p:xfrm>
         <a:graphic>
           <a:graphicData uri="http://schemas.openxmlformats.org/drawingml/2006/table">
@@ -14563,17 +13421,24 @@
                 <a:tableStyleId>{5C22544A-7EE6-4342-B048-85BDC9FD1C3A}</a:tableStyleId>
               </a:tblPr>
               <a:tblGrid>
-                <a:gridCol w="661382">
+                <a:gridCol w="898593">
                   <a:extLst>
                     <a:ext uri="{9D8B030D-6E8A-4147-A177-3AD203B41FA5}">
                       <a16:colId xmlns:a16="http://schemas.microsoft.com/office/drawing/2014/main" val="172214013"/>
                     </a:ext>
                   </a:extLst>
                 </a:gridCol>
-                <a:gridCol w="661382">
+                <a:gridCol w="898593">
                   <a:extLst>
                     <a:ext uri="{9D8B030D-6E8A-4147-A177-3AD203B41FA5}">
                       <a16:colId xmlns:a16="http://schemas.microsoft.com/office/drawing/2014/main" val="2707278351"/>
+                    </a:ext>
+                  </a:extLst>
+                </a:gridCol>
+                <a:gridCol w="898593">
+                  <a:extLst>
+                    <a:ext uri="{9D8B030D-6E8A-4147-A177-3AD203B41FA5}">
+                      <a16:colId xmlns:a16="http://schemas.microsoft.com/office/drawing/2014/main" val="1618377977"/>
                     </a:ext>
                   </a:extLst>
                 </a:gridCol>
@@ -14601,10 +13466,42 @@
                     <a:bodyPr/>
                     <a:lstStyle/>
                     <a:p>
+                      <a:pPr marL="0" marR="0" lvl="0" indent="0" algn="l" defTabSz="914400" rtl="0" eaLnBrk="1" fontAlgn="auto" latinLnBrk="0" hangingPunct="1">
+                        <a:lnSpc>
+                          <a:spcPct val="100000"/>
+                        </a:lnSpc>
+                        <a:spcBef>
+                          <a:spcPts val="0"/>
+                        </a:spcBef>
+                        <a:spcAft>
+                          <a:spcPts val="0"/>
+                        </a:spcAft>
+                        <a:buClrTx/>
+                        <a:buSzTx/>
+                        <a:buFontTx/>
+                        <a:buNone/>
+                        <a:tabLst/>
+                        <a:defRPr/>
+                      </a:pPr>
                       <a:r>
-                        <a:rPr lang="en-US" sz="1000" b="0" dirty="0"/>
-                        <a:t>Area Name</a:t>
+                        <a:rPr lang="en-US" sz="1000" b="1" u="sng" dirty="0" err="1"/>
+                        <a:t>RPT_Dist_No</a:t>
                       </a:r>
+                      <a:endParaRPr lang="en-US" sz="1000" b="1" u="sng" dirty="0"/>
+                    </a:p>
+                  </a:txBody>
+                  <a:tcPr/>
+                </a:tc>
+                <a:tc>
+                  <a:txBody>
+                    <a:bodyPr/>
+                    <a:lstStyle/>
+                    <a:p>
+                      <a:r>
+                        <a:rPr lang="en-US" sz="1000" b="0" u="none" dirty="0" err="1"/>
+                        <a:t>Area_Name</a:t>
+                      </a:r>
+                      <a:endParaRPr lang="en-US" sz="1000" b="0" u="none" dirty="0"/>
                     </a:p>
                   </a:txBody>
                   <a:tcPr/>
@@ -15112,196 +14009,6 @@
           </a:p>
         </p:txBody>
       </p:sp>
-      <p:cxnSp>
-        <p:nvCxnSpPr>
-          <p:cNvPr id="116" name="Straight Connector 115">
-            <a:extLst>
-              <a:ext uri="{FF2B5EF4-FFF2-40B4-BE49-F238E27FC236}">
-                <a16:creationId xmlns:a16="http://schemas.microsoft.com/office/drawing/2014/main" id="{9E25EFD7-70D8-EB23-34E7-216C1615F6A1}"/>
-              </a:ext>
-            </a:extLst>
-          </p:cNvPr>
-          <p:cNvCxnSpPr>
-            <a:cxnSpLocks/>
-          </p:cNvCxnSpPr>
-          <p:nvPr/>
-        </p:nvCxnSpPr>
-        <p:spPr>
-          <a:xfrm>
-            <a:off x="9618133" y="2506407"/>
-            <a:ext cx="0" cy="189085"/>
-          </a:xfrm>
-          <a:prstGeom prst="line">
-            <a:avLst/>
-          </a:prstGeom>
-        </p:spPr>
-        <p:style>
-          <a:lnRef idx="1">
-            <a:schemeClr val="dk1"/>
-          </a:lnRef>
-          <a:fillRef idx="0">
-            <a:schemeClr val="dk1"/>
-          </a:fillRef>
-          <a:effectRef idx="0">
-            <a:schemeClr val="dk1"/>
-          </a:effectRef>
-          <a:fontRef idx="minor">
-            <a:schemeClr val="tx1"/>
-          </a:fontRef>
-        </p:style>
-      </p:cxnSp>
-      <p:cxnSp>
-        <p:nvCxnSpPr>
-          <p:cNvPr id="119" name="Straight Connector 118">
-            <a:extLst>
-              <a:ext uri="{FF2B5EF4-FFF2-40B4-BE49-F238E27FC236}">
-                <a16:creationId xmlns:a16="http://schemas.microsoft.com/office/drawing/2014/main" id="{BA5D1699-0057-117B-6ED9-CB6D0B0AA231}"/>
-              </a:ext>
-            </a:extLst>
-          </p:cNvPr>
-          <p:cNvCxnSpPr/>
-          <p:nvPr/>
-        </p:nvCxnSpPr>
-        <p:spPr>
-          <a:xfrm>
-            <a:off x="9618133" y="2695492"/>
-            <a:ext cx="541867" cy="0"/>
-          </a:xfrm>
-          <a:prstGeom prst="line">
-            <a:avLst/>
-          </a:prstGeom>
-        </p:spPr>
-        <p:style>
-          <a:lnRef idx="1">
-            <a:schemeClr val="dk1"/>
-          </a:lnRef>
-          <a:fillRef idx="0">
-            <a:schemeClr val="dk1"/>
-          </a:fillRef>
-          <a:effectRef idx="0">
-            <a:schemeClr val="dk1"/>
-          </a:effectRef>
-          <a:fontRef idx="minor">
-            <a:schemeClr val="tx1"/>
-          </a:fontRef>
-        </p:style>
-      </p:cxnSp>
-      <p:cxnSp>
-        <p:nvCxnSpPr>
-          <p:cNvPr id="123" name="Straight Connector 122">
-            <a:extLst>
-              <a:ext uri="{FF2B5EF4-FFF2-40B4-BE49-F238E27FC236}">
-                <a16:creationId xmlns:a16="http://schemas.microsoft.com/office/drawing/2014/main" id="{A478745F-89BD-02C8-0951-87F289C60F94}"/>
-              </a:ext>
-            </a:extLst>
-          </p:cNvPr>
-          <p:cNvCxnSpPr>
-            <a:cxnSpLocks/>
-          </p:cNvCxnSpPr>
-          <p:nvPr/>
-        </p:nvCxnSpPr>
-        <p:spPr>
-          <a:xfrm>
-            <a:off x="10160000" y="2695492"/>
-            <a:ext cx="1151466" cy="0"/>
-          </a:xfrm>
-          <a:prstGeom prst="line">
-            <a:avLst/>
-          </a:prstGeom>
-        </p:spPr>
-        <p:style>
-          <a:lnRef idx="1">
-            <a:schemeClr val="dk1"/>
-          </a:lnRef>
-          <a:fillRef idx="0">
-            <a:schemeClr val="dk1"/>
-          </a:fillRef>
-          <a:effectRef idx="0">
-            <a:schemeClr val="dk1"/>
-          </a:effectRef>
-          <a:fontRef idx="minor">
-            <a:schemeClr val="tx1"/>
-          </a:fontRef>
-        </p:style>
-      </p:cxnSp>
-      <p:cxnSp>
-        <p:nvCxnSpPr>
-          <p:cNvPr id="126" name="Straight Arrow Connector 125">
-            <a:extLst>
-              <a:ext uri="{FF2B5EF4-FFF2-40B4-BE49-F238E27FC236}">
-                <a16:creationId xmlns:a16="http://schemas.microsoft.com/office/drawing/2014/main" id="{F8393889-C9D9-0EFC-FC66-DFB5244E693D}"/>
-              </a:ext>
-            </a:extLst>
-          </p:cNvPr>
-          <p:cNvCxnSpPr/>
-          <p:nvPr/>
-        </p:nvCxnSpPr>
-        <p:spPr>
-          <a:xfrm flipV="1">
-            <a:off x="10638263" y="2465326"/>
-            <a:ext cx="0" cy="230166"/>
-          </a:xfrm>
-          <a:prstGeom prst="straightConnector1">
-            <a:avLst/>
-          </a:prstGeom>
-          <a:ln>
-            <a:tailEnd type="triangle"/>
-          </a:ln>
-        </p:spPr>
-        <p:style>
-          <a:lnRef idx="1">
-            <a:schemeClr val="dk1"/>
-          </a:lnRef>
-          <a:fillRef idx="0">
-            <a:schemeClr val="dk1"/>
-          </a:fillRef>
-          <a:effectRef idx="0">
-            <a:schemeClr val="dk1"/>
-          </a:effectRef>
-          <a:fontRef idx="minor">
-            <a:schemeClr val="tx1"/>
-          </a:fontRef>
-        </p:style>
-      </p:cxnSp>
-      <p:cxnSp>
-        <p:nvCxnSpPr>
-          <p:cNvPr id="128" name="Straight Arrow Connector 127">
-            <a:extLst>
-              <a:ext uri="{FF2B5EF4-FFF2-40B4-BE49-F238E27FC236}">
-                <a16:creationId xmlns:a16="http://schemas.microsoft.com/office/drawing/2014/main" id="{F686E55F-3382-B152-C761-C5B71E11DE3A}"/>
-              </a:ext>
-            </a:extLst>
-          </p:cNvPr>
-          <p:cNvCxnSpPr/>
-          <p:nvPr/>
-        </p:nvCxnSpPr>
-        <p:spPr>
-          <a:xfrm flipV="1">
-            <a:off x="11311466" y="2465326"/>
-            <a:ext cx="0" cy="230166"/>
-          </a:xfrm>
-          <a:prstGeom prst="straightConnector1">
-            <a:avLst/>
-          </a:prstGeom>
-          <a:ln>
-            <a:tailEnd type="triangle"/>
-          </a:ln>
-        </p:spPr>
-        <p:style>
-          <a:lnRef idx="1">
-            <a:schemeClr val="dk1"/>
-          </a:lnRef>
-          <a:fillRef idx="0">
-            <a:schemeClr val="dk1"/>
-          </a:fillRef>
-          <a:effectRef idx="0">
-            <a:schemeClr val="dk1"/>
-          </a:effectRef>
-          <a:fontRef idx="minor">
-            <a:schemeClr val="tx1"/>
-          </a:fontRef>
-        </p:style>
-      </p:cxnSp>
       <p:graphicFrame>
         <p:nvGraphicFramePr>
           <p:cNvPr id="137" name="Table 136">
@@ -15486,45 +14193,6 @@
       </p:sp>
       <p:cxnSp>
         <p:nvCxnSpPr>
-          <p:cNvPr id="3" name="Straight Arrow Connector 2">
-            <a:extLst>
-              <a:ext uri="{FF2B5EF4-FFF2-40B4-BE49-F238E27FC236}">
-                <a16:creationId xmlns:a16="http://schemas.microsoft.com/office/drawing/2014/main" id="{F2CC4F4A-67A9-EF2A-77B8-97E540D0C03C}"/>
-              </a:ext>
-            </a:extLst>
-          </p:cNvPr>
-          <p:cNvCxnSpPr/>
-          <p:nvPr/>
-        </p:nvCxnSpPr>
-        <p:spPr>
-          <a:xfrm flipV="1">
-            <a:off x="10160000" y="2465326"/>
-            <a:ext cx="0" cy="230166"/>
-          </a:xfrm>
-          <a:prstGeom prst="straightConnector1">
-            <a:avLst/>
-          </a:prstGeom>
-          <a:ln>
-            <a:tailEnd type="triangle"/>
-          </a:ln>
-        </p:spPr>
-        <p:style>
-          <a:lnRef idx="1">
-            <a:schemeClr val="dk1"/>
-          </a:lnRef>
-          <a:fillRef idx="0">
-            <a:schemeClr val="dk1"/>
-          </a:fillRef>
-          <a:effectRef idx="0">
-            <a:schemeClr val="dk1"/>
-          </a:effectRef>
-          <a:fontRef idx="minor">
-            <a:schemeClr val="tx1"/>
-          </a:fontRef>
-        </p:style>
-      </p:cxnSp>
-      <p:cxnSp>
-        <p:nvCxnSpPr>
           <p:cNvPr id="7" name="Straight Arrow Connector 6">
             <a:extLst>
               <a:ext uri="{FF2B5EF4-FFF2-40B4-BE49-F238E27FC236}">
@@ -15593,6 +14261,1306 @@
             <a:r>
               <a:rPr lang="en-US" dirty="0"/>
               <a:t>Surrogate key created for location for a unique identifier</a:t>
+            </a:r>
+          </a:p>
+        </p:txBody>
+      </p:sp>
+      <p:cxnSp>
+        <p:nvCxnSpPr>
+          <p:cNvPr id="12" name="Straight Connector 11">
+            <a:extLst>
+              <a:ext uri="{FF2B5EF4-FFF2-40B4-BE49-F238E27FC236}">
+                <a16:creationId xmlns:a16="http://schemas.microsoft.com/office/drawing/2014/main" id="{B4E42845-B907-B55C-4D65-345F98920085}"/>
+              </a:ext>
+            </a:extLst>
+          </p:cNvPr>
+          <p:cNvCxnSpPr/>
+          <p:nvPr/>
+        </p:nvCxnSpPr>
+        <p:spPr>
+          <a:xfrm>
+            <a:off x="484742" y="1938969"/>
+            <a:ext cx="0" cy="363556"/>
+          </a:xfrm>
+          <a:prstGeom prst="line">
+            <a:avLst/>
+          </a:prstGeom>
+        </p:spPr>
+        <p:style>
+          <a:lnRef idx="1">
+            <a:schemeClr val="dk1"/>
+          </a:lnRef>
+          <a:fillRef idx="0">
+            <a:schemeClr val="dk1"/>
+          </a:fillRef>
+          <a:effectRef idx="0">
+            <a:schemeClr val="dk1"/>
+          </a:effectRef>
+          <a:fontRef idx="minor">
+            <a:schemeClr val="tx1"/>
+          </a:fontRef>
+        </p:style>
+      </p:cxnSp>
+      <p:cxnSp>
+        <p:nvCxnSpPr>
+          <p:cNvPr id="14" name="Straight Connector 13">
+            <a:extLst>
+              <a:ext uri="{FF2B5EF4-FFF2-40B4-BE49-F238E27FC236}">
+                <a16:creationId xmlns:a16="http://schemas.microsoft.com/office/drawing/2014/main" id="{57BAC24C-D62E-E23D-DBBC-DA61A3CDC095}"/>
+              </a:ext>
+            </a:extLst>
+          </p:cNvPr>
+          <p:cNvCxnSpPr>
+            <a:cxnSpLocks/>
+          </p:cNvCxnSpPr>
+          <p:nvPr/>
+        </p:nvCxnSpPr>
+        <p:spPr>
+          <a:xfrm flipV="1">
+            <a:off x="495759" y="2302525"/>
+            <a:ext cx="8572208" cy="11017"/>
+          </a:xfrm>
+          <a:prstGeom prst="line">
+            <a:avLst/>
+          </a:prstGeom>
+        </p:spPr>
+        <p:style>
+          <a:lnRef idx="1">
+            <a:schemeClr val="dk1"/>
+          </a:lnRef>
+          <a:fillRef idx="0">
+            <a:schemeClr val="dk1"/>
+          </a:fillRef>
+          <a:effectRef idx="0">
+            <a:schemeClr val="dk1"/>
+          </a:effectRef>
+          <a:fontRef idx="minor">
+            <a:schemeClr val="tx1"/>
+          </a:fontRef>
+        </p:style>
+      </p:cxnSp>
+      <p:cxnSp>
+        <p:nvCxnSpPr>
+          <p:cNvPr id="16" name="Straight Arrow Connector 15">
+            <a:extLst>
+              <a:ext uri="{FF2B5EF4-FFF2-40B4-BE49-F238E27FC236}">
+                <a16:creationId xmlns:a16="http://schemas.microsoft.com/office/drawing/2014/main" id="{9776A8DA-9EE0-3A7E-67F8-88756F9E1A1A}"/>
+              </a:ext>
+            </a:extLst>
+          </p:cNvPr>
+          <p:cNvCxnSpPr/>
+          <p:nvPr/>
+        </p:nvCxnSpPr>
+        <p:spPr>
+          <a:xfrm flipV="1">
+            <a:off x="1074224" y="1938969"/>
+            <a:ext cx="0" cy="363556"/>
+          </a:xfrm>
+          <a:prstGeom prst="straightConnector1">
+            <a:avLst/>
+          </a:prstGeom>
+          <a:ln>
+            <a:tailEnd type="triangle"/>
+          </a:ln>
+        </p:spPr>
+        <p:style>
+          <a:lnRef idx="1">
+            <a:schemeClr val="dk1"/>
+          </a:lnRef>
+          <a:fillRef idx="0">
+            <a:schemeClr val="dk1"/>
+          </a:fillRef>
+          <a:effectRef idx="0">
+            <a:schemeClr val="dk1"/>
+          </a:effectRef>
+          <a:fontRef idx="minor">
+            <a:schemeClr val="tx1"/>
+          </a:fontRef>
+        </p:style>
+      </p:cxnSp>
+      <p:cxnSp>
+        <p:nvCxnSpPr>
+          <p:cNvPr id="18" name="Straight Arrow Connector 17">
+            <a:extLst>
+              <a:ext uri="{FF2B5EF4-FFF2-40B4-BE49-F238E27FC236}">
+                <a16:creationId xmlns:a16="http://schemas.microsoft.com/office/drawing/2014/main" id="{216091B9-6335-225F-AE28-433BF215D37F}"/>
+              </a:ext>
+            </a:extLst>
+          </p:cNvPr>
+          <p:cNvCxnSpPr/>
+          <p:nvPr/>
+        </p:nvCxnSpPr>
+        <p:spPr>
+          <a:xfrm flipV="1">
+            <a:off x="1594395" y="1938969"/>
+            <a:ext cx="0" cy="363556"/>
+          </a:xfrm>
+          <a:prstGeom prst="straightConnector1">
+            <a:avLst/>
+          </a:prstGeom>
+          <a:ln>
+            <a:tailEnd type="triangle"/>
+          </a:ln>
+        </p:spPr>
+        <p:style>
+          <a:lnRef idx="1">
+            <a:schemeClr val="dk1"/>
+          </a:lnRef>
+          <a:fillRef idx="0">
+            <a:schemeClr val="dk1"/>
+          </a:fillRef>
+          <a:effectRef idx="0">
+            <a:schemeClr val="dk1"/>
+          </a:effectRef>
+          <a:fontRef idx="minor">
+            <a:schemeClr val="tx1"/>
+          </a:fontRef>
+        </p:style>
+      </p:cxnSp>
+      <p:cxnSp>
+        <p:nvCxnSpPr>
+          <p:cNvPr id="20" name="Straight Arrow Connector 19">
+            <a:extLst>
+              <a:ext uri="{FF2B5EF4-FFF2-40B4-BE49-F238E27FC236}">
+                <a16:creationId xmlns:a16="http://schemas.microsoft.com/office/drawing/2014/main" id="{92E6217D-DC89-AE48-CEE9-40898C1C3C41}"/>
+              </a:ext>
+            </a:extLst>
+          </p:cNvPr>
+          <p:cNvCxnSpPr/>
+          <p:nvPr/>
+        </p:nvCxnSpPr>
+        <p:spPr>
+          <a:xfrm flipV="1">
+            <a:off x="2104222" y="1938969"/>
+            <a:ext cx="0" cy="363556"/>
+          </a:xfrm>
+          <a:prstGeom prst="straightConnector1">
+            <a:avLst/>
+          </a:prstGeom>
+          <a:ln>
+            <a:tailEnd type="triangle"/>
+          </a:ln>
+        </p:spPr>
+        <p:style>
+          <a:lnRef idx="1">
+            <a:schemeClr val="dk1"/>
+          </a:lnRef>
+          <a:fillRef idx="0">
+            <a:schemeClr val="dk1"/>
+          </a:fillRef>
+          <a:effectRef idx="0">
+            <a:schemeClr val="dk1"/>
+          </a:effectRef>
+          <a:fontRef idx="minor">
+            <a:schemeClr val="tx1"/>
+          </a:fontRef>
+        </p:style>
+      </p:cxnSp>
+      <p:cxnSp>
+        <p:nvCxnSpPr>
+          <p:cNvPr id="22" name="Straight Arrow Connector 21">
+            <a:extLst>
+              <a:ext uri="{FF2B5EF4-FFF2-40B4-BE49-F238E27FC236}">
+                <a16:creationId xmlns:a16="http://schemas.microsoft.com/office/drawing/2014/main" id="{1B1305C2-39A9-B004-C801-D93367EB4FEC}"/>
+              </a:ext>
+            </a:extLst>
+          </p:cNvPr>
+          <p:cNvCxnSpPr/>
+          <p:nvPr/>
+        </p:nvCxnSpPr>
+        <p:spPr>
+          <a:xfrm flipV="1">
+            <a:off x="2633031" y="1938969"/>
+            <a:ext cx="0" cy="374573"/>
+          </a:xfrm>
+          <a:prstGeom prst="straightConnector1">
+            <a:avLst/>
+          </a:prstGeom>
+          <a:ln>
+            <a:tailEnd type="triangle"/>
+          </a:ln>
+        </p:spPr>
+        <p:style>
+          <a:lnRef idx="1">
+            <a:schemeClr val="dk1"/>
+          </a:lnRef>
+          <a:fillRef idx="0">
+            <a:schemeClr val="dk1"/>
+          </a:fillRef>
+          <a:effectRef idx="0">
+            <a:schemeClr val="dk1"/>
+          </a:effectRef>
+          <a:fontRef idx="minor">
+            <a:schemeClr val="tx1"/>
+          </a:fontRef>
+        </p:style>
+      </p:cxnSp>
+      <p:cxnSp>
+        <p:nvCxnSpPr>
+          <p:cNvPr id="24" name="Straight Arrow Connector 23">
+            <a:extLst>
+              <a:ext uri="{FF2B5EF4-FFF2-40B4-BE49-F238E27FC236}">
+                <a16:creationId xmlns:a16="http://schemas.microsoft.com/office/drawing/2014/main" id="{67B26F93-BAA4-47FF-AAE9-E76E9FE5C0BA}"/>
+              </a:ext>
+            </a:extLst>
+          </p:cNvPr>
+          <p:cNvCxnSpPr/>
+          <p:nvPr/>
+        </p:nvCxnSpPr>
+        <p:spPr>
+          <a:xfrm flipV="1">
+            <a:off x="3712684" y="1938969"/>
+            <a:ext cx="0" cy="363556"/>
+          </a:xfrm>
+          <a:prstGeom prst="straightConnector1">
+            <a:avLst/>
+          </a:prstGeom>
+          <a:ln>
+            <a:tailEnd type="triangle"/>
+          </a:ln>
+        </p:spPr>
+        <p:style>
+          <a:lnRef idx="1">
+            <a:schemeClr val="dk1"/>
+          </a:lnRef>
+          <a:fillRef idx="0">
+            <a:schemeClr val="dk1"/>
+          </a:fillRef>
+          <a:effectRef idx="0">
+            <a:schemeClr val="dk1"/>
+          </a:effectRef>
+          <a:fontRef idx="minor">
+            <a:schemeClr val="tx1"/>
+          </a:fontRef>
+        </p:style>
+      </p:cxnSp>
+      <p:cxnSp>
+        <p:nvCxnSpPr>
+          <p:cNvPr id="26" name="Straight Arrow Connector 25">
+            <a:extLst>
+              <a:ext uri="{FF2B5EF4-FFF2-40B4-BE49-F238E27FC236}">
+                <a16:creationId xmlns:a16="http://schemas.microsoft.com/office/drawing/2014/main" id="{C7EA8CE0-3FFD-6179-F185-20599D13E181}"/>
+              </a:ext>
+            </a:extLst>
+          </p:cNvPr>
+          <p:cNvCxnSpPr/>
+          <p:nvPr/>
+        </p:nvCxnSpPr>
+        <p:spPr>
+          <a:xfrm flipV="1">
+            <a:off x="4296578" y="1938969"/>
+            <a:ext cx="0" cy="363556"/>
+          </a:xfrm>
+          <a:prstGeom prst="straightConnector1">
+            <a:avLst/>
+          </a:prstGeom>
+          <a:ln>
+            <a:tailEnd type="triangle"/>
+          </a:ln>
+        </p:spPr>
+        <p:style>
+          <a:lnRef idx="1">
+            <a:schemeClr val="dk1"/>
+          </a:lnRef>
+          <a:fillRef idx="0">
+            <a:schemeClr val="dk1"/>
+          </a:fillRef>
+          <a:effectRef idx="0">
+            <a:schemeClr val="dk1"/>
+          </a:effectRef>
+          <a:fontRef idx="minor">
+            <a:schemeClr val="tx1"/>
+          </a:fontRef>
+        </p:style>
+      </p:cxnSp>
+      <p:cxnSp>
+        <p:nvCxnSpPr>
+          <p:cNvPr id="28" name="Straight Arrow Connector 27">
+            <a:extLst>
+              <a:ext uri="{FF2B5EF4-FFF2-40B4-BE49-F238E27FC236}">
+                <a16:creationId xmlns:a16="http://schemas.microsoft.com/office/drawing/2014/main" id="{64A9AFA4-5417-9036-B96B-B9181B180204}"/>
+              </a:ext>
+            </a:extLst>
+          </p:cNvPr>
+          <p:cNvCxnSpPr>
+            <a:cxnSpLocks/>
+          </p:cNvCxnSpPr>
+          <p:nvPr/>
+        </p:nvCxnSpPr>
+        <p:spPr>
+          <a:xfrm flipV="1">
+            <a:off x="4792337" y="1938969"/>
+            <a:ext cx="0" cy="363556"/>
+          </a:xfrm>
+          <a:prstGeom prst="straightConnector1">
+            <a:avLst/>
+          </a:prstGeom>
+          <a:ln>
+            <a:tailEnd type="triangle"/>
+          </a:ln>
+        </p:spPr>
+        <p:style>
+          <a:lnRef idx="1">
+            <a:schemeClr val="dk1"/>
+          </a:lnRef>
+          <a:fillRef idx="0">
+            <a:schemeClr val="dk1"/>
+          </a:fillRef>
+          <a:effectRef idx="0">
+            <a:schemeClr val="dk1"/>
+          </a:effectRef>
+          <a:fontRef idx="minor">
+            <a:schemeClr val="tx1"/>
+          </a:fontRef>
+        </p:style>
+      </p:cxnSp>
+      <p:cxnSp>
+        <p:nvCxnSpPr>
+          <p:cNvPr id="31" name="Straight Arrow Connector 30">
+            <a:extLst>
+              <a:ext uri="{FF2B5EF4-FFF2-40B4-BE49-F238E27FC236}">
+                <a16:creationId xmlns:a16="http://schemas.microsoft.com/office/drawing/2014/main" id="{F01B0AED-73F5-663B-7F4E-C6D911EEF5A6}"/>
+              </a:ext>
+            </a:extLst>
+          </p:cNvPr>
+          <p:cNvCxnSpPr/>
+          <p:nvPr/>
+        </p:nvCxnSpPr>
+        <p:spPr>
+          <a:xfrm flipV="1">
+            <a:off x="5350933" y="1938969"/>
+            <a:ext cx="0" cy="374573"/>
+          </a:xfrm>
+          <a:prstGeom prst="straightConnector1">
+            <a:avLst/>
+          </a:prstGeom>
+          <a:ln>
+            <a:tailEnd type="triangle"/>
+          </a:ln>
+        </p:spPr>
+        <p:style>
+          <a:lnRef idx="1">
+            <a:schemeClr val="dk1"/>
+          </a:lnRef>
+          <a:fillRef idx="0">
+            <a:schemeClr val="dk1"/>
+          </a:fillRef>
+          <a:effectRef idx="0">
+            <a:schemeClr val="dk1"/>
+          </a:effectRef>
+          <a:fontRef idx="minor">
+            <a:schemeClr val="tx1"/>
+          </a:fontRef>
+        </p:style>
+      </p:cxnSp>
+      <p:cxnSp>
+        <p:nvCxnSpPr>
+          <p:cNvPr id="33" name="Straight Arrow Connector 32">
+            <a:extLst>
+              <a:ext uri="{FF2B5EF4-FFF2-40B4-BE49-F238E27FC236}">
+                <a16:creationId xmlns:a16="http://schemas.microsoft.com/office/drawing/2014/main" id="{10C47997-8581-640D-FC98-CFCD67CF245B}"/>
+              </a:ext>
+            </a:extLst>
+          </p:cNvPr>
+          <p:cNvCxnSpPr/>
+          <p:nvPr/>
+        </p:nvCxnSpPr>
+        <p:spPr>
+          <a:xfrm flipV="1">
+            <a:off x="5927075" y="1938969"/>
+            <a:ext cx="0" cy="374573"/>
+          </a:xfrm>
+          <a:prstGeom prst="straightConnector1">
+            <a:avLst/>
+          </a:prstGeom>
+          <a:ln>
+            <a:tailEnd type="triangle"/>
+          </a:ln>
+        </p:spPr>
+        <p:style>
+          <a:lnRef idx="1">
+            <a:schemeClr val="dk1"/>
+          </a:lnRef>
+          <a:fillRef idx="0">
+            <a:schemeClr val="dk1"/>
+          </a:fillRef>
+          <a:effectRef idx="0">
+            <a:schemeClr val="dk1"/>
+          </a:effectRef>
+          <a:fontRef idx="minor">
+            <a:schemeClr val="tx1"/>
+          </a:fontRef>
+        </p:style>
+      </p:cxnSp>
+      <p:cxnSp>
+        <p:nvCxnSpPr>
+          <p:cNvPr id="35" name="Straight Arrow Connector 34">
+            <a:extLst>
+              <a:ext uri="{FF2B5EF4-FFF2-40B4-BE49-F238E27FC236}">
+                <a16:creationId xmlns:a16="http://schemas.microsoft.com/office/drawing/2014/main" id="{C015E6C1-E268-B3A1-DC52-1727C620CAC5}"/>
+              </a:ext>
+            </a:extLst>
+          </p:cNvPr>
+          <p:cNvCxnSpPr/>
+          <p:nvPr/>
+        </p:nvCxnSpPr>
+        <p:spPr>
+          <a:xfrm flipV="1">
+            <a:off x="6952574" y="1938969"/>
+            <a:ext cx="0" cy="374573"/>
+          </a:xfrm>
+          <a:prstGeom prst="straightConnector1">
+            <a:avLst/>
+          </a:prstGeom>
+          <a:ln>
+            <a:tailEnd type="triangle"/>
+          </a:ln>
+        </p:spPr>
+        <p:style>
+          <a:lnRef idx="1">
+            <a:schemeClr val="dk1"/>
+          </a:lnRef>
+          <a:fillRef idx="0">
+            <a:schemeClr val="dk1"/>
+          </a:fillRef>
+          <a:effectRef idx="0">
+            <a:schemeClr val="dk1"/>
+          </a:effectRef>
+          <a:fontRef idx="minor">
+            <a:schemeClr val="tx1"/>
+          </a:fontRef>
+        </p:style>
+      </p:cxnSp>
+      <p:cxnSp>
+        <p:nvCxnSpPr>
+          <p:cNvPr id="39" name="Straight Arrow Connector 38">
+            <a:extLst>
+              <a:ext uri="{FF2B5EF4-FFF2-40B4-BE49-F238E27FC236}">
+                <a16:creationId xmlns:a16="http://schemas.microsoft.com/office/drawing/2014/main" id="{1BB762BA-06C2-D59F-8791-167D0FB1015C}"/>
+              </a:ext>
+            </a:extLst>
+          </p:cNvPr>
+          <p:cNvCxnSpPr/>
+          <p:nvPr/>
+        </p:nvCxnSpPr>
+        <p:spPr>
+          <a:xfrm flipV="1">
+            <a:off x="8020280" y="1938969"/>
+            <a:ext cx="0" cy="363556"/>
+          </a:xfrm>
+          <a:prstGeom prst="straightConnector1">
+            <a:avLst/>
+          </a:prstGeom>
+          <a:ln>
+            <a:tailEnd type="triangle"/>
+          </a:ln>
+        </p:spPr>
+        <p:style>
+          <a:lnRef idx="1">
+            <a:schemeClr val="dk1"/>
+          </a:lnRef>
+          <a:fillRef idx="0">
+            <a:schemeClr val="dk1"/>
+          </a:fillRef>
+          <a:effectRef idx="0">
+            <a:schemeClr val="dk1"/>
+          </a:effectRef>
+          <a:fontRef idx="minor">
+            <a:schemeClr val="tx1"/>
+          </a:fontRef>
+        </p:style>
+      </p:cxnSp>
+      <p:cxnSp>
+        <p:nvCxnSpPr>
+          <p:cNvPr id="43" name="Straight Arrow Connector 42">
+            <a:extLst>
+              <a:ext uri="{FF2B5EF4-FFF2-40B4-BE49-F238E27FC236}">
+                <a16:creationId xmlns:a16="http://schemas.microsoft.com/office/drawing/2014/main" id="{9A5FC609-87B2-10D5-E785-E28CAEB88B20}"/>
+              </a:ext>
+            </a:extLst>
+          </p:cNvPr>
+          <p:cNvCxnSpPr/>
+          <p:nvPr/>
+        </p:nvCxnSpPr>
+        <p:spPr>
+          <a:xfrm flipV="1">
+            <a:off x="9067967" y="1938969"/>
+            <a:ext cx="0" cy="374573"/>
+          </a:xfrm>
+          <a:prstGeom prst="straightConnector1">
+            <a:avLst/>
+          </a:prstGeom>
+          <a:ln>
+            <a:tailEnd type="triangle"/>
+          </a:ln>
+        </p:spPr>
+        <p:style>
+          <a:lnRef idx="1">
+            <a:schemeClr val="dk1"/>
+          </a:lnRef>
+          <a:fillRef idx="0">
+            <a:schemeClr val="dk1"/>
+          </a:fillRef>
+          <a:effectRef idx="0">
+            <a:schemeClr val="dk1"/>
+          </a:effectRef>
+          <a:fontRef idx="minor">
+            <a:schemeClr val="tx1"/>
+          </a:fontRef>
+        </p:style>
+      </p:cxnSp>
+      <p:sp>
+        <p:nvSpPr>
+          <p:cNvPr id="46" name="TextBox 45">
+            <a:extLst>
+              <a:ext uri="{FF2B5EF4-FFF2-40B4-BE49-F238E27FC236}">
+                <a16:creationId xmlns:a16="http://schemas.microsoft.com/office/drawing/2014/main" id="{9FA26C86-3CE7-C85E-9474-223E9B4253A5}"/>
+              </a:ext>
+            </a:extLst>
+          </p:cNvPr>
+          <p:cNvSpPr txBox="1"/>
+          <p:nvPr/>
+        </p:nvSpPr>
+        <p:spPr>
+          <a:xfrm>
+            <a:off x="88274" y="2114481"/>
+            <a:ext cx="407484" cy="261610"/>
+          </a:xfrm>
+          <a:prstGeom prst="rect">
+            <a:avLst/>
+          </a:prstGeom>
+          <a:noFill/>
+        </p:spPr>
+        <p:txBody>
+          <a:bodyPr wrap="none" rtlCol="0">
+            <a:spAutoFit/>
+          </a:bodyPr>
+          <a:lstStyle/>
+          <a:p>
+            <a:r>
+              <a:rPr lang="en-US" sz="1100" dirty="0"/>
+              <a:t>FD1</a:t>
+            </a:r>
+          </a:p>
+        </p:txBody>
+      </p:sp>
+      <p:cxnSp>
+        <p:nvCxnSpPr>
+          <p:cNvPr id="49" name="Straight Connector 48">
+            <a:extLst>
+              <a:ext uri="{FF2B5EF4-FFF2-40B4-BE49-F238E27FC236}">
+                <a16:creationId xmlns:a16="http://schemas.microsoft.com/office/drawing/2014/main" id="{02DE7BB8-E8FF-2EF9-CECB-A75617AFFF58}"/>
+              </a:ext>
+            </a:extLst>
+          </p:cNvPr>
+          <p:cNvCxnSpPr>
+            <a:cxnSpLocks/>
+          </p:cNvCxnSpPr>
+          <p:nvPr/>
+        </p:nvCxnSpPr>
+        <p:spPr>
+          <a:xfrm>
+            <a:off x="2633031" y="2376091"/>
+            <a:ext cx="0" cy="312025"/>
+          </a:xfrm>
+          <a:prstGeom prst="line">
+            <a:avLst/>
+          </a:prstGeom>
+        </p:spPr>
+        <p:style>
+          <a:lnRef idx="1">
+            <a:schemeClr val="dk1"/>
+          </a:lnRef>
+          <a:fillRef idx="0">
+            <a:schemeClr val="dk1"/>
+          </a:fillRef>
+          <a:effectRef idx="0">
+            <a:schemeClr val="dk1"/>
+          </a:effectRef>
+          <a:fontRef idx="minor">
+            <a:schemeClr val="tx1"/>
+          </a:fontRef>
+        </p:style>
+      </p:cxnSp>
+      <p:cxnSp>
+        <p:nvCxnSpPr>
+          <p:cNvPr id="54" name="Straight Connector 53">
+            <a:extLst>
+              <a:ext uri="{FF2B5EF4-FFF2-40B4-BE49-F238E27FC236}">
+                <a16:creationId xmlns:a16="http://schemas.microsoft.com/office/drawing/2014/main" id="{643600F4-51DD-1BA6-485B-7B3375AE7078}"/>
+              </a:ext>
+            </a:extLst>
+          </p:cNvPr>
+          <p:cNvCxnSpPr/>
+          <p:nvPr/>
+        </p:nvCxnSpPr>
+        <p:spPr>
+          <a:xfrm>
+            <a:off x="2633031" y="2688116"/>
+            <a:ext cx="1138677" cy="0"/>
+          </a:xfrm>
+          <a:prstGeom prst="line">
+            <a:avLst/>
+          </a:prstGeom>
+        </p:spPr>
+        <p:style>
+          <a:lnRef idx="1">
+            <a:schemeClr val="dk1"/>
+          </a:lnRef>
+          <a:fillRef idx="0">
+            <a:schemeClr val="dk1"/>
+          </a:fillRef>
+          <a:effectRef idx="0">
+            <a:schemeClr val="dk1"/>
+          </a:effectRef>
+          <a:fontRef idx="minor">
+            <a:schemeClr val="tx1"/>
+          </a:fontRef>
+        </p:style>
+      </p:cxnSp>
+      <p:cxnSp>
+        <p:nvCxnSpPr>
+          <p:cNvPr id="59" name="Straight Arrow Connector 58">
+            <a:extLst>
+              <a:ext uri="{FF2B5EF4-FFF2-40B4-BE49-F238E27FC236}">
+                <a16:creationId xmlns:a16="http://schemas.microsoft.com/office/drawing/2014/main" id="{132D2381-3062-E594-7339-9588F90846C4}"/>
+              </a:ext>
+            </a:extLst>
+          </p:cNvPr>
+          <p:cNvCxnSpPr>
+            <a:cxnSpLocks/>
+          </p:cNvCxnSpPr>
+          <p:nvPr/>
+        </p:nvCxnSpPr>
+        <p:spPr>
+          <a:xfrm flipV="1">
+            <a:off x="3180521" y="2376091"/>
+            <a:ext cx="0" cy="312025"/>
+          </a:xfrm>
+          <a:prstGeom prst="straightConnector1">
+            <a:avLst/>
+          </a:prstGeom>
+          <a:ln>
+            <a:tailEnd type="triangle"/>
+          </a:ln>
+        </p:spPr>
+        <p:style>
+          <a:lnRef idx="1">
+            <a:schemeClr val="dk1"/>
+          </a:lnRef>
+          <a:fillRef idx="0">
+            <a:schemeClr val="dk1"/>
+          </a:fillRef>
+          <a:effectRef idx="0">
+            <a:schemeClr val="dk1"/>
+          </a:effectRef>
+          <a:fontRef idx="minor">
+            <a:schemeClr val="tx1"/>
+          </a:fontRef>
+        </p:style>
+      </p:cxnSp>
+      <p:cxnSp>
+        <p:nvCxnSpPr>
+          <p:cNvPr id="61" name="Straight Arrow Connector 60">
+            <a:extLst>
+              <a:ext uri="{FF2B5EF4-FFF2-40B4-BE49-F238E27FC236}">
+                <a16:creationId xmlns:a16="http://schemas.microsoft.com/office/drawing/2014/main" id="{C1C9102E-53DD-FE56-B2A7-CE6A59A02F44}"/>
+              </a:ext>
+            </a:extLst>
+          </p:cNvPr>
+          <p:cNvCxnSpPr>
+            <a:cxnSpLocks/>
+          </p:cNvCxnSpPr>
+          <p:nvPr/>
+        </p:nvCxnSpPr>
+        <p:spPr>
+          <a:xfrm flipV="1">
+            <a:off x="3771708" y="2376091"/>
+            <a:ext cx="0" cy="312025"/>
+          </a:xfrm>
+          <a:prstGeom prst="straightConnector1">
+            <a:avLst/>
+          </a:prstGeom>
+          <a:ln>
+            <a:tailEnd type="triangle"/>
+          </a:ln>
+        </p:spPr>
+        <p:style>
+          <a:lnRef idx="1">
+            <a:schemeClr val="dk1"/>
+          </a:lnRef>
+          <a:fillRef idx="0">
+            <a:schemeClr val="dk1"/>
+          </a:fillRef>
+          <a:effectRef idx="0">
+            <a:schemeClr val="dk1"/>
+          </a:effectRef>
+          <a:fontRef idx="minor">
+            <a:schemeClr val="tx1"/>
+          </a:fontRef>
+        </p:style>
+      </p:cxnSp>
+      <p:cxnSp>
+        <p:nvCxnSpPr>
+          <p:cNvPr id="69" name="Straight Connector 68">
+            <a:extLst>
+              <a:ext uri="{FF2B5EF4-FFF2-40B4-BE49-F238E27FC236}">
+                <a16:creationId xmlns:a16="http://schemas.microsoft.com/office/drawing/2014/main" id="{BCF48942-A59B-8F22-AE28-BBBC2ED8F032}"/>
+              </a:ext>
+            </a:extLst>
+          </p:cNvPr>
+          <p:cNvCxnSpPr/>
+          <p:nvPr/>
+        </p:nvCxnSpPr>
+        <p:spPr>
+          <a:xfrm>
+            <a:off x="5942644" y="2376091"/>
+            <a:ext cx="0" cy="312025"/>
+          </a:xfrm>
+          <a:prstGeom prst="line">
+            <a:avLst/>
+          </a:prstGeom>
+        </p:spPr>
+        <p:style>
+          <a:lnRef idx="1">
+            <a:schemeClr val="dk1"/>
+          </a:lnRef>
+          <a:fillRef idx="0">
+            <a:schemeClr val="dk1"/>
+          </a:fillRef>
+          <a:effectRef idx="0">
+            <a:schemeClr val="dk1"/>
+          </a:effectRef>
+          <a:fontRef idx="minor">
+            <a:schemeClr val="tx1"/>
+          </a:fontRef>
+        </p:style>
+      </p:cxnSp>
+      <p:cxnSp>
+        <p:nvCxnSpPr>
+          <p:cNvPr id="72" name="Straight Connector 71">
+            <a:extLst>
+              <a:ext uri="{FF2B5EF4-FFF2-40B4-BE49-F238E27FC236}">
+                <a16:creationId xmlns:a16="http://schemas.microsoft.com/office/drawing/2014/main" id="{3ED3F0E3-D22C-A5DB-9D38-418436A1E355}"/>
+              </a:ext>
+            </a:extLst>
+          </p:cNvPr>
+          <p:cNvCxnSpPr>
+            <a:cxnSpLocks/>
+          </p:cNvCxnSpPr>
+          <p:nvPr/>
+        </p:nvCxnSpPr>
+        <p:spPr>
+          <a:xfrm>
+            <a:off x="5942644" y="2688116"/>
+            <a:ext cx="534356" cy="0"/>
+          </a:xfrm>
+          <a:prstGeom prst="line">
+            <a:avLst/>
+          </a:prstGeom>
+        </p:spPr>
+        <p:style>
+          <a:lnRef idx="1">
+            <a:schemeClr val="dk1"/>
+          </a:lnRef>
+          <a:fillRef idx="0">
+            <a:schemeClr val="dk1"/>
+          </a:fillRef>
+          <a:effectRef idx="0">
+            <a:schemeClr val="dk1"/>
+          </a:effectRef>
+          <a:fontRef idx="minor">
+            <a:schemeClr val="tx1"/>
+          </a:fontRef>
+        </p:style>
+      </p:cxnSp>
+      <p:cxnSp>
+        <p:nvCxnSpPr>
+          <p:cNvPr id="74" name="Straight Arrow Connector 73">
+            <a:extLst>
+              <a:ext uri="{FF2B5EF4-FFF2-40B4-BE49-F238E27FC236}">
+                <a16:creationId xmlns:a16="http://schemas.microsoft.com/office/drawing/2014/main" id="{96462A62-7F1F-E823-E11C-3664E0C8149D}"/>
+              </a:ext>
+            </a:extLst>
+          </p:cNvPr>
+          <p:cNvCxnSpPr/>
+          <p:nvPr/>
+        </p:nvCxnSpPr>
+        <p:spPr>
+          <a:xfrm flipV="1">
+            <a:off x="6477000" y="2376091"/>
+            <a:ext cx="0" cy="312025"/>
+          </a:xfrm>
+          <a:prstGeom prst="straightConnector1">
+            <a:avLst/>
+          </a:prstGeom>
+          <a:ln>
+            <a:tailEnd type="triangle"/>
+          </a:ln>
+        </p:spPr>
+        <p:style>
+          <a:lnRef idx="1">
+            <a:schemeClr val="dk1"/>
+          </a:lnRef>
+          <a:fillRef idx="0">
+            <a:schemeClr val="dk1"/>
+          </a:fillRef>
+          <a:effectRef idx="0">
+            <a:schemeClr val="dk1"/>
+          </a:effectRef>
+          <a:fontRef idx="minor">
+            <a:schemeClr val="tx1"/>
+          </a:fontRef>
+        </p:style>
+      </p:cxnSp>
+      <p:cxnSp>
+        <p:nvCxnSpPr>
+          <p:cNvPr id="113" name="Straight Connector 112">
+            <a:extLst>
+              <a:ext uri="{FF2B5EF4-FFF2-40B4-BE49-F238E27FC236}">
+                <a16:creationId xmlns:a16="http://schemas.microsoft.com/office/drawing/2014/main" id="{DE8902AD-5594-283B-CE47-85029957B2BE}"/>
+              </a:ext>
+            </a:extLst>
+          </p:cNvPr>
+          <p:cNvCxnSpPr/>
+          <p:nvPr/>
+        </p:nvCxnSpPr>
+        <p:spPr>
+          <a:xfrm>
+            <a:off x="6944644" y="2382194"/>
+            <a:ext cx="0" cy="312025"/>
+          </a:xfrm>
+          <a:prstGeom prst="line">
+            <a:avLst/>
+          </a:prstGeom>
+        </p:spPr>
+        <p:style>
+          <a:lnRef idx="1">
+            <a:schemeClr val="dk1"/>
+          </a:lnRef>
+          <a:fillRef idx="0">
+            <a:schemeClr val="dk1"/>
+          </a:fillRef>
+          <a:effectRef idx="0">
+            <a:schemeClr val="dk1"/>
+          </a:effectRef>
+          <a:fontRef idx="minor">
+            <a:schemeClr val="tx1"/>
+          </a:fontRef>
+        </p:style>
+      </p:cxnSp>
+      <p:cxnSp>
+        <p:nvCxnSpPr>
+          <p:cNvPr id="114" name="Straight Connector 113">
+            <a:extLst>
+              <a:ext uri="{FF2B5EF4-FFF2-40B4-BE49-F238E27FC236}">
+                <a16:creationId xmlns:a16="http://schemas.microsoft.com/office/drawing/2014/main" id="{88778718-4CB0-F16A-85A3-591E2A810BE5}"/>
+              </a:ext>
+            </a:extLst>
+          </p:cNvPr>
+          <p:cNvCxnSpPr>
+            <a:cxnSpLocks/>
+          </p:cNvCxnSpPr>
+          <p:nvPr/>
+        </p:nvCxnSpPr>
+        <p:spPr>
+          <a:xfrm>
+            <a:off x="6944644" y="2694219"/>
+            <a:ext cx="534356" cy="0"/>
+          </a:xfrm>
+          <a:prstGeom prst="line">
+            <a:avLst/>
+          </a:prstGeom>
+        </p:spPr>
+        <p:style>
+          <a:lnRef idx="1">
+            <a:schemeClr val="dk1"/>
+          </a:lnRef>
+          <a:fillRef idx="0">
+            <a:schemeClr val="dk1"/>
+          </a:fillRef>
+          <a:effectRef idx="0">
+            <a:schemeClr val="dk1"/>
+          </a:effectRef>
+          <a:fontRef idx="minor">
+            <a:schemeClr val="tx1"/>
+          </a:fontRef>
+        </p:style>
+      </p:cxnSp>
+      <p:cxnSp>
+        <p:nvCxnSpPr>
+          <p:cNvPr id="115" name="Straight Arrow Connector 114">
+            <a:extLst>
+              <a:ext uri="{FF2B5EF4-FFF2-40B4-BE49-F238E27FC236}">
+                <a16:creationId xmlns:a16="http://schemas.microsoft.com/office/drawing/2014/main" id="{CFE1AF04-F6BF-4EB2-CA60-2E93E541FDB5}"/>
+              </a:ext>
+            </a:extLst>
+          </p:cNvPr>
+          <p:cNvCxnSpPr/>
+          <p:nvPr/>
+        </p:nvCxnSpPr>
+        <p:spPr>
+          <a:xfrm flipV="1">
+            <a:off x="7479000" y="2382194"/>
+            <a:ext cx="0" cy="312025"/>
+          </a:xfrm>
+          <a:prstGeom prst="straightConnector1">
+            <a:avLst/>
+          </a:prstGeom>
+          <a:ln>
+            <a:tailEnd type="triangle"/>
+          </a:ln>
+        </p:spPr>
+        <p:style>
+          <a:lnRef idx="1">
+            <a:schemeClr val="dk1"/>
+          </a:lnRef>
+          <a:fillRef idx="0">
+            <a:schemeClr val="dk1"/>
+          </a:fillRef>
+          <a:effectRef idx="0">
+            <a:schemeClr val="dk1"/>
+          </a:effectRef>
+          <a:fontRef idx="minor">
+            <a:schemeClr val="tx1"/>
+          </a:fontRef>
+        </p:style>
+      </p:cxnSp>
+      <p:cxnSp>
+        <p:nvCxnSpPr>
+          <p:cNvPr id="117" name="Straight Connector 116">
+            <a:extLst>
+              <a:ext uri="{FF2B5EF4-FFF2-40B4-BE49-F238E27FC236}">
+                <a16:creationId xmlns:a16="http://schemas.microsoft.com/office/drawing/2014/main" id="{699C754A-AAE7-77CE-8D70-DACC6BF8D835}"/>
+              </a:ext>
+            </a:extLst>
+          </p:cNvPr>
+          <p:cNvCxnSpPr/>
+          <p:nvPr/>
+        </p:nvCxnSpPr>
+        <p:spPr>
+          <a:xfrm>
+            <a:off x="8010244" y="2374994"/>
+            <a:ext cx="0" cy="312025"/>
+          </a:xfrm>
+          <a:prstGeom prst="line">
+            <a:avLst/>
+          </a:prstGeom>
+        </p:spPr>
+        <p:style>
+          <a:lnRef idx="1">
+            <a:schemeClr val="dk1"/>
+          </a:lnRef>
+          <a:fillRef idx="0">
+            <a:schemeClr val="dk1"/>
+          </a:fillRef>
+          <a:effectRef idx="0">
+            <a:schemeClr val="dk1"/>
+          </a:effectRef>
+          <a:fontRef idx="minor">
+            <a:schemeClr val="tx1"/>
+          </a:fontRef>
+        </p:style>
+      </p:cxnSp>
+      <p:cxnSp>
+        <p:nvCxnSpPr>
+          <p:cNvPr id="118" name="Straight Connector 117">
+            <a:extLst>
+              <a:ext uri="{FF2B5EF4-FFF2-40B4-BE49-F238E27FC236}">
+                <a16:creationId xmlns:a16="http://schemas.microsoft.com/office/drawing/2014/main" id="{0733E4D7-298C-2264-5F58-371BB3A39C8C}"/>
+              </a:ext>
+            </a:extLst>
+          </p:cNvPr>
+          <p:cNvCxnSpPr>
+            <a:cxnSpLocks/>
+          </p:cNvCxnSpPr>
+          <p:nvPr/>
+        </p:nvCxnSpPr>
+        <p:spPr>
+          <a:xfrm>
+            <a:off x="8010244" y="2687019"/>
+            <a:ext cx="534356" cy="0"/>
+          </a:xfrm>
+          <a:prstGeom prst="line">
+            <a:avLst/>
+          </a:prstGeom>
+        </p:spPr>
+        <p:style>
+          <a:lnRef idx="1">
+            <a:schemeClr val="dk1"/>
+          </a:lnRef>
+          <a:fillRef idx="0">
+            <a:schemeClr val="dk1"/>
+          </a:fillRef>
+          <a:effectRef idx="0">
+            <a:schemeClr val="dk1"/>
+          </a:effectRef>
+          <a:fontRef idx="minor">
+            <a:schemeClr val="tx1"/>
+          </a:fontRef>
+        </p:style>
+      </p:cxnSp>
+      <p:cxnSp>
+        <p:nvCxnSpPr>
+          <p:cNvPr id="120" name="Straight Arrow Connector 119">
+            <a:extLst>
+              <a:ext uri="{FF2B5EF4-FFF2-40B4-BE49-F238E27FC236}">
+                <a16:creationId xmlns:a16="http://schemas.microsoft.com/office/drawing/2014/main" id="{EF5DDE3C-6FC7-F8F1-1B8D-9805A12615A8}"/>
+              </a:ext>
+            </a:extLst>
+          </p:cNvPr>
+          <p:cNvCxnSpPr/>
+          <p:nvPr/>
+        </p:nvCxnSpPr>
+        <p:spPr>
+          <a:xfrm flipV="1">
+            <a:off x="8544600" y="2374994"/>
+            <a:ext cx="0" cy="312025"/>
+          </a:xfrm>
+          <a:prstGeom prst="straightConnector1">
+            <a:avLst/>
+          </a:prstGeom>
+          <a:ln>
+            <a:tailEnd type="triangle"/>
+          </a:ln>
+        </p:spPr>
+        <p:style>
+          <a:lnRef idx="1">
+            <a:schemeClr val="dk1"/>
+          </a:lnRef>
+          <a:fillRef idx="0">
+            <a:schemeClr val="dk1"/>
+          </a:fillRef>
+          <a:effectRef idx="0">
+            <a:schemeClr val="dk1"/>
+          </a:effectRef>
+          <a:fontRef idx="minor">
+            <a:schemeClr val="tx1"/>
+          </a:fontRef>
+        </p:style>
+      </p:cxnSp>
+      <p:cxnSp>
+        <p:nvCxnSpPr>
+          <p:cNvPr id="121" name="Straight Connector 120">
+            <a:extLst>
+              <a:ext uri="{FF2B5EF4-FFF2-40B4-BE49-F238E27FC236}">
+                <a16:creationId xmlns:a16="http://schemas.microsoft.com/office/drawing/2014/main" id="{6CE4542A-A65F-C209-4EAE-D35F312883D0}"/>
+              </a:ext>
+            </a:extLst>
+          </p:cNvPr>
+          <p:cNvCxnSpPr/>
+          <p:nvPr/>
+        </p:nvCxnSpPr>
+        <p:spPr>
+          <a:xfrm>
+            <a:off x="9090064" y="2388297"/>
+            <a:ext cx="0" cy="312025"/>
+          </a:xfrm>
+          <a:prstGeom prst="line">
+            <a:avLst/>
+          </a:prstGeom>
+        </p:spPr>
+        <p:style>
+          <a:lnRef idx="1">
+            <a:schemeClr val="dk1"/>
+          </a:lnRef>
+          <a:fillRef idx="0">
+            <a:schemeClr val="dk1"/>
+          </a:fillRef>
+          <a:effectRef idx="0">
+            <a:schemeClr val="dk1"/>
+          </a:effectRef>
+          <a:fontRef idx="minor">
+            <a:schemeClr val="tx1"/>
+          </a:fontRef>
+        </p:style>
+      </p:cxnSp>
+      <p:cxnSp>
+        <p:nvCxnSpPr>
+          <p:cNvPr id="122" name="Straight Connector 121">
+            <a:extLst>
+              <a:ext uri="{FF2B5EF4-FFF2-40B4-BE49-F238E27FC236}">
+                <a16:creationId xmlns:a16="http://schemas.microsoft.com/office/drawing/2014/main" id="{D74F3457-E799-E71D-6C8B-7057820D559A}"/>
+              </a:ext>
+            </a:extLst>
+          </p:cNvPr>
+          <p:cNvCxnSpPr>
+            <a:cxnSpLocks/>
+          </p:cNvCxnSpPr>
+          <p:nvPr/>
+        </p:nvCxnSpPr>
+        <p:spPr>
+          <a:xfrm>
+            <a:off x="9090064" y="2700322"/>
+            <a:ext cx="1670411" cy="0"/>
+          </a:xfrm>
+          <a:prstGeom prst="line">
+            <a:avLst/>
+          </a:prstGeom>
+        </p:spPr>
+        <p:style>
+          <a:lnRef idx="1">
+            <a:schemeClr val="dk1"/>
+          </a:lnRef>
+          <a:fillRef idx="0">
+            <a:schemeClr val="dk1"/>
+          </a:fillRef>
+          <a:effectRef idx="0">
+            <a:schemeClr val="dk1"/>
+          </a:effectRef>
+          <a:fontRef idx="minor">
+            <a:schemeClr val="tx1"/>
+          </a:fontRef>
+        </p:style>
+      </p:cxnSp>
+      <p:cxnSp>
+        <p:nvCxnSpPr>
+          <p:cNvPr id="133" name="Straight Arrow Connector 132">
+            <a:extLst>
+              <a:ext uri="{FF2B5EF4-FFF2-40B4-BE49-F238E27FC236}">
+                <a16:creationId xmlns:a16="http://schemas.microsoft.com/office/drawing/2014/main" id="{04B05A11-A89B-8B14-3E2B-23B89A1F338B}"/>
+              </a:ext>
+            </a:extLst>
+          </p:cNvPr>
+          <p:cNvCxnSpPr/>
+          <p:nvPr/>
+        </p:nvCxnSpPr>
+        <p:spPr>
+          <a:xfrm flipV="1">
+            <a:off x="9624420" y="2382194"/>
+            <a:ext cx="0" cy="312025"/>
+          </a:xfrm>
+          <a:prstGeom prst="straightConnector1">
+            <a:avLst/>
+          </a:prstGeom>
+          <a:ln>
+            <a:tailEnd type="triangle"/>
+          </a:ln>
+        </p:spPr>
+        <p:style>
+          <a:lnRef idx="1">
+            <a:schemeClr val="dk1"/>
+          </a:lnRef>
+          <a:fillRef idx="0">
+            <a:schemeClr val="dk1"/>
+          </a:fillRef>
+          <a:effectRef idx="0">
+            <a:schemeClr val="dk1"/>
+          </a:effectRef>
+          <a:fontRef idx="minor">
+            <a:schemeClr val="tx1"/>
+          </a:fontRef>
+        </p:style>
+      </p:cxnSp>
+      <p:cxnSp>
+        <p:nvCxnSpPr>
+          <p:cNvPr id="135" name="Straight Arrow Connector 134">
+            <a:extLst>
+              <a:ext uri="{FF2B5EF4-FFF2-40B4-BE49-F238E27FC236}">
+                <a16:creationId xmlns:a16="http://schemas.microsoft.com/office/drawing/2014/main" id="{C941BF1C-F2F7-AF3C-9BDA-92B287FF8966}"/>
+              </a:ext>
+            </a:extLst>
+          </p:cNvPr>
+          <p:cNvCxnSpPr/>
+          <p:nvPr/>
+        </p:nvCxnSpPr>
+        <p:spPr>
+          <a:xfrm flipV="1">
+            <a:off x="10159200" y="2382194"/>
+            <a:ext cx="0" cy="312025"/>
+          </a:xfrm>
+          <a:prstGeom prst="straightConnector1">
+            <a:avLst/>
+          </a:prstGeom>
+          <a:ln>
+            <a:tailEnd type="triangle"/>
+          </a:ln>
+        </p:spPr>
+        <p:style>
+          <a:lnRef idx="1">
+            <a:schemeClr val="dk1"/>
+          </a:lnRef>
+          <a:fillRef idx="0">
+            <a:schemeClr val="dk1"/>
+          </a:fillRef>
+          <a:effectRef idx="0">
+            <a:schemeClr val="dk1"/>
+          </a:effectRef>
+          <a:fontRef idx="minor">
+            <a:schemeClr val="tx1"/>
+          </a:fontRef>
+        </p:style>
+      </p:cxnSp>
+      <p:cxnSp>
+        <p:nvCxnSpPr>
+          <p:cNvPr id="138" name="Straight Arrow Connector 137">
+            <a:extLst>
+              <a:ext uri="{FF2B5EF4-FFF2-40B4-BE49-F238E27FC236}">
+                <a16:creationId xmlns:a16="http://schemas.microsoft.com/office/drawing/2014/main" id="{443232B3-625A-A6F1-107E-0B091F81AB18}"/>
+              </a:ext>
+            </a:extLst>
+          </p:cNvPr>
+          <p:cNvCxnSpPr/>
+          <p:nvPr/>
+        </p:nvCxnSpPr>
+        <p:spPr>
+          <a:xfrm flipV="1">
+            <a:off x="10760475" y="2374994"/>
+            <a:ext cx="0" cy="319225"/>
+          </a:xfrm>
+          <a:prstGeom prst="straightConnector1">
+            <a:avLst/>
+          </a:prstGeom>
+          <a:ln>
+            <a:tailEnd type="triangle"/>
+          </a:ln>
+        </p:spPr>
+        <p:style>
+          <a:lnRef idx="1">
+            <a:schemeClr val="dk1"/>
+          </a:lnRef>
+          <a:fillRef idx="0">
+            <a:schemeClr val="dk1"/>
+          </a:fillRef>
+          <a:effectRef idx="0">
+            <a:schemeClr val="dk1"/>
+          </a:effectRef>
+          <a:fontRef idx="minor">
+            <a:schemeClr val="tx1"/>
+          </a:fontRef>
+        </p:style>
+      </p:cxnSp>
+      <p:sp>
+        <p:nvSpPr>
+          <p:cNvPr id="141" name="TextBox 140">
+            <a:extLst>
+              <a:ext uri="{FF2B5EF4-FFF2-40B4-BE49-F238E27FC236}">
+                <a16:creationId xmlns:a16="http://schemas.microsoft.com/office/drawing/2014/main" id="{D9D6BF36-A207-2191-E0AA-4E01FFCAC080}"/>
+              </a:ext>
+            </a:extLst>
+          </p:cNvPr>
+          <p:cNvSpPr txBox="1"/>
+          <p:nvPr/>
+        </p:nvSpPr>
+        <p:spPr>
+          <a:xfrm>
+            <a:off x="2043409" y="2510867"/>
+            <a:ext cx="663160" cy="261610"/>
+          </a:xfrm>
+          <a:prstGeom prst="rect">
+            <a:avLst/>
+          </a:prstGeom>
+          <a:noFill/>
+        </p:spPr>
+        <p:txBody>
+          <a:bodyPr wrap="square">
+            <a:spAutoFit/>
+          </a:bodyPr>
+          <a:lstStyle/>
+          <a:p>
+            <a:r>
+              <a:rPr lang="en-US" sz="1100" dirty="0"/>
+              <a:t>FD2 - 6</a:t>
             </a:r>
           </a:p>
         </p:txBody>
@@ -15629,6 +15597,779 @@
       </p:grpSpPr>
       <p:sp>
         <p:nvSpPr>
+          <p:cNvPr id="5" name="TextBox 4">
+            <a:extLst>
+              <a:ext uri="{FF2B5EF4-FFF2-40B4-BE49-F238E27FC236}">
+                <a16:creationId xmlns:a16="http://schemas.microsoft.com/office/drawing/2014/main" id="{25EBF4FE-33DC-9C53-AA1B-F77DB72066C3}"/>
+              </a:ext>
+            </a:extLst>
+          </p:cNvPr>
+          <p:cNvSpPr txBox="1"/>
+          <p:nvPr/>
+        </p:nvSpPr>
+        <p:spPr>
+          <a:xfrm>
+            <a:off x="231526" y="179327"/>
+            <a:ext cx="3963008" cy="369332"/>
+          </a:xfrm>
+          <a:prstGeom prst="rect">
+            <a:avLst/>
+          </a:prstGeom>
+          <a:noFill/>
+        </p:spPr>
+        <p:txBody>
+          <a:bodyPr wrap="none" rtlCol="0">
+            <a:spAutoFit/>
+          </a:bodyPr>
+          <a:lstStyle/>
+          <a:p>
+            <a:r>
+              <a:rPr lang="en-US" dirty="0"/>
+              <a:t>Satisfying 2NF Once More for Area Table</a:t>
+            </a:r>
+          </a:p>
+        </p:txBody>
+      </p:sp>
+      <p:graphicFrame>
+        <p:nvGraphicFramePr>
+          <p:cNvPr id="6" name="Table 5">
+            <a:extLst>
+              <a:ext uri="{FF2B5EF4-FFF2-40B4-BE49-F238E27FC236}">
+                <a16:creationId xmlns:a16="http://schemas.microsoft.com/office/drawing/2014/main" id="{B332A8D5-DA46-7C51-524E-ACA115EA939F}"/>
+              </a:ext>
+            </a:extLst>
+          </p:cNvPr>
+          <p:cNvGraphicFramePr>
+            <a:graphicFrameLocks noGrp="1"/>
+          </p:cNvGraphicFramePr>
+          <p:nvPr>
+            <p:extLst>
+              <p:ext uri="{D42A27DB-BD31-4B8C-83A1-F6EECF244321}">
+                <p14:modId xmlns:p14="http://schemas.microsoft.com/office/powerpoint/2010/main" val="2816512484"/>
+              </p:ext>
+            </p:extLst>
+          </p:nvPr>
+        </p:nvGraphicFramePr>
+        <p:xfrm>
+          <a:off x="258847" y="998380"/>
+          <a:ext cx="2578200" cy="370840"/>
+        </p:xfrm>
+        <a:graphic>
+          <a:graphicData uri="http://schemas.openxmlformats.org/drawingml/2006/table">
+            <a:tbl>
+              <a:tblPr firstRow="1" bandRow="1">
+                <a:tableStyleId>{5C22544A-7EE6-4342-B048-85BDC9FD1C3A}</a:tableStyleId>
+              </a:tblPr>
+              <a:tblGrid>
+                <a:gridCol w="859400">
+                  <a:extLst>
+                    <a:ext uri="{9D8B030D-6E8A-4147-A177-3AD203B41FA5}">
+                      <a16:colId xmlns:a16="http://schemas.microsoft.com/office/drawing/2014/main" val="172214013"/>
+                    </a:ext>
+                  </a:extLst>
+                </a:gridCol>
+                <a:gridCol w="859400">
+                  <a:extLst>
+                    <a:ext uri="{9D8B030D-6E8A-4147-A177-3AD203B41FA5}">
+                      <a16:colId xmlns:a16="http://schemas.microsoft.com/office/drawing/2014/main" val="2707278351"/>
+                    </a:ext>
+                  </a:extLst>
+                </a:gridCol>
+                <a:gridCol w="859400">
+                  <a:extLst>
+                    <a:ext uri="{9D8B030D-6E8A-4147-A177-3AD203B41FA5}">
+                      <a16:colId xmlns:a16="http://schemas.microsoft.com/office/drawing/2014/main" val="1618377977"/>
+                    </a:ext>
+                  </a:extLst>
+                </a:gridCol>
+              </a:tblGrid>
+              <a:tr h="370840">
+                <a:tc>
+                  <a:txBody>
+                    <a:bodyPr/>
+                    <a:lstStyle/>
+                    <a:p>
+                      <a:r>
+                        <a:rPr lang="en-US" sz="1000" b="0" dirty="0"/>
+                        <a:t> </a:t>
+                      </a:r>
+                      <a:r>
+                        <a:rPr lang="en-US" sz="1000" b="1" u="sng" dirty="0"/>
+                        <a:t>Area </a:t>
+                      </a:r>
+                    </a:p>
+                  </a:txBody>
+                  <a:tcPr/>
+                </a:tc>
+                <a:tc>
+                  <a:txBody>
+                    <a:bodyPr/>
+                    <a:lstStyle/>
+                    <a:p>
+                      <a:r>
+                        <a:rPr lang="en-US" sz="1000" b="0" dirty="0"/>
+                        <a:t>Area Name</a:t>
+                      </a:r>
+                    </a:p>
+                  </a:txBody>
+                  <a:tcPr/>
+                </a:tc>
+                <a:tc>
+                  <a:txBody>
+                    <a:bodyPr/>
+                    <a:lstStyle/>
+                    <a:p>
+                      <a:r>
+                        <a:rPr lang="en-US" sz="1000" b="0" dirty="0" err="1"/>
+                        <a:t>RPT_Dist_No</a:t>
+                      </a:r>
+                      <a:endParaRPr lang="en-US" sz="1000" b="0" dirty="0"/>
+                    </a:p>
+                  </a:txBody>
+                  <a:tcPr/>
+                </a:tc>
+                <a:extLst>
+                  <a:ext uri="{0D108BD9-81ED-4DB2-BD59-A6C34878D82A}">
+                    <a16:rowId xmlns:a16="http://schemas.microsoft.com/office/drawing/2014/main" val="2045381985"/>
+                  </a:ext>
+                </a:extLst>
+              </a:tr>
+            </a:tbl>
+          </a:graphicData>
+        </a:graphic>
+      </p:graphicFrame>
+      <p:sp>
+        <p:nvSpPr>
+          <p:cNvPr id="7" name="TextBox 6">
+            <a:extLst>
+              <a:ext uri="{FF2B5EF4-FFF2-40B4-BE49-F238E27FC236}">
+                <a16:creationId xmlns:a16="http://schemas.microsoft.com/office/drawing/2014/main" id="{F6391F2F-6508-48AC-AA70-556259D27BDE}"/>
+              </a:ext>
+            </a:extLst>
+          </p:cNvPr>
+          <p:cNvSpPr txBox="1"/>
+          <p:nvPr/>
+        </p:nvSpPr>
+        <p:spPr>
+          <a:xfrm>
+            <a:off x="239909" y="737191"/>
+            <a:ext cx="490840" cy="276999"/>
+          </a:xfrm>
+          <a:prstGeom prst="rect">
+            <a:avLst/>
+          </a:prstGeom>
+          <a:noFill/>
+        </p:spPr>
+        <p:txBody>
+          <a:bodyPr wrap="none" rtlCol="0">
+            <a:spAutoFit/>
+          </a:bodyPr>
+          <a:lstStyle/>
+          <a:p>
+            <a:r>
+              <a:rPr lang="en-US" sz="1200" dirty="0">
+                <a:latin typeface="Arial" panose="020B0604020202020204" pitchFamily="34" charset="0"/>
+                <a:cs typeface="Arial" panose="020B0604020202020204" pitchFamily="34" charset="0"/>
+              </a:rPr>
+              <a:t>area</a:t>
+            </a:r>
+          </a:p>
+        </p:txBody>
+      </p:sp>
+      <p:cxnSp>
+        <p:nvCxnSpPr>
+          <p:cNvPr id="9" name="Straight Connector 8">
+            <a:extLst>
+              <a:ext uri="{FF2B5EF4-FFF2-40B4-BE49-F238E27FC236}">
+                <a16:creationId xmlns:a16="http://schemas.microsoft.com/office/drawing/2014/main" id="{E19C7DC7-61F2-0A6B-1439-0B88EF215B7F}"/>
+              </a:ext>
+            </a:extLst>
+          </p:cNvPr>
+          <p:cNvCxnSpPr>
+            <a:cxnSpLocks/>
+          </p:cNvCxnSpPr>
+          <p:nvPr/>
+        </p:nvCxnSpPr>
+        <p:spPr>
+          <a:xfrm>
+            <a:off x="524107" y="1369220"/>
+            <a:ext cx="0" cy="270009"/>
+          </a:xfrm>
+          <a:prstGeom prst="line">
+            <a:avLst/>
+          </a:prstGeom>
+        </p:spPr>
+        <p:style>
+          <a:lnRef idx="1">
+            <a:schemeClr val="dk1"/>
+          </a:lnRef>
+          <a:fillRef idx="0">
+            <a:schemeClr val="dk1"/>
+          </a:fillRef>
+          <a:effectRef idx="0">
+            <a:schemeClr val="dk1"/>
+          </a:effectRef>
+          <a:fontRef idx="minor">
+            <a:schemeClr val="tx1"/>
+          </a:fontRef>
+        </p:style>
+      </p:cxnSp>
+      <p:cxnSp>
+        <p:nvCxnSpPr>
+          <p:cNvPr id="14" name="Straight Connector 13">
+            <a:extLst>
+              <a:ext uri="{FF2B5EF4-FFF2-40B4-BE49-F238E27FC236}">
+                <a16:creationId xmlns:a16="http://schemas.microsoft.com/office/drawing/2014/main" id="{74B94336-3074-F51B-BEE8-4ECBB81F923A}"/>
+              </a:ext>
+            </a:extLst>
+          </p:cNvPr>
+          <p:cNvCxnSpPr>
+            <a:cxnSpLocks/>
+          </p:cNvCxnSpPr>
+          <p:nvPr/>
+        </p:nvCxnSpPr>
+        <p:spPr>
+          <a:xfrm>
+            <a:off x="524107" y="1639229"/>
+            <a:ext cx="869795" cy="0"/>
+          </a:xfrm>
+          <a:prstGeom prst="line">
+            <a:avLst/>
+          </a:prstGeom>
+        </p:spPr>
+        <p:style>
+          <a:lnRef idx="1">
+            <a:schemeClr val="dk1"/>
+          </a:lnRef>
+          <a:fillRef idx="0">
+            <a:schemeClr val="dk1"/>
+          </a:fillRef>
+          <a:effectRef idx="0">
+            <a:schemeClr val="dk1"/>
+          </a:effectRef>
+          <a:fontRef idx="minor">
+            <a:schemeClr val="tx1"/>
+          </a:fontRef>
+        </p:style>
+      </p:cxnSp>
+      <p:cxnSp>
+        <p:nvCxnSpPr>
+          <p:cNvPr id="20" name="Straight Arrow Connector 19">
+            <a:extLst>
+              <a:ext uri="{FF2B5EF4-FFF2-40B4-BE49-F238E27FC236}">
+                <a16:creationId xmlns:a16="http://schemas.microsoft.com/office/drawing/2014/main" id="{C5B9B11D-96B4-F6C7-3B7A-40B6BC1BAA74}"/>
+              </a:ext>
+            </a:extLst>
+          </p:cNvPr>
+          <p:cNvCxnSpPr/>
+          <p:nvPr/>
+        </p:nvCxnSpPr>
+        <p:spPr>
+          <a:xfrm flipV="1">
+            <a:off x="1393902" y="1369220"/>
+            <a:ext cx="0" cy="270009"/>
+          </a:xfrm>
+          <a:prstGeom prst="straightConnector1">
+            <a:avLst/>
+          </a:prstGeom>
+          <a:ln>
+            <a:tailEnd type="triangle"/>
+          </a:ln>
+        </p:spPr>
+        <p:style>
+          <a:lnRef idx="1">
+            <a:schemeClr val="dk1"/>
+          </a:lnRef>
+          <a:fillRef idx="0">
+            <a:schemeClr val="dk1"/>
+          </a:fillRef>
+          <a:effectRef idx="0">
+            <a:schemeClr val="dk1"/>
+          </a:effectRef>
+          <a:fontRef idx="minor">
+            <a:schemeClr val="tx1"/>
+          </a:fontRef>
+        </p:style>
+      </p:cxnSp>
+      <p:sp>
+        <p:nvSpPr>
+          <p:cNvPr id="21" name="TextBox 20">
+            <a:extLst>
+              <a:ext uri="{FF2B5EF4-FFF2-40B4-BE49-F238E27FC236}">
+                <a16:creationId xmlns:a16="http://schemas.microsoft.com/office/drawing/2014/main" id="{51F90841-F5F8-DB79-8B19-E6EC8C1FAA36}"/>
+              </a:ext>
+            </a:extLst>
+          </p:cNvPr>
+          <p:cNvSpPr txBox="1"/>
+          <p:nvPr/>
+        </p:nvSpPr>
+        <p:spPr>
+          <a:xfrm>
+            <a:off x="152186" y="1462640"/>
+            <a:ext cx="407484" cy="261610"/>
+          </a:xfrm>
+          <a:prstGeom prst="rect">
+            <a:avLst/>
+          </a:prstGeom>
+          <a:noFill/>
+        </p:spPr>
+        <p:txBody>
+          <a:bodyPr wrap="none" rtlCol="0">
+            <a:spAutoFit/>
+          </a:bodyPr>
+          <a:lstStyle/>
+          <a:p>
+            <a:r>
+              <a:rPr lang="en-US" sz="1100" dirty="0"/>
+              <a:t>FD1</a:t>
+            </a:r>
+          </a:p>
+        </p:txBody>
+      </p:sp>
+      <p:cxnSp>
+        <p:nvCxnSpPr>
+          <p:cNvPr id="24" name="Straight Connector 23">
+            <a:extLst>
+              <a:ext uri="{FF2B5EF4-FFF2-40B4-BE49-F238E27FC236}">
+                <a16:creationId xmlns:a16="http://schemas.microsoft.com/office/drawing/2014/main" id="{7DE0E10E-D9C8-97F4-987D-6FE6BF907BA5}"/>
+              </a:ext>
+            </a:extLst>
+          </p:cNvPr>
+          <p:cNvCxnSpPr/>
+          <p:nvPr/>
+        </p:nvCxnSpPr>
+        <p:spPr>
+          <a:xfrm>
+            <a:off x="524107" y="1806498"/>
+            <a:ext cx="0" cy="289931"/>
+          </a:xfrm>
+          <a:prstGeom prst="line">
+            <a:avLst/>
+          </a:prstGeom>
+        </p:spPr>
+        <p:style>
+          <a:lnRef idx="1">
+            <a:schemeClr val="dk1"/>
+          </a:lnRef>
+          <a:fillRef idx="0">
+            <a:schemeClr val="dk1"/>
+          </a:fillRef>
+          <a:effectRef idx="0">
+            <a:schemeClr val="dk1"/>
+          </a:effectRef>
+          <a:fontRef idx="minor">
+            <a:schemeClr val="tx1"/>
+          </a:fontRef>
+        </p:style>
+      </p:cxnSp>
+      <p:cxnSp>
+        <p:nvCxnSpPr>
+          <p:cNvPr id="26" name="Straight Connector 25">
+            <a:extLst>
+              <a:ext uri="{FF2B5EF4-FFF2-40B4-BE49-F238E27FC236}">
+                <a16:creationId xmlns:a16="http://schemas.microsoft.com/office/drawing/2014/main" id="{4A07DD2D-4A82-CB40-45EE-F06D1708D77E}"/>
+              </a:ext>
+            </a:extLst>
+          </p:cNvPr>
+          <p:cNvCxnSpPr/>
+          <p:nvPr/>
+        </p:nvCxnSpPr>
+        <p:spPr>
+          <a:xfrm>
+            <a:off x="524107" y="2107580"/>
+            <a:ext cx="1918010" cy="0"/>
+          </a:xfrm>
+          <a:prstGeom prst="line">
+            <a:avLst/>
+          </a:prstGeom>
+        </p:spPr>
+        <p:style>
+          <a:lnRef idx="1">
+            <a:schemeClr val="dk1"/>
+          </a:lnRef>
+          <a:fillRef idx="0">
+            <a:schemeClr val="dk1"/>
+          </a:fillRef>
+          <a:effectRef idx="0">
+            <a:schemeClr val="dk1"/>
+          </a:effectRef>
+          <a:fontRef idx="minor">
+            <a:schemeClr val="tx1"/>
+          </a:fontRef>
+        </p:style>
+      </p:cxnSp>
+      <p:cxnSp>
+        <p:nvCxnSpPr>
+          <p:cNvPr id="28" name="Straight Arrow Connector 27">
+            <a:extLst>
+              <a:ext uri="{FF2B5EF4-FFF2-40B4-BE49-F238E27FC236}">
+                <a16:creationId xmlns:a16="http://schemas.microsoft.com/office/drawing/2014/main" id="{6E397B01-235C-3157-2061-9B02E28274E5}"/>
+              </a:ext>
+            </a:extLst>
+          </p:cNvPr>
+          <p:cNvCxnSpPr/>
+          <p:nvPr/>
+        </p:nvCxnSpPr>
+        <p:spPr>
+          <a:xfrm flipV="1">
+            <a:off x="2442117" y="1369220"/>
+            <a:ext cx="0" cy="727209"/>
+          </a:xfrm>
+          <a:prstGeom prst="straightConnector1">
+            <a:avLst/>
+          </a:prstGeom>
+          <a:ln>
+            <a:tailEnd type="triangle"/>
+          </a:ln>
+        </p:spPr>
+        <p:style>
+          <a:lnRef idx="1">
+            <a:schemeClr val="dk1"/>
+          </a:lnRef>
+          <a:fillRef idx="0">
+            <a:schemeClr val="dk1"/>
+          </a:fillRef>
+          <a:effectRef idx="0">
+            <a:schemeClr val="dk1"/>
+          </a:effectRef>
+          <a:fontRef idx="minor">
+            <a:schemeClr val="tx1"/>
+          </a:fontRef>
+        </p:style>
+      </p:cxnSp>
+      <p:sp>
+        <p:nvSpPr>
+          <p:cNvPr id="32" name="TextBox 31">
+            <a:extLst>
+              <a:ext uri="{FF2B5EF4-FFF2-40B4-BE49-F238E27FC236}">
+                <a16:creationId xmlns:a16="http://schemas.microsoft.com/office/drawing/2014/main" id="{6484CDD9-4E04-BF73-A5A3-F299EB3E9AC8}"/>
+              </a:ext>
+            </a:extLst>
+          </p:cNvPr>
+          <p:cNvSpPr txBox="1"/>
+          <p:nvPr/>
+        </p:nvSpPr>
+        <p:spPr>
+          <a:xfrm>
+            <a:off x="141267" y="1938754"/>
+            <a:ext cx="429321" cy="261610"/>
+          </a:xfrm>
+          <a:prstGeom prst="rect">
+            <a:avLst/>
+          </a:prstGeom>
+          <a:noFill/>
+        </p:spPr>
+        <p:txBody>
+          <a:bodyPr wrap="square">
+            <a:spAutoFit/>
+          </a:bodyPr>
+          <a:lstStyle/>
+          <a:p>
+            <a:r>
+              <a:rPr lang="en-US" sz="1100" dirty="0"/>
+              <a:t>FD2</a:t>
+            </a:r>
+          </a:p>
+        </p:txBody>
+      </p:sp>
+      <p:graphicFrame>
+        <p:nvGraphicFramePr>
+          <p:cNvPr id="33" name="Table 32">
+            <a:extLst>
+              <a:ext uri="{FF2B5EF4-FFF2-40B4-BE49-F238E27FC236}">
+                <a16:creationId xmlns:a16="http://schemas.microsoft.com/office/drawing/2014/main" id="{2BC9F495-E16C-5E86-CD73-52E224092163}"/>
+              </a:ext>
+            </a:extLst>
+          </p:cNvPr>
+          <p:cNvGraphicFramePr>
+            <a:graphicFrameLocks noGrp="1"/>
+          </p:cNvGraphicFramePr>
+          <p:nvPr>
+            <p:extLst>
+              <p:ext uri="{D42A27DB-BD31-4B8C-83A1-F6EECF244321}">
+                <p14:modId xmlns:p14="http://schemas.microsoft.com/office/powerpoint/2010/main" val="4271980775"/>
+              </p:ext>
+            </p:extLst>
+          </p:nvPr>
+        </p:nvGraphicFramePr>
+        <p:xfrm>
+          <a:off x="1062382" y="3339472"/>
+          <a:ext cx="1774664" cy="370840"/>
+        </p:xfrm>
+        <a:graphic>
+          <a:graphicData uri="http://schemas.openxmlformats.org/drawingml/2006/table">
+            <a:tbl>
+              <a:tblPr firstRow="1" bandRow="1">
+                <a:tableStyleId>{5C22544A-7EE6-4342-B048-85BDC9FD1C3A}</a:tableStyleId>
+              </a:tblPr>
+              <a:tblGrid>
+                <a:gridCol w="887332">
+                  <a:extLst>
+                    <a:ext uri="{9D8B030D-6E8A-4147-A177-3AD203B41FA5}">
+                      <a16:colId xmlns:a16="http://schemas.microsoft.com/office/drawing/2014/main" val="172214013"/>
+                    </a:ext>
+                  </a:extLst>
+                </a:gridCol>
+                <a:gridCol w="887332">
+                  <a:extLst>
+                    <a:ext uri="{9D8B030D-6E8A-4147-A177-3AD203B41FA5}">
+                      <a16:colId xmlns:a16="http://schemas.microsoft.com/office/drawing/2014/main" val="2707278351"/>
+                    </a:ext>
+                  </a:extLst>
+                </a:gridCol>
+              </a:tblGrid>
+              <a:tr h="370840">
+                <a:tc>
+                  <a:txBody>
+                    <a:bodyPr/>
+                    <a:lstStyle/>
+                    <a:p>
+                      <a:r>
+                        <a:rPr lang="en-US" sz="1000" b="0" dirty="0"/>
+                        <a:t> </a:t>
+                      </a:r>
+                      <a:r>
+                        <a:rPr lang="en-US" sz="1000" b="1" u="sng" dirty="0"/>
+                        <a:t>Area </a:t>
+                      </a:r>
+                    </a:p>
+                  </a:txBody>
+                  <a:tcPr/>
+                </a:tc>
+                <a:tc>
+                  <a:txBody>
+                    <a:bodyPr/>
+                    <a:lstStyle/>
+                    <a:p>
+                      <a:r>
+                        <a:rPr lang="en-US" sz="1000" b="0" dirty="0" err="1"/>
+                        <a:t>Area_Name</a:t>
+                      </a:r>
+                      <a:endParaRPr lang="en-US" sz="1000" b="0" dirty="0"/>
+                    </a:p>
+                  </a:txBody>
+                  <a:tcPr/>
+                </a:tc>
+                <a:extLst>
+                  <a:ext uri="{0D108BD9-81ED-4DB2-BD59-A6C34878D82A}">
+                    <a16:rowId xmlns:a16="http://schemas.microsoft.com/office/drawing/2014/main" val="2045381985"/>
+                  </a:ext>
+                </a:extLst>
+              </a:tr>
+            </a:tbl>
+          </a:graphicData>
+        </a:graphic>
+      </p:graphicFrame>
+      <p:graphicFrame>
+        <p:nvGraphicFramePr>
+          <p:cNvPr id="34" name="Table 33">
+            <a:extLst>
+              <a:ext uri="{FF2B5EF4-FFF2-40B4-BE49-F238E27FC236}">
+                <a16:creationId xmlns:a16="http://schemas.microsoft.com/office/drawing/2014/main" id="{61FB0804-1D06-F6F6-D0A9-CA3C45F55D1F}"/>
+              </a:ext>
+            </a:extLst>
+          </p:cNvPr>
+          <p:cNvGraphicFramePr>
+            <a:graphicFrameLocks noGrp="1"/>
+          </p:cNvGraphicFramePr>
+          <p:nvPr>
+            <p:extLst>
+              <p:ext uri="{D42A27DB-BD31-4B8C-83A1-F6EECF244321}">
+                <p14:modId xmlns:p14="http://schemas.microsoft.com/office/powerpoint/2010/main" val="2009347080"/>
+              </p:ext>
+            </p:extLst>
+          </p:nvPr>
+        </p:nvGraphicFramePr>
+        <p:xfrm>
+          <a:off x="4002587" y="3378820"/>
+          <a:ext cx="1862954" cy="396240"/>
+        </p:xfrm>
+        <a:graphic>
+          <a:graphicData uri="http://schemas.openxmlformats.org/drawingml/2006/table">
+            <a:tbl>
+              <a:tblPr firstRow="1" bandRow="1">
+                <a:tableStyleId>{5C22544A-7EE6-4342-B048-85BDC9FD1C3A}</a:tableStyleId>
+              </a:tblPr>
+              <a:tblGrid>
+                <a:gridCol w="931477">
+                  <a:extLst>
+                    <a:ext uri="{9D8B030D-6E8A-4147-A177-3AD203B41FA5}">
+                      <a16:colId xmlns:a16="http://schemas.microsoft.com/office/drawing/2014/main" val="172214013"/>
+                    </a:ext>
+                  </a:extLst>
+                </a:gridCol>
+                <a:gridCol w="931477">
+                  <a:extLst>
+                    <a:ext uri="{9D8B030D-6E8A-4147-A177-3AD203B41FA5}">
+                      <a16:colId xmlns:a16="http://schemas.microsoft.com/office/drawing/2014/main" val="2707278351"/>
+                    </a:ext>
+                  </a:extLst>
+                </a:gridCol>
+              </a:tblGrid>
+              <a:tr h="370840">
+                <a:tc>
+                  <a:txBody>
+                    <a:bodyPr/>
+                    <a:lstStyle/>
+                    <a:p>
+                      <a:pPr marL="0" marR="0" lvl="0" indent="0" algn="l" defTabSz="914400" rtl="0" eaLnBrk="1" fontAlgn="auto" latinLnBrk="0" hangingPunct="1">
+                        <a:lnSpc>
+                          <a:spcPct val="100000"/>
+                        </a:lnSpc>
+                        <a:spcBef>
+                          <a:spcPts val="0"/>
+                        </a:spcBef>
+                        <a:spcAft>
+                          <a:spcPts val="0"/>
+                        </a:spcAft>
+                        <a:buClrTx/>
+                        <a:buSzTx/>
+                        <a:buFontTx/>
+                        <a:buNone/>
+                        <a:tabLst/>
+                        <a:defRPr/>
+                      </a:pPr>
+                      <a:r>
+                        <a:rPr lang="en-US" sz="1000" b="0" dirty="0"/>
+                        <a:t> </a:t>
+                      </a:r>
+                      <a:r>
+                        <a:rPr lang="en-US" sz="1000" b="1" u="sng" dirty="0"/>
+                        <a:t>Rpt_Dist_N0</a:t>
+                      </a:r>
+                    </a:p>
+                    <a:p>
+                      <a:endParaRPr lang="en-US" sz="1000" b="1" u="sng" dirty="0"/>
+                    </a:p>
+                  </a:txBody>
+                  <a:tcPr/>
+                </a:tc>
+                <a:tc>
+                  <a:txBody>
+                    <a:bodyPr/>
+                    <a:lstStyle/>
+                    <a:p>
+                      <a:r>
+                        <a:rPr lang="en-US" sz="1000" b="0" dirty="0"/>
+                        <a:t>Area</a:t>
+                      </a:r>
+                    </a:p>
+                  </a:txBody>
+                  <a:tcPr/>
+                </a:tc>
+                <a:extLst>
+                  <a:ext uri="{0D108BD9-81ED-4DB2-BD59-A6C34878D82A}">
+                    <a16:rowId xmlns:a16="http://schemas.microsoft.com/office/drawing/2014/main" val="2045381985"/>
+                  </a:ext>
+                </a:extLst>
+              </a:tr>
+            </a:tbl>
+          </a:graphicData>
+        </a:graphic>
+      </p:graphicFrame>
+      <p:sp>
+        <p:nvSpPr>
+          <p:cNvPr id="35" name="TextBox 34">
+            <a:extLst>
+              <a:ext uri="{FF2B5EF4-FFF2-40B4-BE49-F238E27FC236}">
+                <a16:creationId xmlns:a16="http://schemas.microsoft.com/office/drawing/2014/main" id="{80C72A42-AC0D-4A06-A1F2-7EDEFEC4ABD9}"/>
+              </a:ext>
+            </a:extLst>
+          </p:cNvPr>
+          <p:cNvSpPr txBox="1"/>
+          <p:nvPr/>
+        </p:nvSpPr>
+        <p:spPr>
+          <a:xfrm>
+            <a:off x="1064746" y="3077862"/>
+            <a:ext cx="730600" cy="261610"/>
+          </a:xfrm>
+          <a:prstGeom prst="rect">
+            <a:avLst/>
+          </a:prstGeom>
+          <a:noFill/>
+        </p:spPr>
+        <p:txBody>
+          <a:bodyPr wrap="square">
+            <a:spAutoFit/>
+          </a:bodyPr>
+          <a:lstStyle/>
+          <a:p>
+            <a:r>
+              <a:rPr lang="en-US" sz="1100" dirty="0"/>
+              <a:t>area</a:t>
+            </a:r>
+          </a:p>
+        </p:txBody>
+      </p:sp>
+      <p:sp>
+        <p:nvSpPr>
+          <p:cNvPr id="36" name="TextBox 35">
+            <a:extLst>
+              <a:ext uri="{FF2B5EF4-FFF2-40B4-BE49-F238E27FC236}">
+                <a16:creationId xmlns:a16="http://schemas.microsoft.com/office/drawing/2014/main" id="{DDDB8B3C-C5AE-483D-C4C1-D9FA4310F8A5}"/>
+              </a:ext>
+            </a:extLst>
+          </p:cNvPr>
+          <p:cNvSpPr txBox="1"/>
+          <p:nvPr/>
+        </p:nvSpPr>
+        <p:spPr>
+          <a:xfrm>
+            <a:off x="3945919" y="3135951"/>
+            <a:ext cx="730600" cy="261610"/>
+          </a:xfrm>
+          <a:prstGeom prst="rect">
+            <a:avLst/>
+          </a:prstGeom>
+          <a:noFill/>
+        </p:spPr>
+        <p:txBody>
+          <a:bodyPr wrap="square">
+            <a:spAutoFit/>
+          </a:bodyPr>
+          <a:lstStyle/>
+          <a:p>
+            <a:r>
+              <a:rPr lang="en-US" sz="1100" dirty="0" err="1"/>
+              <a:t>rpt_no</a:t>
+            </a:r>
+            <a:endParaRPr lang="en-US" sz="1100" dirty="0"/>
+          </a:p>
+        </p:txBody>
+      </p:sp>
+    </p:spTree>
+    <p:extLst>
+      <p:ext uri="{BB962C8B-B14F-4D97-AF65-F5344CB8AC3E}">
+        <p14:creationId xmlns:p14="http://schemas.microsoft.com/office/powerpoint/2010/main" val="973004821"/>
+      </p:ext>
+    </p:extLst>
+  </p:cSld>
+  <p:clrMapOvr>
+    <a:masterClrMapping/>
+  </p:clrMapOvr>
+</p:sld>
+</file>
+
+<file path=ppt/slides/slide5.xml><?xml version="1.0" encoding="utf-8"?>
+<p:sld xmlns:a="http://schemas.openxmlformats.org/drawingml/2006/main" xmlns:r="http://schemas.openxmlformats.org/officeDocument/2006/relationships" xmlns:p="http://schemas.openxmlformats.org/presentationml/2006/main">
+  <p:cSld>
+    <p:spTree>
+      <p:nvGrpSpPr>
+        <p:cNvPr id="1" name=""/>
+        <p:cNvGrpSpPr/>
+        <p:nvPr/>
+      </p:nvGrpSpPr>
+      <p:grpSpPr>
+        <a:xfrm>
+          <a:off x="0" y="0"/>
+          <a:ext cx="0" cy="0"/>
+          <a:chOff x="0" y="0"/>
+          <a:chExt cx="0" cy="0"/>
+        </a:xfrm>
+      </p:grpSpPr>
+      <p:sp>
+        <p:nvSpPr>
           <p:cNvPr id="13" name="TextBox 12">
             <a:extLst>
               <a:ext uri="{FF2B5EF4-FFF2-40B4-BE49-F238E27FC236}">
@@ -15677,14 +16418,14 @@
           <p:nvPr>
             <p:extLst>
               <p:ext uri="{D42A27DB-BD31-4B8C-83A1-F6EECF244321}">
-                <p14:modId xmlns:p14="http://schemas.microsoft.com/office/powerpoint/2010/main" val="420378381"/>
+                <p14:modId xmlns:p14="http://schemas.microsoft.com/office/powerpoint/2010/main" val="3138456082"/>
               </p:ext>
             </p:extLst>
           </p:nvPr>
         </p:nvGraphicFramePr>
         <p:xfrm>
-          <a:off x="1175995" y="358766"/>
-          <a:ext cx="10445022" cy="398303"/>
+          <a:off x="1175993" y="358766"/>
+          <a:ext cx="9347688" cy="398303"/>
         </p:xfrm>
         <a:graphic>
           <a:graphicData uri="http://schemas.openxmlformats.org/drawingml/2006/table">
@@ -15693,98 +16434,84 @@
                 <a:tableStyleId>{5C22544A-7EE6-4342-B048-85BDC9FD1C3A}</a:tableStyleId>
               </a:tblPr>
               <a:tblGrid>
-                <a:gridCol w="746073">
+                <a:gridCol w="778974">
                   <a:extLst>
                     <a:ext uri="{9D8B030D-6E8A-4147-A177-3AD203B41FA5}">
                       <a16:colId xmlns:a16="http://schemas.microsoft.com/office/drawing/2014/main" val="4273428158"/>
                     </a:ext>
                   </a:extLst>
                 </a:gridCol>
-                <a:gridCol w="746073">
+                <a:gridCol w="778974">
                   <a:extLst>
                     <a:ext uri="{9D8B030D-6E8A-4147-A177-3AD203B41FA5}">
                       <a16:colId xmlns:a16="http://schemas.microsoft.com/office/drawing/2014/main" val="4123412472"/>
                     </a:ext>
                   </a:extLst>
                 </a:gridCol>
-                <a:gridCol w="746073">
+                <a:gridCol w="778974">
                   <a:extLst>
                     <a:ext uri="{9D8B030D-6E8A-4147-A177-3AD203B41FA5}">
                       <a16:colId xmlns:a16="http://schemas.microsoft.com/office/drawing/2014/main" val="2146158941"/>
                     </a:ext>
                   </a:extLst>
                 </a:gridCol>
-                <a:gridCol w="746073">
+                <a:gridCol w="778974">
                   <a:extLst>
                     <a:ext uri="{9D8B030D-6E8A-4147-A177-3AD203B41FA5}">
                       <a16:colId xmlns:a16="http://schemas.microsoft.com/office/drawing/2014/main" val="2022062446"/>
                     </a:ext>
                   </a:extLst>
                 </a:gridCol>
-                <a:gridCol w="746073">
-                  <a:extLst>
-                    <a:ext uri="{9D8B030D-6E8A-4147-A177-3AD203B41FA5}">
-                      <a16:colId xmlns:a16="http://schemas.microsoft.com/office/drawing/2014/main" val="1094692723"/>
-                    </a:ext>
-                  </a:extLst>
-                </a:gridCol>
-                <a:gridCol w="746073">
+                <a:gridCol w="778974">
                   <a:extLst>
                     <a:ext uri="{9D8B030D-6E8A-4147-A177-3AD203B41FA5}">
                       <a16:colId xmlns:a16="http://schemas.microsoft.com/office/drawing/2014/main" val="2547887431"/>
                     </a:ext>
                   </a:extLst>
                 </a:gridCol>
-                <a:gridCol w="746073">
-                  <a:extLst>
-                    <a:ext uri="{9D8B030D-6E8A-4147-A177-3AD203B41FA5}">
-                      <a16:colId xmlns:a16="http://schemas.microsoft.com/office/drawing/2014/main" val="3814958604"/>
-                    </a:ext>
-                  </a:extLst>
-                </a:gridCol>
-                <a:gridCol w="746073">
+                <a:gridCol w="778974">
                   <a:extLst>
                     <a:ext uri="{9D8B030D-6E8A-4147-A177-3AD203B41FA5}">
                       <a16:colId xmlns:a16="http://schemas.microsoft.com/office/drawing/2014/main" val="111369748"/>
                     </a:ext>
                   </a:extLst>
                 </a:gridCol>
-                <a:gridCol w="746073">
+                <a:gridCol w="778974">
                   <a:extLst>
                     <a:ext uri="{9D8B030D-6E8A-4147-A177-3AD203B41FA5}">
                       <a16:colId xmlns:a16="http://schemas.microsoft.com/office/drawing/2014/main" val="50609807"/>
                     </a:ext>
                   </a:extLst>
                 </a:gridCol>
-                <a:gridCol w="746073">
+                <a:gridCol w="778974">
                   <a:extLst>
                     <a:ext uri="{9D8B030D-6E8A-4147-A177-3AD203B41FA5}">
                       <a16:colId xmlns:a16="http://schemas.microsoft.com/office/drawing/2014/main" val="3539277533"/>
                     </a:ext>
                   </a:extLst>
                 </a:gridCol>
-                <a:gridCol w="746073">
+                <a:gridCol w="778974">
                   <a:extLst>
                     <a:ext uri="{9D8B030D-6E8A-4147-A177-3AD203B41FA5}">
                       <a16:colId xmlns:a16="http://schemas.microsoft.com/office/drawing/2014/main" val="3833101711"/>
                     </a:ext>
                   </a:extLst>
                 </a:gridCol>
-                <a:gridCol w="746073">
+                <a:gridCol w="778974">
                   <a:extLst>
                     <a:ext uri="{9D8B030D-6E8A-4147-A177-3AD203B41FA5}">
                       <a16:colId xmlns:a16="http://schemas.microsoft.com/office/drawing/2014/main" val="3182526201"/>
                     </a:ext>
                   </a:extLst>
                 </a:gridCol>
-                <a:gridCol w="746073">
+                <a:gridCol w="778974">
                   <a:extLst>
                     <a:ext uri="{9D8B030D-6E8A-4147-A177-3AD203B41FA5}">
                       <a16:colId xmlns:a16="http://schemas.microsoft.com/office/drawing/2014/main" val="2638513535"/>
                     </a:ext>
                   </a:extLst>
                 </a:gridCol>
-                <a:gridCol w="746073">
+                <a:gridCol w="778974">
                   <a:extLst>
                     <a:ext uri="{9D8B030D-6E8A-4147-A177-3AD203B41FA5}">
                       <a16:colId xmlns:a16="http://schemas.microsoft.com/office/drawing/2014/main" val="2826123427"/>
@@ -15863,22 +16590,6 @@
                     <a:lstStyle/>
                     <a:p>
                       <a:r>
-                        <a:rPr lang="en-US" sz="900" b="0" dirty="0">
-                          <a:latin typeface="Arial" panose="020B0604020202020204" pitchFamily="34" charset="0"/>
-                          <a:cs typeface="Arial" panose="020B0604020202020204" pitchFamily="34" charset="0"/>
-                        </a:rPr>
-                        <a:t>Area</a:t>
-                      </a:r>
-                    </a:p>
-                  </a:txBody>
-                  <a:tcPr/>
-                </a:tc>
-                <a:tc>
-                  <a:txBody>
-                    <a:bodyPr/>
-                    <a:lstStyle/>
-                    <a:p>
-                      <a:r>
                         <a:rPr lang="en-US" sz="900" b="0" dirty="0" err="1">
                           <a:latin typeface="Arial" panose="020B0604020202020204" pitchFamily="34" charset="0"/>
                           <a:cs typeface="Arial" panose="020B0604020202020204" pitchFamily="34" charset="0"/>
@@ -15889,22 +16600,6 @@
                         <a:latin typeface="Arial" panose="020B0604020202020204" pitchFamily="34" charset="0"/>
                         <a:cs typeface="Arial" panose="020B0604020202020204" pitchFamily="34" charset="0"/>
                       </a:endParaRPr>
-                    </a:p>
-                  </a:txBody>
-                  <a:tcPr/>
-                </a:tc>
-                <a:tc>
-                  <a:txBody>
-                    <a:bodyPr/>
-                    <a:lstStyle/>
-                    <a:p>
-                      <a:r>
-                        <a:rPr lang="en-US" sz="900" b="0" dirty="0">
-                          <a:latin typeface="Arial" panose="020B0604020202020204" pitchFamily="34" charset="0"/>
-                          <a:cs typeface="Arial" panose="020B0604020202020204" pitchFamily="34" charset="0"/>
-                        </a:rPr>
-                        <a:t>Part</a:t>
-                      </a:r>
                     </a:p>
                   </a:txBody>
                   <a:tcPr/>
@@ -16088,7 +16783,7 @@
           <p:nvPr>
             <p:extLst>
               <p:ext uri="{D42A27DB-BD31-4B8C-83A1-F6EECF244321}">
-                <p14:modId xmlns:p14="http://schemas.microsoft.com/office/powerpoint/2010/main" val="103555499"/>
+                <p14:modId xmlns:p14="http://schemas.microsoft.com/office/powerpoint/2010/main" val="2945825581"/>
               </p:ext>
             </p:extLst>
           </p:nvPr>
@@ -16291,7 +16986,7 @@
         </p:nvSpPr>
         <p:spPr>
           <a:xfrm>
-            <a:off x="1062384" y="2056024"/>
+            <a:off x="1014159" y="2152684"/>
             <a:ext cx="1555234" cy="276999"/>
           </a:xfrm>
           <a:prstGeom prst="rect">
@@ -16480,14 +17175,14 @@
           <p:nvPr>
             <p:extLst>
               <p:ext uri="{D42A27DB-BD31-4B8C-83A1-F6EECF244321}">
-                <p14:modId xmlns:p14="http://schemas.microsoft.com/office/powerpoint/2010/main" val="749452732"/>
+                <p14:modId xmlns:p14="http://schemas.microsoft.com/office/powerpoint/2010/main" val="3456204662"/>
               </p:ext>
             </p:extLst>
           </p:nvPr>
         </p:nvGraphicFramePr>
         <p:xfrm>
           <a:off x="1016734" y="6167908"/>
-          <a:ext cx="1931914" cy="370840"/>
+          <a:ext cx="2300781" cy="370840"/>
         </p:xfrm>
         <a:graphic>
           <a:graphicData uri="http://schemas.openxmlformats.org/drawingml/2006/table">
@@ -16496,17 +17191,24 @@
                 <a:tableStyleId>{5C22544A-7EE6-4342-B048-85BDC9FD1C3A}</a:tableStyleId>
               </a:tblPr>
               <a:tblGrid>
-                <a:gridCol w="965957">
+                <a:gridCol w="766927">
                   <a:extLst>
                     <a:ext uri="{9D8B030D-6E8A-4147-A177-3AD203B41FA5}">
                       <a16:colId xmlns:a16="http://schemas.microsoft.com/office/drawing/2014/main" val="1704886902"/>
                     </a:ext>
                   </a:extLst>
                 </a:gridCol>
-                <a:gridCol w="965957">
+                <a:gridCol w="766927">
                   <a:extLst>
                     <a:ext uri="{9D8B030D-6E8A-4147-A177-3AD203B41FA5}">
                       <a16:colId xmlns:a16="http://schemas.microsoft.com/office/drawing/2014/main" val="1802662335"/>
+                    </a:ext>
+                  </a:extLst>
+                </a:gridCol>
+                <a:gridCol w="766927">
+                  <a:extLst>
+                    <a:ext uri="{9D8B030D-6E8A-4147-A177-3AD203B41FA5}">
+                      <a16:colId xmlns:a16="http://schemas.microsoft.com/office/drawing/2014/main" val="706627897"/>
                     </a:ext>
                   </a:extLst>
                 </a:gridCol>
@@ -16538,6 +17240,19 @@
                   </a:txBody>
                   <a:tcPr/>
                 </a:tc>
+                <a:tc>
+                  <a:txBody>
+                    <a:bodyPr/>
+                    <a:lstStyle/>
+                    <a:p>
+                      <a:r>
+                        <a:rPr lang="en-US" sz="1000" b="0" dirty="0"/>
+                        <a:t>Part</a:t>
+                      </a:r>
+                    </a:p>
+                  </a:txBody>
+                  <a:tcPr/>
+                </a:tc>
                 <a:extLst>
                   <a:ext uri="{0D108BD9-81ED-4DB2-BD59-A6C34878D82A}">
                     <a16:rowId xmlns:a16="http://schemas.microsoft.com/office/drawing/2014/main" val="1857642510"/>
@@ -16562,8 +17277,8 @@
         </p:nvSpPr>
         <p:spPr>
           <a:xfrm>
-            <a:off x="960978" y="5938908"/>
-            <a:ext cx="2195281" cy="461665"/>
+            <a:off x="963861" y="5924080"/>
+            <a:ext cx="1866648" cy="461665"/>
           </a:xfrm>
           <a:prstGeom prst="rect">
             <a:avLst/>
@@ -16611,14 +17326,14 @@
           <p:nvPr>
             <p:extLst>
               <p:ext uri="{D42A27DB-BD31-4B8C-83A1-F6EECF244321}">
-                <p14:modId xmlns:p14="http://schemas.microsoft.com/office/powerpoint/2010/main" val="608994440"/>
+                <p14:modId xmlns:p14="http://schemas.microsoft.com/office/powerpoint/2010/main" val="3507361340"/>
               </p:ext>
             </p:extLst>
           </p:nvPr>
         </p:nvGraphicFramePr>
         <p:xfrm>
-          <a:off x="1062384" y="3339472"/>
-          <a:ext cx="1322764" cy="396240"/>
+          <a:off x="1062383" y="3339472"/>
+          <a:ext cx="1708452" cy="370840"/>
         </p:xfrm>
         <a:graphic>
           <a:graphicData uri="http://schemas.openxmlformats.org/drawingml/2006/table">
@@ -16627,14 +17342,14 @@
                 <a:tableStyleId>{5C22544A-7EE6-4342-B048-85BDC9FD1C3A}</a:tableStyleId>
               </a:tblPr>
               <a:tblGrid>
-                <a:gridCol w="661382">
+                <a:gridCol w="854226">
                   <a:extLst>
                     <a:ext uri="{9D8B030D-6E8A-4147-A177-3AD203B41FA5}">
                       <a16:colId xmlns:a16="http://schemas.microsoft.com/office/drawing/2014/main" val="172214013"/>
                     </a:ext>
                   </a:extLst>
                 </a:gridCol>
-                <a:gridCol w="661382">
+                <a:gridCol w="854226">
                   <a:extLst>
                     <a:ext uri="{9D8B030D-6E8A-4147-A177-3AD203B41FA5}">
                       <a16:colId xmlns:a16="http://schemas.microsoft.com/office/drawing/2014/main" val="2707278351"/>
@@ -16648,14 +17363,28 @@
                     <a:bodyPr/>
                     <a:lstStyle/>
                     <a:p>
+                      <a:pPr marL="0" marR="0" lvl="0" indent="0" algn="l" defTabSz="914400" rtl="0" eaLnBrk="1" fontAlgn="auto" latinLnBrk="0" hangingPunct="1">
+                        <a:lnSpc>
+                          <a:spcPct val="100000"/>
+                        </a:lnSpc>
+                        <a:spcBef>
+                          <a:spcPts val="0"/>
+                        </a:spcBef>
+                        <a:spcAft>
+                          <a:spcPts val="0"/>
+                        </a:spcAft>
+                        <a:buClrTx/>
+                        <a:buSzTx/>
+                        <a:buFontTx/>
+                        <a:buNone/>
+                        <a:tabLst/>
+                        <a:defRPr/>
+                      </a:pPr>
                       <a:r>
-                        <a:rPr lang="en-US" sz="1000" b="0" dirty="0"/>
-                        <a:t> </a:t>
+                        <a:rPr lang="en-US" sz="1000" b="1" u="sng" dirty="0" err="1"/>
+                        <a:t>Rpt_Dist_No</a:t>
                       </a:r>
-                      <a:r>
-                        <a:rPr lang="en-US" sz="1000" b="1" u="sng" dirty="0"/>
-                        <a:t>Area </a:t>
-                      </a:r>
+                      <a:endParaRPr lang="en-US" sz="1000" b="1" u="sng" dirty="0"/>
                     </a:p>
                   </a:txBody>
                   <a:tcPr/>
@@ -16667,7 +17396,7 @@
                     <a:p>
                       <a:r>
                         <a:rPr lang="en-US" sz="1000" b="0" dirty="0"/>
-                        <a:t>Area Name</a:t>
+                        <a:t>Area</a:t>
                       </a:r>
                     </a:p>
                   </a:txBody>
@@ -17315,7 +18044,7 @@
         <p:spPr>
           <a:xfrm>
             <a:off x="1093160" y="3106614"/>
-            <a:ext cx="490840" cy="276999"/>
+            <a:ext cx="619080" cy="276999"/>
           </a:xfrm>
           <a:prstGeom prst="rect">
             <a:avLst/>
@@ -17329,12 +18058,16 @@
           <a:lstStyle/>
           <a:p>
             <a:r>
-              <a:rPr lang="en-US" sz="1200" dirty="0">
+              <a:rPr lang="en-US" sz="1200" dirty="0" err="1">
                 <a:latin typeface="Arial" panose="020B0604020202020204" pitchFamily="34" charset="0"/>
                 <a:cs typeface="Arial" panose="020B0604020202020204" pitchFamily="34" charset="0"/>
               </a:rPr>
-              <a:t>area</a:t>
+              <a:t>rpt_no</a:t>
             </a:r>
+            <a:endParaRPr lang="en-US" sz="1200" dirty="0">
+              <a:latin typeface="Arial" panose="020B0604020202020204" pitchFamily="34" charset="0"/>
+              <a:cs typeface="Arial" panose="020B0604020202020204" pitchFamily="34" charset="0"/>
+            </a:endParaRPr>
           </a:p>
         </p:txBody>
       </p:sp>
@@ -17674,52 +18407,16 @@
       </p:cxnSp>
       <p:cxnSp>
         <p:nvCxnSpPr>
-          <p:cNvPr id="88" name="Straight Connector 87">
-            <a:extLst>
-              <a:ext uri="{FF2B5EF4-FFF2-40B4-BE49-F238E27FC236}">
-                <a16:creationId xmlns:a16="http://schemas.microsoft.com/office/drawing/2014/main" id="{9283C935-4380-2FD3-C10D-713977E4279F}"/>
+          <p:cNvPr id="90" name="Straight Connector 89">
+            <a:extLst>
+              <a:ext uri="{FF2B5EF4-FFF2-40B4-BE49-F238E27FC236}">
+                <a16:creationId xmlns:a16="http://schemas.microsoft.com/office/drawing/2014/main" id="{7B8866EB-3E53-A483-B795-97102C6594D4}"/>
               </a:ext>
             </a:extLst>
           </p:cNvPr>
           <p:cNvCxnSpPr>
             <a:cxnSpLocks/>
           </p:cNvCxnSpPr>
-          <p:nvPr/>
-        </p:nvCxnSpPr>
-        <p:spPr>
-          <a:xfrm flipH="1">
-            <a:off x="3772086" y="980339"/>
-            <a:ext cx="5273943" cy="0"/>
-          </a:xfrm>
-          <a:prstGeom prst="line">
-            <a:avLst/>
-          </a:prstGeom>
-        </p:spPr>
-        <p:style>
-          <a:lnRef idx="1">
-            <a:schemeClr val="dk1"/>
-          </a:lnRef>
-          <a:fillRef idx="0">
-            <a:schemeClr val="dk1"/>
-          </a:fillRef>
-          <a:effectRef idx="0">
-            <a:schemeClr val="dk1"/>
-          </a:effectRef>
-          <a:fontRef idx="minor">
-            <a:schemeClr val="tx1"/>
-          </a:fontRef>
-        </p:style>
-      </p:cxnSp>
-      <p:cxnSp>
-        <p:nvCxnSpPr>
-          <p:cNvPr id="90" name="Straight Connector 89">
-            <a:extLst>
-              <a:ext uri="{FF2B5EF4-FFF2-40B4-BE49-F238E27FC236}">
-                <a16:creationId xmlns:a16="http://schemas.microsoft.com/office/drawing/2014/main" id="{7B8866EB-3E53-A483-B795-97102C6594D4}"/>
-              </a:ext>
-            </a:extLst>
-          </p:cNvPr>
-          <p:cNvCxnSpPr/>
           <p:nvPr/>
         </p:nvCxnSpPr>
         <p:spPr>
@@ -17943,6 +18640,7 @@
             </a:extLst>
           </p:cNvPr>
           <p:cNvCxnSpPr>
+            <a:cxnSpLocks/>
             <a:endCxn id="51" idx="1"/>
           </p:cNvCxnSpPr>
           <p:nvPr/>
@@ -17951,191 +18649,6 @@
           <a:xfrm flipV="1">
             <a:off x="862689" y="6353328"/>
             <a:ext cx="154045" cy="1899"/>
-          </a:xfrm>
-          <a:prstGeom prst="straightConnector1">
-            <a:avLst/>
-          </a:prstGeom>
-          <a:ln>
-            <a:tailEnd type="triangle"/>
-          </a:ln>
-        </p:spPr>
-        <p:style>
-          <a:lnRef idx="1">
-            <a:schemeClr val="dk1"/>
-          </a:lnRef>
-          <a:fillRef idx="0">
-            <a:schemeClr val="dk1"/>
-          </a:fillRef>
-          <a:effectRef idx="0">
-            <a:schemeClr val="dk1"/>
-          </a:effectRef>
-          <a:fontRef idx="minor">
-            <a:schemeClr val="tx1"/>
-          </a:fontRef>
-        </p:style>
-      </p:cxnSp>
-      <p:cxnSp>
-        <p:nvCxnSpPr>
-          <p:cNvPr id="107" name="Straight Connector 106">
-            <a:extLst>
-              <a:ext uri="{FF2B5EF4-FFF2-40B4-BE49-F238E27FC236}">
-                <a16:creationId xmlns:a16="http://schemas.microsoft.com/office/drawing/2014/main" id="{68557EFA-B0B6-EF46-874F-ECAF2C1E4580}"/>
-              </a:ext>
-            </a:extLst>
-          </p:cNvPr>
-          <p:cNvCxnSpPr>
-            <a:cxnSpLocks/>
-          </p:cNvCxnSpPr>
-          <p:nvPr/>
-        </p:nvCxnSpPr>
-        <p:spPr>
-          <a:xfrm>
-            <a:off x="2456242" y="1802126"/>
-            <a:ext cx="0" cy="283954"/>
-          </a:xfrm>
-          <a:prstGeom prst="line">
-            <a:avLst/>
-          </a:prstGeom>
-        </p:spPr>
-        <p:style>
-          <a:lnRef idx="1">
-            <a:schemeClr val="dk1"/>
-          </a:lnRef>
-          <a:fillRef idx="0">
-            <a:schemeClr val="dk1"/>
-          </a:fillRef>
-          <a:effectRef idx="0">
-            <a:schemeClr val="dk1"/>
-          </a:effectRef>
-          <a:fontRef idx="minor">
-            <a:schemeClr val="tx1"/>
-          </a:fontRef>
-        </p:style>
-      </p:cxnSp>
-      <p:cxnSp>
-        <p:nvCxnSpPr>
-          <p:cNvPr id="109" name="Straight Connector 108">
-            <a:extLst>
-              <a:ext uri="{FF2B5EF4-FFF2-40B4-BE49-F238E27FC236}">
-                <a16:creationId xmlns:a16="http://schemas.microsoft.com/office/drawing/2014/main" id="{ACC00639-0422-4F74-0345-806D0E915A0C}"/>
-              </a:ext>
-            </a:extLst>
-          </p:cNvPr>
-          <p:cNvCxnSpPr/>
-          <p:nvPr/>
-        </p:nvCxnSpPr>
-        <p:spPr>
-          <a:xfrm flipH="1">
-            <a:off x="960979" y="2086080"/>
-            <a:ext cx="1495263" cy="0"/>
-          </a:xfrm>
-          <a:prstGeom prst="line">
-            <a:avLst/>
-          </a:prstGeom>
-        </p:spPr>
-        <p:style>
-          <a:lnRef idx="1">
-            <a:schemeClr val="dk1"/>
-          </a:lnRef>
-          <a:fillRef idx="0">
-            <a:schemeClr val="dk1"/>
-          </a:fillRef>
-          <a:effectRef idx="0">
-            <a:schemeClr val="dk1"/>
-          </a:effectRef>
-          <a:fontRef idx="minor">
-            <a:schemeClr val="tx1"/>
-          </a:fontRef>
-        </p:style>
-      </p:cxnSp>
-      <p:cxnSp>
-        <p:nvCxnSpPr>
-          <p:cNvPr id="111" name="Straight Connector 110">
-            <a:extLst>
-              <a:ext uri="{FF2B5EF4-FFF2-40B4-BE49-F238E27FC236}">
-                <a16:creationId xmlns:a16="http://schemas.microsoft.com/office/drawing/2014/main" id="{6E0D0101-1078-CB2C-F484-D7F62A78EF6F}"/>
-              </a:ext>
-            </a:extLst>
-          </p:cNvPr>
-          <p:cNvCxnSpPr/>
-          <p:nvPr/>
-        </p:nvCxnSpPr>
-        <p:spPr>
-          <a:xfrm>
-            <a:off x="960979" y="2086080"/>
-            <a:ext cx="0" cy="760230"/>
-          </a:xfrm>
-          <a:prstGeom prst="line">
-            <a:avLst/>
-          </a:prstGeom>
-        </p:spPr>
-        <p:style>
-          <a:lnRef idx="1">
-            <a:schemeClr val="dk1"/>
-          </a:lnRef>
-          <a:fillRef idx="0">
-            <a:schemeClr val="dk1"/>
-          </a:fillRef>
-          <a:effectRef idx="0">
-            <a:schemeClr val="dk1"/>
-          </a:effectRef>
-          <a:fontRef idx="minor">
-            <a:schemeClr val="tx1"/>
-          </a:fontRef>
-        </p:style>
-      </p:cxnSp>
-      <p:cxnSp>
-        <p:nvCxnSpPr>
-          <p:cNvPr id="115" name="Straight Connector 114">
-            <a:extLst>
-              <a:ext uri="{FF2B5EF4-FFF2-40B4-BE49-F238E27FC236}">
-                <a16:creationId xmlns:a16="http://schemas.microsoft.com/office/drawing/2014/main" id="{5E312DC1-7E80-CFE8-B66F-A548D7CC9B02}"/>
-              </a:ext>
-            </a:extLst>
-          </p:cNvPr>
-          <p:cNvCxnSpPr/>
-          <p:nvPr/>
-        </p:nvCxnSpPr>
-        <p:spPr>
-          <a:xfrm>
-            <a:off x="960979" y="2846310"/>
-            <a:ext cx="546595" cy="0"/>
-          </a:xfrm>
-          <a:prstGeom prst="line">
-            <a:avLst/>
-          </a:prstGeom>
-        </p:spPr>
-        <p:style>
-          <a:lnRef idx="1">
-            <a:schemeClr val="dk1"/>
-          </a:lnRef>
-          <a:fillRef idx="0">
-            <a:schemeClr val="dk1"/>
-          </a:fillRef>
-          <a:effectRef idx="0">
-            <a:schemeClr val="dk1"/>
-          </a:effectRef>
-          <a:fontRef idx="minor">
-            <a:schemeClr val="tx1"/>
-          </a:fontRef>
-        </p:style>
-      </p:cxnSp>
-      <p:cxnSp>
-        <p:nvCxnSpPr>
-          <p:cNvPr id="117" name="Straight Arrow Connector 116">
-            <a:extLst>
-              <a:ext uri="{FF2B5EF4-FFF2-40B4-BE49-F238E27FC236}">
-                <a16:creationId xmlns:a16="http://schemas.microsoft.com/office/drawing/2014/main" id="{09369B41-14A5-0729-E3BC-E980836C6307}"/>
-              </a:ext>
-            </a:extLst>
-          </p:cNvPr>
-          <p:cNvCxnSpPr/>
-          <p:nvPr/>
-        </p:nvCxnSpPr>
-        <p:spPr>
-          <a:xfrm flipV="1">
-            <a:off x="1507574" y="2733921"/>
-            <a:ext cx="0" cy="112389"/>
           </a:xfrm>
           <a:prstGeom prst="straightConnector1">
             <a:avLst/>
@@ -18251,44 +18764,6 @@
           <a:xfrm>
             <a:off x="951703" y="3139672"/>
             <a:ext cx="6459" cy="863368"/>
-          </a:xfrm>
-          <a:prstGeom prst="line">
-            <a:avLst/>
-          </a:prstGeom>
-        </p:spPr>
-        <p:style>
-          <a:lnRef idx="1">
-            <a:schemeClr val="dk1"/>
-          </a:lnRef>
-          <a:fillRef idx="0">
-            <a:schemeClr val="dk1"/>
-          </a:fillRef>
-          <a:effectRef idx="0">
-            <a:schemeClr val="dk1"/>
-          </a:effectRef>
-          <a:fontRef idx="minor">
-            <a:schemeClr val="tx1"/>
-          </a:fontRef>
-        </p:style>
-      </p:cxnSp>
-      <p:cxnSp>
-        <p:nvCxnSpPr>
-          <p:cNvPr id="145" name="Straight Connector 144">
-            <a:extLst>
-              <a:ext uri="{FF2B5EF4-FFF2-40B4-BE49-F238E27FC236}">
-                <a16:creationId xmlns:a16="http://schemas.microsoft.com/office/drawing/2014/main" id="{0CA53E2E-551B-F842-B20F-D6A9F16E5F6E}"/>
-              </a:ext>
-            </a:extLst>
-          </p:cNvPr>
-          <p:cNvCxnSpPr>
-            <a:cxnSpLocks/>
-          </p:cNvCxnSpPr>
-          <p:nvPr/>
-        </p:nvCxnSpPr>
-        <p:spPr>
-          <a:xfrm flipH="1">
-            <a:off x="3869881" y="2086080"/>
-            <a:ext cx="5878553" cy="0"/>
           </a:xfrm>
           <a:prstGeom prst="line">
             <a:avLst/>
@@ -18575,56 +19050,22 @@
       </p:cxnSp>
       <p:cxnSp>
         <p:nvCxnSpPr>
-          <p:cNvPr id="176" name="Straight Connector 175">
-            <a:extLst>
-              <a:ext uri="{FF2B5EF4-FFF2-40B4-BE49-F238E27FC236}">
-                <a16:creationId xmlns:a16="http://schemas.microsoft.com/office/drawing/2014/main" id="{36F2B77F-152E-49B1-947B-A9E3C2D58466}"/>
-              </a:ext>
-            </a:extLst>
-          </p:cNvPr>
-          <p:cNvCxnSpPr/>
+          <p:cNvPr id="178" name="Straight Connector 177">
+            <a:extLst>
+              <a:ext uri="{FF2B5EF4-FFF2-40B4-BE49-F238E27FC236}">
+                <a16:creationId xmlns:a16="http://schemas.microsoft.com/office/drawing/2014/main" id="{6F469358-BCCE-F476-4443-7E6AEBBD02D1}"/>
+              </a:ext>
+            </a:extLst>
+          </p:cNvPr>
+          <p:cNvCxnSpPr>
+            <a:cxnSpLocks/>
+          </p:cNvCxnSpPr>
           <p:nvPr/>
         </p:nvCxnSpPr>
         <p:spPr>
-          <a:xfrm flipH="1">
-            <a:off x="7321790" y="2329322"/>
-            <a:ext cx="1383957" cy="8359"/>
-          </a:xfrm>
-          <a:prstGeom prst="line">
-            <a:avLst/>
-          </a:prstGeom>
-        </p:spPr>
-        <p:style>
-          <a:lnRef idx="1">
-            <a:schemeClr val="dk1"/>
-          </a:lnRef>
-          <a:fillRef idx="0">
-            <a:schemeClr val="dk1"/>
-          </a:fillRef>
-          <a:effectRef idx="0">
-            <a:schemeClr val="dk1"/>
-          </a:effectRef>
-          <a:fontRef idx="minor">
-            <a:schemeClr val="tx1"/>
-          </a:fontRef>
-        </p:style>
-      </p:cxnSp>
-      <p:cxnSp>
-        <p:nvCxnSpPr>
-          <p:cNvPr id="178" name="Straight Connector 177">
-            <a:extLst>
-              <a:ext uri="{FF2B5EF4-FFF2-40B4-BE49-F238E27FC236}">
-                <a16:creationId xmlns:a16="http://schemas.microsoft.com/office/drawing/2014/main" id="{6F469358-BCCE-F476-4443-7E6AEBBD02D1}"/>
-              </a:ext>
-            </a:extLst>
-          </p:cNvPr>
-          <p:cNvCxnSpPr/>
-          <p:nvPr/>
-        </p:nvCxnSpPr>
-        <p:spPr>
           <a:xfrm>
-            <a:off x="7321790" y="2337681"/>
-            <a:ext cx="0" cy="800419"/>
+            <a:off x="7321790" y="2224579"/>
+            <a:ext cx="0" cy="913521"/>
           </a:xfrm>
           <a:prstGeom prst="line">
             <a:avLst/>
@@ -18737,7 +19178,7 @@
         <p:spPr>
           <a:xfrm flipH="1">
             <a:off x="888712" y="4227984"/>
-            <a:ext cx="10518041" cy="0"/>
+            <a:ext cx="9349570" cy="0"/>
           </a:xfrm>
           <a:prstGeom prst="line">
             <a:avLst/>
@@ -19056,12 +19497,135 @@
           </a:fontRef>
         </p:style>
       </p:cxnSp>
+      <p:graphicFrame>
+        <p:nvGraphicFramePr>
+          <p:cNvPr id="10" name="Table 9">
+            <a:extLst>
+              <a:ext uri="{FF2B5EF4-FFF2-40B4-BE49-F238E27FC236}">
+                <a16:creationId xmlns:a16="http://schemas.microsoft.com/office/drawing/2014/main" id="{B8FAB637-08E5-3FD5-6356-2F8EBECB78E4}"/>
+              </a:ext>
+            </a:extLst>
+          </p:cNvPr>
+          <p:cNvGraphicFramePr>
+            <a:graphicFrameLocks noGrp="1"/>
+          </p:cNvGraphicFramePr>
+          <p:nvPr>
+            <p:extLst>
+              <p:ext uri="{D42A27DB-BD31-4B8C-83A1-F6EECF244321}">
+                <p14:modId xmlns:p14="http://schemas.microsoft.com/office/powerpoint/2010/main" val="2546019874"/>
+              </p:ext>
+            </p:extLst>
+          </p:nvPr>
+        </p:nvGraphicFramePr>
+        <p:xfrm>
+          <a:off x="3649815" y="3363693"/>
+          <a:ext cx="1774664" cy="370840"/>
+        </p:xfrm>
+        <a:graphic>
+          <a:graphicData uri="http://schemas.openxmlformats.org/drawingml/2006/table">
+            <a:tbl>
+              <a:tblPr firstRow="1" bandRow="1">
+                <a:tableStyleId>{5C22544A-7EE6-4342-B048-85BDC9FD1C3A}</a:tableStyleId>
+              </a:tblPr>
+              <a:tblGrid>
+                <a:gridCol w="887332">
+                  <a:extLst>
+                    <a:ext uri="{9D8B030D-6E8A-4147-A177-3AD203B41FA5}">
+                      <a16:colId xmlns:a16="http://schemas.microsoft.com/office/drawing/2014/main" val="172214013"/>
+                    </a:ext>
+                  </a:extLst>
+                </a:gridCol>
+                <a:gridCol w="887332">
+                  <a:extLst>
+                    <a:ext uri="{9D8B030D-6E8A-4147-A177-3AD203B41FA5}">
+                      <a16:colId xmlns:a16="http://schemas.microsoft.com/office/drawing/2014/main" val="2707278351"/>
+                    </a:ext>
+                  </a:extLst>
+                </a:gridCol>
+              </a:tblGrid>
+              <a:tr h="370840">
+                <a:tc>
+                  <a:txBody>
+                    <a:bodyPr/>
+                    <a:lstStyle/>
+                    <a:p>
+                      <a:r>
+                        <a:rPr lang="en-US" sz="1000" b="0" dirty="0"/>
+                        <a:t> </a:t>
+                      </a:r>
+                      <a:r>
+                        <a:rPr lang="en-US" sz="1000" b="1" u="sng" dirty="0"/>
+                        <a:t>Area </a:t>
+                      </a:r>
+                    </a:p>
+                  </a:txBody>
+                  <a:tcPr/>
+                </a:tc>
+                <a:tc>
+                  <a:txBody>
+                    <a:bodyPr/>
+                    <a:lstStyle/>
+                    <a:p>
+                      <a:r>
+                        <a:rPr lang="en-US" sz="1000" b="0" dirty="0" err="1"/>
+                        <a:t>Area_Name</a:t>
+                      </a:r>
+                      <a:endParaRPr lang="en-US" sz="1000" b="0" dirty="0"/>
+                    </a:p>
+                  </a:txBody>
+                  <a:tcPr/>
+                </a:tc>
+                <a:extLst>
+                  <a:ext uri="{0D108BD9-81ED-4DB2-BD59-A6C34878D82A}">
+                    <a16:rowId xmlns:a16="http://schemas.microsoft.com/office/drawing/2014/main" val="2045381985"/>
+                  </a:ext>
+                </a:extLst>
+              </a:tr>
+            </a:tbl>
+          </a:graphicData>
+        </a:graphic>
+      </p:graphicFrame>
+      <p:sp>
+        <p:nvSpPr>
+          <p:cNvPr id="11" name="TextBox 10">
+            <a:extLst>
+              <a:ext uri="{FF2B5EF4-FFF2-40B4-BE49-F238E27FC236}">
+                <a16:creationId xmlns:a16="http://schemas.microsoft.com/office/drawing/2014/main" id="{259464DE-A731-77FF-7AAC-5B28549A081B}"/>
+              </a:ext>
+            </a:extLst>
+          </p:cNvPr>
+          <p:cNvSpPr txBox="1"/>
+          <p:nvPr/>
+        </p:nvSpPr>
+        <p:spPr>
+          <a:xfrm>
+            <a:off x="3652179" y="3102083"/>
+            <a:ext cx="730600" cy="261610"/>
+          </a:xfrm>
+          <a:prstGeom prst="rect">
+            <a:avLst/>
+          </a:prstGeom>
+          <a:noFill/>
+        </p:spPr>
+        <p:txBody>
+          <a:bodyPr wrap="square">
+            <a:spAutoFit/>
+          </a:bodyPr>
+          <a:lstStyle/>
+          <a:p>
+            <a:r>
+              <a:rPr lang="en-US" sz="1100" dirty="0"/>
+              <a:t>area</a:t>
+            </a:r>
+          </a:p>
+        </p:txBody>
+      </p:sp>
       <p:cxnSp>
         <p:nvCxnSpPr>
-          <p:cNvPr id="34" name="Straight Connector 33">
-            <a:extLst>
-              <a:ext uri="{FF2B5EF4-FFF2-40B4-BE49-F238E27FC236}">
-                <a16:creationId xmlns:a16="http://schemas.microsoft.com/office/drawing/2014/main" id="{D42C2755-75F3-09F7-E2D8-D9C578144D73}"/>
+          <p:cNvPr id="14" name="Straight Connector 13">
+            <a:extLst>
+              <a:ext uri="{FF2B5EF4-FFF2-40B4-BE49-F238E27FC236}">
+                <a16:creationId xmlns:a16="http://schemas.microsoft.com/office/drawing/2014/main" id="{5EDEDDCC-62CE-7552-67BC-7B3AE50DFBD6}"/>
               </a:ext>
             </a:extLst>
           </p:cNvPr>
@@ -19069,9 +19633,9 @@
           <p:nvPr/>
         </p:nvCxnSpPr>
         <p:spPr>
-          <a:xfrm flipV="1">
-            <a:off x="9056914" y="757069"/>
-            <a:ext cx="0" cy="223270"/>
+          <a:xfrm>
+            <a:off x="2297151" y="3710312"/>
+            <a:ext cx="0" cy="292727"/>
           </a:xfrm>
           <a:prstGeom prst="line">
             <a:avLst/>
@@ -19094,20 +19658,22 @@
       </p:cxnSp>
       <p:cxnSp>
         <p:nvCxnSpPr>
-          <p:cNvPr id="37" name="Straight Connector 36">
-            <a:extLst>
-              <a:ext uri="{FF2B5EF4-FFF2-40B4-BE49-F238E27FC236}">
-                <a16:creationId xmlns:a16="http://schemas.microsoft.com/office/drawing/2014/main" id="{E4E0EE4C-3F73-0251-2B14-6F8F3485B0C8}"/>
-              </a:ext>
-            </a:extLst>
-          </p:cNvPr>
-          <p:cNvCxnSpPr/>
+          <p:cNvPr id="16" name="Straight Connector 15">
+            <a:extLst>
+              <a:ext uri="{FF2B5EF4-FFF2-40B4-BE49-F238E27FC236}">
+                <a16:creationId xmlns:a16="http://schemas.microsoft.com/office/drawing/2014/main" id="{90096EF2-3D08-08D7-64AD-0A2C5029CCD2}"/>
+              </a:ext>
+            </a:extLst>
+          </p:cNvPr>
+          <p:cNvCxnSpPr>
+            <a:cxnSpLocks/>
+          </p:cNvCxnSpPr>
           <p:nvPr/>
         </p:nvCxnSpPr>
         <p:spPr>
-          <a:xfrm flipV="1">
-            <a:off x="11422251" y="757069"/>
-            <a:ext cx="0" cy="3470915"/>
+          <a:xfrm>
+            <a:off x="2297151" y="4003039"/>
+            <a:ext cx="1705435" cy="0"/>
           </a:xfrm>
           <a:prstGeom prst="line">
             <a:avLst/>
@@ -19130,10 +19696,10 @@
       </p:cxnSp>
       <p:cxnSp>
         <p:nvCxnSpPr>
-          <p:cNvPr id="63" name="Straight Connector 62">
-            <a:extLst>
-              <a:ext uri="{FF2B5EF4-FFF2-40B4-BE49-F238E27FC236}">
-                <a16:creationId xmlns:a16="http://schemas.microsoft.com/office/drawing/2014/main" id="{997BA26D-A2BD-9ED2-A7BE-5F48174B81F7}"/>
+          <p:cNvPr id="18" name="Straight Arrow Connector 17">
+            <a:extLst>
+              <a:ext uri="{FF2B5EF4-FFF2-40B4-BE49-F238E27FC236}">
+                <a16:creationId xmlns:a16="http://schemas.microsoft.com/office/drawing/2014/main" id="{B9F472B9-6C71-A504-C587-2FA8CA1081E4}"/>
               </a:ext>
             </a:extLst>
           </p:cNvPr>
@@ -19141,9 +19707,453 @@
           <p:nvPr/>
         </p:nvCxnSpPr>
         <p:spPr>
+          <a:xfrm flipV="1">
+            <a:off x="4002586" y="3734533"/>
+            <a:ext cx="0" cy="268506"/>
+          </a:xfrm>
+          <a:prstGeom prst="straightConnector1">
+            <a:avLst/>
+          </a:prstGeom>
+          <a:ln>
+            <a:tailEnd type="triangle"/>
+          </a:ln>
+        </p:spPr>
+        <p:style>
+          <a:lnRef idx="1">
+            <a:schemeClr val="dk1"/>
+          </a:lnRef>
+          <a:fillRef idx="0">
+            <a:schemeClr val="dk1"/>
+          </a:fillRef>
+          <a:effectRef idx="0">
+            <a:schemeClr val="dk1"/>
+          </a:effectRef>
+          <a:fontRef idx="minor">
+            <a:schemeClr val="tx1"/>
+          </a:fontRef>
+        </p:style>
+      </p:cxnSp>
+      <p:cxnSp>
+        <p:nvCxnSpPr>
+          <p:cNvPr id="22" name="Straight Connector 21">
+            <a:extLst>
+              <a:ext uri="{FF2B5EF4-FFF2-40B4-BE49-F238E27FC236}">
+                <a16:creationId xmlns:a16="http://schemas.microsoft.com/office/drawing/2014/main" id="{90CD3895-539D-0D3C-7A1A-FAD196490B3E}"/>
+              </a:ext>
+            </a:extLst>
+          </p:cNvPr>
+          <p:cNvCxnSpPr/>
+          <p:nvPr/>
+        </p:nvCxnSpPr>
+        <p:spPr>
           <a:xfrm>
-            <a:off x="9748434" y="757069"/>
-            <a:ext cx="0" cy="1329011"/>
+            <a:off x="1434790" y="2733921"/>
+            <a:ext cx="0" cy="185420"/>
+          </a:xfrm>
+          <a:prstGeom prst="line">
+            <a:avLst/>
+          </a:prstGeom>
+        </p:spPr>
+        <p:style>
+          <a:lnRef idx="1">
+            <a:schemeClr val="dk1"/>
+          </a:lnRef>
+          <a:fillRef idx="0">
+            <a:schemeClr val="dk1"/>
+          </a:fillRef>
+          <a:effectRef idx="0">
+            <a:schemeClr val="dk1"/>
+          </a:effectRef>
+          <a:fontRef idx="minor">
+            <a:schemeClr val="tx1"/>
+          </a:fontRef>
+        </p:style>
+      </p:cxnSp>
+      <p:cxnSp>
+        <p:nvCxnSpPr>
+          <p:cNvPr id="25" name="Straight Connector 24">
+            <a:extLst>
+              <a:ext uri="{FF2B5EF4-FFF2-40B4-BE49-F238E27FC236}">
+                <a16:creationId xmlns:a16="http://schemas.microsoft.com/office/drawing/2014/main" id="{2138C0E2-D82C-4D70-9835-5CE95EED5444}"/>
+              </a:ext>
+            </a:extLst>
+          </p:cNvPr>
+          <p:cNvCxnSpPr/>
+          <p:nvPr/>
+        </p:nvCxnSpPr>
+        <p:spPr>
+          <a:xfrm flipH="1">
+            <a:off x="862689" y="2919341"/>
+            <a:ext cx="564667" cy="0"/>
+          </a:xfrm>
+          <a:prstGeom prst="line">
+            <a:avLst/>
+          </a:prstGeom>
+        </p:spPr>
+        <p:style>
+          <a:lnRef idx="1">
+            <a:schemeClr val="dk1"/>
+          </a:lnRef>
+          <a:fillRef idx="0">
+            <a:schemeClr val="dk1"/>
+          </a:fillRef>
+          <a:effectRef idx="0">
+            <a:schemeClr val="dk1"/>
+          </a:effectRef>
+          <a:fontRef idx="minor">
+            <a:schemeClr val="tx1"/>
+          </a:fontRef>
+        </p:style>
+      </p:cxnSp>
+      <p:cxnSp>
+        <p:nvCxnSpPr>
+          <p:cNvPr id="27" name="Straight Connector 26">
+            <a:extLst>
+              <a:ext uri="{FF2B5EF4-FFF2-40B4-BE49-F238E27FC236}">
+                <a16:creationId xmlns:a16="http://schemas.microsoft.com/office/drawing/2014/main" id="{A65820E6-6703-26F9-2A30-5A6C65178E2E}"/>
+              </a:ext>
+            </a:extLst>
+          </p:cNvPr>
+          <p:cNvCxnSpPr/>
+          <p:nvPr/>
+        </p:nvCxnSpPr>
+        <p:spPr>
+          <a:xfrm flipV="1">
+            <a:off x="862689" y="2102769"/>
+            <a:ext cx="0" cy="816572"/>
+          </a:xfrm>
+          <a:prstGeom prst="line">
+            <a:avLst/>
+          </a:prstGeom>
+        </p:spPr>
+        <p:style>
+          <a:lnRef idx="1">
+            <a:schemeClr val="dk1"/>
+          </a:lnRef>
+          <a:fillRef idx="0">
+            <a:schemeClr val="dk1"/>
+          </a:fillRef>
+          <a:effectRef idx="0">
+            <a:schemeClr val="dk1"/>
+          </a:effectRef>
+          <a:fontRef idx="minor">
+            <a:schemeClr val="tx1"/>
+          </a:fontRef>
+        </p:style>
+      </p:cxnSp>
+      <p:cxnSp>
+        <p:nvCxnSpPr>
+          <p:cNvPr id="30" name="Straight Connector 29">
+            <a:extLst>
+              <a:ext uri="{FF2B5EF4-FFF2-40B4-BE49-F238E27FC236}">
+                <a16:creationId xmlns:a16="http://schemas.microsoft.com/office/drawing/2014/main" id="{EA404FCF-9085-59E5-080C-676E6D5D1606}"/>
+              </a:ext>
+            </a:extLst>
+          </p:cNvPr>
+          <p:cNvCxnSpPr/>
+          <p:nvPr/>
+        </p:nvCxnSpPr>
+        <p:spPr>
+          <a:xfrm>
+            <a:off x="862689" y="2102769"/>
+            <a:ext cx="1593553" cy="0"/>
+          </a:xfrm>
+          <a:prstGeom prst="line">
+            <a:avLst/>
+          </a:prstGeom>
+        </p:spPr>
+        <p:style>
+          <a:lnRef idx="1">
+            <a:schemeClr val="dk1"/>
+          </a:lnRef>
+          <a:fillRef idx="0">
+            <a:schemeClr val="dk1"/>
+          </a:fillRef>
+          <a:effectRef idx="0">
+            <a:schemeClr val="dk1"/>
+          </a:effectRef>
+          <a:fontRef idx="minor">
+            <a:schemeClr val="tx1"/>
+          </a:fontRef>
+        </p:style>
+      </p:cxnSp>
+      <p:cxnSp>
+        <p:nvCxnSpPr>
+          <p:cNvPr id="32" name="Straight Arrow Connector 31">
+            <a:extLst>
+              <a:ext uri="{FF2B5EF4-FFF2-40B4-BE49-F238E27FC236}">
+                <a16:creationId xmlns:a16="http://schemas.microsoft.com/office/drawing/2014/main" id="{96321530-7698-AC3B-8777-5A09A8C7FEA1}"/>
+              </a:ext>
+            </a:extLst>
+          </p:cNvPr>
+          <p:cNvCxnSpPr/>
+          <p:nvPr/>
+        </p:nvCxnSpPr>
+        <p:spPr>
+          <a:xfrm flipV="1">
+            <a:off x="2456242" y="1827526"/>
+            <a:ext cx="0" cy="275243"/>
+          </a:xfrm>
+          <a:prstGeom prst="straightConnector1">
+            <a:avLst/>
+          </a:prstGeom>
+          <a:ln>
+            <a:tailEnd type="triangle"/>
+          </a:ln>
+        </p:spPr>
+        <p:style>
+          <a:lnRef idx="1">
+            <a:schemeClr val="dk1"/>
+          </a:lnRef>
+          <a:fillRef idx="0">
+            <a:schemeClr val="dk1"/>
+          </a:fillRef>
+          <a:effectRef idx="0">
+            <a:schemeClr val="dk1"/>
+          </a:effectRef>
+          <a:fontRef idx="minor">
+            <a:schemeClr val="tx1"/>
+          </a:fontRef>
+        </p:style>
+      </p:cxnSp>
+      <p:cxnSp>
+        <p:nvCxnSpPr>
+          <p:cNvPr id="38" name="Straight Connector 37">
+            <a:extLst>
+              <a:ext uri="{FF2B5EF4-FFF2-40B4-BE49-F238E27FC236}">
+                <a16:creationId xmlns:a16="http://schemas.microsoft.com/office/drawing/2014/main" id="{42702E7E-4141-8153-8A4F-81594ADF13E5}"/>
+              </a:ext>
+            </a:extLst>
+          </p:cNvPr>
+          <p:cNvCxnSpPr/>
+          <p:nvPr/>
+        </p:nvCxnSpPr>
+        <p:spPr>
+          <a:xfrm>
+            <a:off x="3772086" y="980339"/>
+            <a:ext cx="3914821" cy="0"/>
+          </a:xfrm>
+          <a:prstGeom prst="line">
+            <a:avLst/>
+          </a:prstGeom>
+        </p:spPr>
+        <p:style>
+          <a:lnRef idx="1">
+            <a:schemeClr val="dk1"/>
+          </a:lnRef>
+          <a:fillRef idx="0">
+            <a:schemeClr val="dk1"/>
+          </a:fillRef>
+          <a:effectRef idx="0">
+            <a:schemeClr val="dk1"/>
+          </a:effectRef>
+          <a:fontRef idx="minor">
+            <a:schemeClr val="tx1"/>
+          </a:fontRef>
+        </p:style>
+      </p:cxnSp>
+      <p:cxnSp>
+        <p:nvCxnSpPr>
+          <p:cNvPr id="67" name="Straight Connector 66">
+            <a:extLst>
+              <a:ext uri="{FF2B5EF4-FFF2-40B4-BE49-F238E27FC236}">
+                <a16:creationId xmlns:a16="http://schemas.microsoft.com/office/drawing/2014/main" id="{13C95E9B-8EF8-75EA-BCDB-3FFD7A9F36A2}"/>
+              </a:ext>
+            </a:extLst>
+          </p:cNvPr>
+          <p:cNvCxnSpPr/>
+          <p:nvPr/>
+        </p:nvCxnSpPr>
+        <p:spPr>
+          <a:xfrm flipV="1">
+            <a:off x="7686907" y="757069"/>
+            <a:ext cx="0" cy="223270"/>
+          </a:xfrm>
+          <a:prstGeom prst="line">
+            <a:avLst/>
+          </a:prstGeom>
+        </p:spPr>
+        <p:style>
+          <a:lnRef idx="1">
+            <a:schemeClr val="dk1"/>
+          </a:lnRef>
+          <a:fillRef idx="0">
+            <a:schemeClr val="dk1"/>
+          </a:fillRef>
+          <a:effectRef idx="0">
+            <a:schemeClr val="dk1"/>
+          </a:effectRef>
+          <a:fontRef idx="minor">
+            <a:schemeClr val="tx1"/>
+          </a:fontRef>
+        </p:style>
+      </p:cxnSp>
+      <p:cxnSp>
+        <p:nvCxnSpPr>
+          <p:cNvPr id="70" name="Straight Connector 69">
+            <a:extLst>
+              <a:ext uri="{FF2B5EF4-FFF2-40B4-BE49-F238E27FC236}">
+                <a16:creationId xmlns:a16="http://schemas.microsoft.com/office/drawing/2014/main" id="{920E6A0D-7131-CA7F-8C54-674A0B0EE0CD}"/>
+              </a:ext>
+            </a:extLst>
+          </p:cNvPr>
+          <p:cNvCxnSpPr>
+            <a:cxnSpLocks/>
+          </p:cNvCxnSpPr>
+          <p:nvPr/>
+        </p:nvCxnSpPr>
+        <p:spPr>
+          <a:xfrm flipV="1">
+            <a:off x="3869881" y="2084566"/>
+            <a:ext cx="4658576" cy="18203"/>
+          </a:xfrm>
+          <a:prstGeom prst="line">
+            <a:avLst/>
+          </a:prstGeom>
+        </p:spPr>
+        <p:style>
+          <a:lnRef idx="1">
+            <a:schemeClr val="dk1"/>
+          </a:lnRef>
+          <a:fillRef idx="0">
+            <a:schemeClr val="dk1"/>
+          </a:fillRef>
+          <a:effectRef idx="0">
+            <a:schemeClr val="dk1"/>
+          </a:effectRef>
+          <a:fontRef idx="minor">
+            <a:schemeClr val="tx1"/>
+          </a:fontRef>
+        </p:style>
+      </p:cxnSp>
+      <p:cxnSp>
+        <p:nvCxnSpPr>
+          <p:cNvPr id="78" name="Straight Connector 77">
+            <a:extLst>
+              <a:ext uri="{FF2B5EF4-FFF2-40B4-BE49-F238E27FC236}">
+                <a16:creationId xmlns:a16="http://schemas.microsoft.com/office/drawing/2014/main" id="{E0BD9383-0A04-613D-30FF-CCE186654234}"/>
+              </a:ext>
+            </a:extLst>
+          </p:cNvPr>
+          <p:cNvCxnSpPr>
+            <a:cxnSpLocks/>
+          </p:cNvCxnSpPr>
+          <p:nvPr/>
+        </p:nvCxnSpPr>
+        <p:spPr>
+          <a:xfrm flipH="1" flipV="1">
+            <a:off x="8495645" y="746885"/>
+            <a:ext cx="20141" cy="1339195"/>
+          </a:xfrm>
+          <a:prstGeom prst="line">
+            <a:avLst/>
+          </a:prstGeom>
+        </p:spPr>
+        <p:style>
+          <a:lnRef idx="1">
+            <a:schemeClr val="dk1"/>
+          </a:lnRef>
+          <a:fillRef idx="0">
+            <a:schemeClr val="dk1"/>
+          </a:fillRef>
+          <a:effectRef idx="0">
+            <a:schemeClr val="dk1"/>
+          </a:effectRef>
+          <a:fontRef idx="minor">
+            <a:schemeClr val="tx1"/>
+          </a:fontRef>
+        </p:style>
+      </p:cxnSp>
+      <p:cxnSp>
+        <p:nvCxnSpPr>
+          <p:cNvPr id="87" name="Straight Connector 86">
+            <a:extLst>
+              <a:ext uri="{FF2B5EF4-FFF2-40B4-BE49-F238E27FC236}">
+                <a16:creationId xmlns:a16="http://schemas.microsoft.com/office/drawing/2014/main" id="{488D2F4A-8412-488E-DF08-A9DE7845C38C}"/>
+              </a:ext>
+            </a:extLst>
+          </p:cNvPr>
+          <p:cNvCxnSpPr/>
+          <p:nvPr/>
+        </p:nvCxnSpPr>
+        <p:spPr>
+          <a:xfrm>
+            <a:off x="7321790" y="2224579"/>
+            <a:ext cx="1866088" cy="0"/>
+          </a:xfrm>
+          <a:prstGeom prst="line">
+            <a:avLst/>
+          </a:prstGeom>
+        </p:spPr>
+        <p:style>
+          <a:lnRef idx="1">
+            <a:schemeClr val="dk1"/>
+          </a:lnRef>
+          <a:fillRef idx="0">
+            <a:schemeClr val="dk1"/>
+          </a:fillRef>
+          <a:effectRef idx="0">
+            <a:schemeClr val="dk1"/>
+          </a:effectRef>
+          <a:fontRef idx="minor">
+            <a:schemeClr val="tx1"/>
+          </a:fontRef>
+        </p:style>
+      </p:cxnSp>
+      <p:cxnSp>
+        <p:nvCxnSpPr>
+          <p:cNvPr id="91" name="Straight Connector 90">
+            <a:extLst>
+              <a:ext uri="{FF2B5EF4-FFF2-40B4-BE49-F238E27FC236}">
+                <a16:creationId xmlns:a16="http://schemas.microsoft.com/office/drawing/2014/main" id="{2C1D7EE4-DA1F-5718-09AE-56882F2A7836}"/>
+              </a:ext>
+            </a:extLst>
+          </p:cNvPr>
+          <p:cNvCxnSpPr/>
+          <p:nvPr/>
+        </p:nvCxnSpPr>
+        <p:spPr>
+          <a:xfrm flipV="1">
+            <a:off x="9187878" y="746885"/>
+            <a:ext cx="0" cy="1477694"/>
+          </a:xfrm>
+          <a:prstGeom prst="line">
+            <a:avLst/>
+          </a:prstGeom>
+        </p:spPr>
+        <p:style>
+          <a:lnRef idx="1">
+            <a:schemeClr val="dk1"/>
+          </a:lnRef>
+          <a:fillRef idx="0">
+            <a:schemeClr val="dk1"/>
+          </a:fillRef>
+          <a:effectRef idx="0">
+            <a:schemeClr val="dk1"/>
+          </a:effectRef>
+          <a:fontRef idx="minor">
+            <a:schemeClr val="tx1"/>
+          </a:fontRef>
+        </p:style>
+      </p:cxnSp>
+      <p:cxnSp>
+        <p:nvCxnSpPr>
+          <p:cNvPr id="97" name="Straight Connector 96">
+            <a:extLst>
+              <a:ext uri="{FF2B5EF4-FFF2-40B4-BE49-F238E27FC236}">
+                <a16:creationId xmlns:a16="http://schemas.microsoft.com/office/drawing/2014/main" id="{0D603D28-1591-9319-9074-4879AAAF2BE2}"/>
+              </a:ext>
+            </a:extLst>
+          </p:cNvPr>
+          <p:cNvCxnSpPr>
+            <a:cxnSpLocks/>
+          </p:cNvCxnSpPr>
+          <p:nvPr/>
+        </p:nvCxnSpPr>
+        <p:spPr>
+          <a:xfrm flipV="1">
+            <a:off x="10234670" y="746885"/>
+            <a:ext cx="0" cy="3481099"/>
           </a:xfrm>
           <a:prstGeom prst="line">
             <a:avLst/>
@@ -19168,66 +20178,6 @@
     <p:extLst>
       <p:ext uri="{BB962C8B-B14F-4D97-AF65-F5344CB8AC3E}">
         <p14:creationId xmlns:p14="http://schemas.microsoft.com/office/powerpoint/2010/main" val="2487846608"/>
-      </p:ext>
-    </p:extLst>
-  </p:cSld>
-  <p:clrMapOvr>
-    <a:masterClrMapping/>
-  </p:clrMapOvr>
-</p:sld>
-</file>
-
-<file path=ppt/slides/slide5.xml><?xml version="1.0" encoding="utf-8"?>
-<p:sld xmlns:a="http://schemas.openxmlformats.org/drawingml/2006/main" xmlns:r="http://schemas.openxmlformats.org/officeDocument/2006/relationships" xmlns:p="http://schemas.openxmlformats.org/presentationml/2006/main">
-  <p:cSld>
-    <p:spTree>
-      <p:nvGrpSpPr>
-        <p:cNvPr id="1" name=""/>
-        <p:cNvGrpSpPr/>
-        <p:nvPr/>
-      </p:nvGrpSpPr>
-      <p:grpSpPr>
-        <a:xfrm>
-          <a:off x="0" y="0"/>
-          <a:ext cx="0" cy="0"/>
-          <a:chOff x="0" y="0"/>
-          <a:chExt cx="0" cy="0"/>
-        </a:xfrm>
-      </p:grpSpPr>
-      <p:pic>
-        <p:nvPicPr>
-          <p:cNvPr id="9" name="Picture 8" descr="A diagram of a computer&#10;&#10;Description automatically generated">
-            <a:extLst>
-              <a:ext uri="{FF2B5EF4-FFF2-40B4-BE49-F238E27FC236}">
-                <a16:creationId xmlns:a16="http://schemas.microsoft.com/office/drawing/2014/main" id="{E0663F0D-4A2D-8D9D-064E-BD37206FF7B4}"/>
-              </a:ext>
-            </a:extLst>
-          </p:cNvPr>
-          <p:cNvPicPr>
-            <a:picLocks noChangeAspect="1"/>
-          </p:cNvPicPr>
-          <p:nvPr/>
-        </p:nvPicPr>
-        <p:blipFill>
-          <a:blip r:embed="rId3"/>
-          <a:stretch>
-            <a:fillRect/>
-          </a:stretch>
-        </p:blipFill>
-        <p:spPr>
-          <a:xfrm>
-            <a:off x="2226054" y="0"/>
-            <a:ext cx="7739891" cy="6858000"/>
-          </a:xfrm>
-          <a:prstGeom prst="rect">
-            <a:avLst/>
-          </a:prstGeom>
-        </p:spPr>
-      </p:pic>
-    </p:spTree>
-    <p:extLst>
-      <p:ext uri="{BB962C8B-B14F-4D97-AF65-F5344CB8AC3E}">
-        <p14:creationId xmlns:p14="http://schemas.microsoft.com/office/powerpoint/2010/main" val="4062861579"/>
       </p:ext>
     </p:extLst>
   </p:cSld>
@@ -19254,6 +20204,66 @@
           <a:chExt cx="0" cy="0"/>
         </a:xfrm>
       </p:grpSpPr>
+      <p:pic>
+        <p:nvPicPr>
+          <p:cNvPr id="3" name="Picture 2" descr="A diagram of a data flow&#10;&#10;Description automatically generated">
+            <a:extLst>
+              <a:ext uri="{FF2B5EF4-FFF2-40B4-BE49-F238E27FC236}">
+                <a16:creationId xmlns:a16="http://schemas.microsoft.com/office/drawing/2014/main" id="{7CFAFF56-60EC-9E45-CED5-E762EE294693}"/>
+              </a:ext>
+            </a:extLst>
+          </p:cNvPr>
+          <p:cNvPicPr>
+            <a:picLocks noChangeAspect="1"/>
+          </p:cNvPicPr>
+          <p:nvPr/>
+        </p:nvPicPr>
+        <p:blipFill>
+          <a:blip r:embed="rId3"/>
+          <a:stretch>
+            <a:fillRect/>
+          </a:stretch>
+        </p:blipFill>
+        <p:spPr>
+          <a:xfrm>
+            <a:off x="2239443" y="0"/>
+            <a:ext cx="7713113" cy="6858000"/>
+          </a:xfrm>
+          <a:prstGeom prst="rect">
+            <a:avLst/>
+          </a:prstGeom>
+        </p:spPr>
+      </p:pic>
+    </p:spTree>
+    <p:extLst>
+      <p:ext uri="{BB962C8B-B14F-4D97-AF65-F5344CB8AC3E}">
+        <p14:creationId xmlns:p14="http://schemas.microsoft.com/office/powerpoint/2010/main" val="4062861579"/>
+      </p:ext>
+    </p:extLst>
+  </p:cSld>
+  <p:clrMapOvr>
+    <a:masterClrMapping/>
+  </p:clrMapOvr>
+</p:sld>
+</file>
+
+<file path=ppt/slides/slide7.xml><?xml version="1.0" encoding="utf-8"?>
+<p:sld xmlns:a="http://schemas.openxmlformats.org/drawingml/2006/main" xmlns:r="http://schemas.openxmlformats.org/officeDocument/2006/relationships" xmlns:p="http://schemas.openxmlformats.org/presentationml/2006/main">
+  <p:cSld>
+    <p:spTree>
+      <p:nvGrpSpPr>
+        <p:cNvPr id="1" name=""/>
+        <p:cNvGrpSpPr/>
+        <p:nvPr/>
+      </p:nvGrpSpPr>
+      <p:grpSpPr>
+        <a:xfrm>
+          <a:off x="0" y="0"/>
+          <a:ext cx="0" cy="0"/>
+          <a:chOff x="0" y="0"/>
+          <a:chExt cx="0" cy="0"/>
+        </a:xfrm>
+      </p:grpSpPr>
       <p:sp>
         <p:nvSpPr>
           <p:cNvPr id="4" name="TextBox 3">
@@ -19304,7 +20314,7 @@
         <p:spPr>
           <a:xfrm>
             <a:off x="451262" y="1009403"/>
-            <a:ext cx="11495315" cy="1754326"/>
+            <a:ext cx="11495315" cy="2585323"/>
           </a:xfrm>
           <a:prstGeom prst="rect">
             <a:avLst/>
@@ -19322,15 +20332,40 @@
             </a:pPr>
             <a:r>
               <a:rPr lang="en-US" dirty="0"/>
-              <a:t>Assuming that area is a georgical area and </a:t>
+              <a:t>Assuming that </a:t>
             </a:r>
             <a:r>
               <a:rPr lang="en-US" dirty="0" err="1"/>
-              <a:t>Rptd_Dist_No</a:t>
+              <a:t>Rpt_Dst_No</a:t>
             </a:r>
             <a:r>
               <a:rPr lang="en-US" dirty="0"/>
-              <a:t> is a sub area withing the area then we can use this as a PK since it is more specific.</a:t>
+              <a:t> is more unique than Area or </a:t>
+            </a:r>
+            <a:r>
+              <a:rPr lang="en-US" dirty="0" err="1"/>
+              <a:t>Area_Name</a:t>
+            </a:r>
+            <a:r>
+              <a:rPr lang="en-US" dirty="0"/>
+              <a:t> so that is left in the incidents table.</a:t>
+            </a:r>
+          </a:p>
+          <a:p>
+            <a:pPr marL="342900" indent="-342900">
+              <a:buAutoNum type="arabicPeriod"/>
+            </a:pPr>
+            <a:r>
+              <a:rPr lang="en-US" dirty="0"/>
+              <a:t>Assuming that neither Location, </a:t>
+            </a:r>
+            <a:r>
+              <a:rPr lang="en-US" dirty="0" err="1"/>
+              <a:t>Cross_Street</a:t>
+            </a:r>
+            <a:r>
+              <a:rPr lang="en-US" dirty="0"/>
+              <a:t>, Lon, or Lat are unique enough to be a primary key.</a:t>
             </a:r>
           </a:p>
           <a:p>
@@ -19348,7 +20383,7 @@
             </a:pPr>
             <a:r>
               <a:rPr lang="en-US" dirty="0"/>
-              <a:t>For location I am assuming that if you have the location and the cross street as a composite key this can be primary key since it is unique enough and this can be confirmed by the latitude and longitude</a:t>
+              <a:t>Crime code can have no description it can be null.</a:t>
             </a:r>
           </a:p>
           <a:p>
@@ -19357,8 +20392,40 @@
             </a:pPr>
             <a:r>
               <a:rPr lang="en-US" dirty="0"/>
-              <a:t>Crime code can have no description, it can be null</a:t>
+              <a:t>I am assuming that part should go with </a:t>
             </a:r>
+            <a:r>
+              <a:rPr lang="en-US" dirty="0" err="1"/>
+              <a:t>crime_cd_description</a:t>
+            </a:r>
+            <a:r>
+              <a:rPr lang="en-US" dirty="0"/>
+              <a:t>.</a:t>
+            </a:r>
+          </a:p>
+          <a:p>
+            <a:pPr marL="342900" indent="-342900">
+              <a:buAutoNum type="arabicPeriod" startAt="2"/>
+            </a:pPr>
+            <a:r>
+              <a:rPr lang="en-US" dirty="0"/>
+              <a:t>Cross street can be null since there are missing data values.</a:t>
+            </a:r>
+          </a:p>
+          <a:p>
+            <a:pPr marL="342900" indent="-342900">
+              <a:buAutoNum type="arabicPeriod" startAt="2"/>
+            </a:pPr>
+            <a:r>
+              <a:rPr lang="en-US" dirty="0"/>
+              <a:t>There is no unique identifier for victim even if we made a surrogate key we would end up with repeated values in the database, so they are kept in the incident table.</a:t>
+            </a:r>
+          </a:p>
+          <a:p>
+            <a:pPr marL="342900" indent="-342900">
+              <a:buAutoNum type="arabicPeriod" startAt="2"/>
+            </a:pPr>
+            <a:endParaRPr lang="en-US" dirty="0"/>
           </a:p>
         </p:txBody>
       </p:sp>
@@ -19375,7 +20442,7 @@
 </p:sld>
 </file>
 
-<file path=ppt/slides/slide7.xml><?xml version="1.0" encoding="utf-8"?>
+<file path=ppt/slides/slide8.xml><?xml version="1.0" encoding="utf-8"?>
 <p:sld xmlns:a="http://schemas.openxmlformats.org/drawingml/2006/main" xmlns:r="http://schemas.openxmlformats.org/officeDocument/2006/relationships" xmlns:p="http://schemas.openxmlformats.org/presentationml/2006/main">
   <p:cSld>
     <p:spTree>
@@ -19690,13 +20757,8 @@
             </a:r>
             <a:r>
               <a:rPr lang="en-US" sz="1200" dirty="0"/>
-              <a:t> = 'F' and the weapon description includes firearm-related terms. </a:t>
+              <a:t> = 'F' and the weapon description includes firearm-related terms. Then, I will extract the month from DATE_OCC and group the results to count the number of such incidents per month.</a:t>
             </a:r>
-            <a:r>
-              <a:rPr lang="en-US" sz="1200"/>
-              <a:t>Then, I will extract the month from DATE_OCC and group the results to count the number of such incidents per month.</a:t>
-            </a:r>
-            <a:endParaRPr lang="en-US" sz="1200" dirty="0"/>
           </a:p>
         </p:txBody>
       </p:sp>
